--- a/Sem_II/MASI/Proiect_de_an/MASI_Proiect_de_an_CloudSentinel_Chirita_Stanislav_Chihai_Adrian_Vozian_Vladimir_BobocSandu.pptx
+++ b/Sem_II/MASI/Proiect_de_an/MASI_Proiect_de_an_CloudSentinel_Chirita_Stanislav_Chihai_Adrian_Vozian_Vladimir_BobocSandu.pptx
@@ -22,6 +22,9 @@
     <p:sldId id="256" r:id="rId15"/>
     <p:sldId id="257" r:id="rId16"/>
     <p:sldId id="258" r:id="rId17"/>
+    <p:sldId id="259" r:id="rId18"/>
+    <p:sldId id="260" r:id="rId19"/>
+    <p:sldId id="261" r:id="rId20"/>
   </p:sldIdLst>
   <p:sldSz cx="9144000" cy="6858000"/>
   <p:notesSz cx="6858000" cy="9144000"/>
@@ -47,7 +50,7 @@
       </p:grpSpPr>
       <p:sp>
         <p:nvSpPr>
-          <p:cNvPr id="48" name="PlaceHolder 1"/>
+          <p:cNvPr id="28" name="PlaceHolder 1"/>
           <p:cNvSpPr>
             <a:spLocks noGrp="1"/>
           </p:cNvSpPr>
@@ -73,27 +76,28 @@
             <a:noAutofit/>
           </a:bodyPr>
           <a:p>
-            <a:r>
-              <a:rPr b="0" lang="en-US" sz="1800" spc="-1" strike="noStrike">
-                <a:solidFill>
-                  <a:schemeClr val="dk1"/>
-                </a:solidFill>
-                <a:latin typeface="Calibri"/>
+            <a:pPr algn="ctr"/>
+            <a:r>
+              <a:rPr b="0" lang="en-US" sz="4400" spc="-1" strike="noStrike">
+                <a:solidFill>
+                  <a:srgbClr val="000000"/>
+                </a:solidFill>
+                <a:latin typeface="Arial"/>
               </a:rPr>
               <a:t>Click to move the slide</a:t>
             </a:r>
-            <a:endParaRPr b="0" lang="en-US" sz="1800" spc="-1" strike="noStrike">
-              <a:solidFill>
-                <a:schemeClr val="dk1"/>
-              </a:solidFill>
-              <a:latin typeface="Calibri"/>
+            <a:endParaRPr b="0" lang="en-US" sz="4400" spc="-1" strike="noStrike">
+              <a:solidFill>
+                <a:srgbClr val="000000"/>
+              </a:solidFill>
+              <a:latin typeface="Arial"/>
             </a:endParaRPr>
           </a:p>
         </p:txBody>
       </p:sp>
       <p:sp>
         <p:nvSpPr>
-          <p:cNvPr id="49" name="PlaceHolder 2"/>
+          <p:cNvPr id="29" name="PlaceHolder 2"/>
           <p:cNvSpPr>
             <a:spLocks noGrp="1"/>
           </p:cNvSpPr>
@@ -142,7 +146,7 @@
       </p:sp>
       <p:sp>
         <p:nvSpPr>
-          <p:cNvPr id="50" name="PlaceHolder 3"/>
+          <p:cNvPr id="30" name="PlaceHolder 3"/>
           <p:cNvSpPr>
             <a:spLocks noGrp="1"/>
           </p:cNvSpPr>
@@ -191,7 +195,7 @@
       </p:sp>
       <p:sp>
         <p:nvSpPr>
-          <p:cNvPr id="51" name="PlaceHolder 4"/>
+          <p:cNvPr id="31" name="PlaceHolder 4"/>
           <p:cNvSpPr>
             <a:spLocks noGrp="1"/>
           </p:cNvSpPr>
@@ -251,7 +255,7 @@
       </p:sp>
       <p:sp>
         <p:nvSpPr>
-          <p:cNvPr id="52" name="PlaceHolder 5"/>
+          <p:cNvPr id="32" name="PlaceHolder 5"/>
           <p:cNvSpPr>
             <a:spLocks noGrp="1"/>
           </p:cNvSpPr>
@@ -311,7 +315,7 @@
       </p:sp>
       <p:sp>
         <p:nvSpPr>
-          <p:cNvPr id="53" name="PlaceHolder 6"/>
+          <p:cNvPr id="33" name="PlaceHolder 6"/>
           <p:cNvSpPr>
             <a:spLocks noGrp="1"/>
           </p:cNvSpPr>
@@ -351,7 +355,7 @@
             <a:pPr indent="0" algn="r">
               <a:buNone/>
             </a:pPr>
-            <a:fld id="{782B6920-DE8A-4395-B592-415D338E45B9}" type="slidenum">
+            <a:fld id="{090214DA-0944-42FC-9A39-E098BA7FB225}" type="slidenum">
               <a:rPr b="0" lang="en-US" sz="1400" spc="-1" strike="noStrike">
                 <a:solidFill>
                   <a:srgbClr val="000000"/>
@@ -394,7 +398,7 @@
       </p:grpSpPr>
       <p:sp>
         <p:nvSpPr>
-          <p:cNvPr id="61" name="PlaceHolder 1"/>
+          <p:cNvPr id="50" name="PlaceHolder 1"/>
           <p:cNvSpPr>
             <a:spLocks noGrp="1"/>
           </p:cNvSpPr>
@@ -405,7 +409,7 @@
         <p:spPr>
           <a:xfrm>
             <a:off x="1371600" y="1143000"/>
-            <a:ext cx="4114440" cy="3085920"/>
+            <a:ext cx="4113720" cy="3085200"/>
           </a:xfrm>
           <a:prstGeom prst="rect">
             <a:avLst/>
@@ -417,7 +421,7 @@
       </p:sp>
       <p:sp>
         <p:nvSpPr>
-          <p:cNvPr id="62" name="PlaceHolder 2"/>
+          <p:cNvPr id="51" name="PlaceHolder 2"/>
           <p:cNvSpPr>
             <a:spLocks noGrp="1"/>
           </p:cNvSpPr>
@@ -428,7 +432,7 @@
         <p:spPr>
           <a:xfrm>
             <a:off x="685800" y="4400640"/>
-            <a:ext cx="5486040" cy="3600000"/>
+            <a:ext cx="5485320" cy="3599280"/>
           </a:xfrm>
           <a:prstGeom prst="rect">
             <a:avLst/>
@@ -448,6 +452,9 @@
                 <a:spcPct val="100000"/>
               </a:lnSpc>
               <a:buNone/>
+              <a:tabLst>
+                <a:tab algn="l" pos="0"/>
+              </a:tabLst>
             </a:pPr>
             <a:r>
               <a:rPr b="0" lang="en-US" sz="2000" spc="-1" strike="noStrike">
@@ -471,6 +478,9 @@
                 <a:spcPct val="100000"/>
               </a:lnSpc>
               <a:buNone/>
+              <a:tabLst>
+                <a:tab algn="l" pos="0"/>
+              </a:tabLst>
             </a:pPr>
             <a:r>
               <a:rPr b="0" lang="en-US" sz="2000" spc="-1" strike="noStrike">
@@ -494,6 +504,9 @@
                 <a:spcPct val="100000"/>
               </a:lnSpc>
               <a:buNone/>
+              <a:tabLst>
+                <a:tab algn="l" pos="0"/>
+              </a:tabLst>
             </a:pPr>
             <a:r>
               <a:rPr b="0" lang="en-US" sz="2000" spc="-1" strike="noStrike">
@@ -517,6 +530,9 @@
                 <a:spcPct val="100000"/>
               </a:lnSpc>
               <a:buNone/>
+              <a:tabLst>
+                <a:tab algn="l" pos="0"/>
+              </a:tabLst>
             </a:pPr>
             <a:endParaRPr b="0" lang="en-US" sz="2000" spc="-1" strike="noStrike">
               <a:solidFill>
@@ -529,7 +545,7 @@
       </p:sp>
       <p:sp>
         <p:nvSpPr>
-          <p:cNvPr id="63" name="PlaceHolder 3"/>
+          <p:cNvPr id="52" name="PlaceHolder 3"/>
           <p:cNvSpPr>
             <a:spLocks noGrp="1"/>
           </p:cNvSpPr>
@@ -540,7 +556,7 @@
         <p:spPr>
           <a:xfrm>
             <a:off x="3884760" y="8685360"/>
-            <a:ext cx="2971440" cy="458280"/>
+            <a:ext cx="2970720" cy="457560"/>
           </a:xfrm>
           <a:prstGeom prst="rect">
             <a:avLst/>
@@ -560,6 +576,9 @@
                 <a:spcPct val="100000"/>
               </a:lnSpc>
               <a:buNone/>
+              <a:tabLst>
+                <a:tab algn="l" pos="0"/>
+              </a:tabLst>
               <a:defRPr b="0" lang="en-US" sz="1200" spc="-1" strike="noStrike">
                 <a:solidFill>
                   <a:srgbClr val="000000"/>
@@ -574,8 +593,11 @@
                 <a:spcPct val="100000"/>
               </a:lnSpc>
               <a:buNone/>
-            </a:pPr>
-            <a:fld id="{8A5CF16A-09B6-41E2-8096-5606C770B482}" type="slidenum">
+              <a:tabLst>
+                <a:tab algn="l" pos="0"/>
+              </a:tabLst>
+            </a:pPr>
+            <a:fld id="{657A64E5-D7BA-42B3-AC34-67AAAD8FCB1A}" type="slidenum">
               <a:rPr b="0" lang="en-US" sz="1200" spc="-1" strike="noStrike">
                 <a:solidFill>
                   <a:srgbClr val="000000"/>
@@ -617,7 +639,7 @@
       </p:grpSpPr>
       <p:sp>
         <p:nvSpPr>
-          <p:cNvPr id="64" name="PlaceHolder 1"/>
+          <p:cNvPr id="53" name="PlaceHolder 1"/>
           <p:cNvSpPr>
             <a:spLocks noGrp="1"/>
           </p:cNvSpPr>
@@ -628,7 +650,7 @@
         <p:spPr>
           <a:xfrm>
             <a:off x="1371600" y="1143000"/>
-            <a:ext cx="4114440" cy="3085920"/>
+            <a:ext cx="4113720" cy="3085200"/>
           </a:xfrm>
           <a:prstGeom prst="rect">
             <a:avLst/>
@@ -640,7 +662,7 @@
       </p:sp>
       <p:sp>
         <p:nvSpPr>
-          <p:cNvPr id="65" name="PlaceHolder 2"/>
+          <p:cNvPr id="54" name="PlaceHolder 2"/>
           <p:cNvSpPr>
             <a:spLocks noGrp="1"/>
           </p:cNvSpPr>
@@ -651,7 +673,7 @@
         <p:spPr>
           <a:xfrm>
             <a:off x="685800" y="4400640"/>
-            <a:ext cx="5486040" cy="3600000"/>
+            <a:ext cx="5485320" cy="3599280"/>
           </a:xfrm>
           <a:prstGeom prst="rect">
             <a:avLst/>
@@ -671,6 +693,9 @@
                 <a:spcPct val="100000"/>
               </a:lnSpc>
               <a:buNone/>
+              <a:tabLst>
+                <a:tab algn="l" pos="0"/>
+              </a:tabLst>
             </a:pPr>
             <a:r>
               <a:rPr b="0" lang="en-US" sz="2000" spc="-1" strike="noStrike">
@@ -694,6 +719,9 @@
                 <a:spcPct val="100000"/>
               </a:lnSpc>
               <a:buNone/>
+              <a:tabLst>
+                <a:tab algn="l" pos="0"/>
+              </a:tabLst>
             </a:pPr>
             <a:r>
               <a:rPr b="0" lang="en-US" sz="2000" spc="-1" strike="noStrike">
@@ -717,6 +745,9 @@
                 <a:spcPct val="100000"/>
               </a:lnSpc>
               <a:buNone/>
+              <a:tabLst>
+                <a:tab algn="l" pos="0"/>
+              </a:tabLst>
             </a:pPr>
             <a:r>
               <a:rPr b="0" lang="en-US" sz="2000" spc="-1" strike="noStrike">
@@ -740,6 +771,9 @@
                 <a:spcPct val="100000"/>
               </a:lnSpc>
               <a:buNone/>
+              <a:tabLst>
+                <a:tab algn="l" pos="0"/>
+              </a:tabLst>
             </a:pPr>
             <a:endParaRPr b="0" lang="en-US" sz="2000" spc="-1" strike="noStrike">
               <a:solidFill>
@@ -752,7 +786,7 @@
       </p:sp>
       <p:sp>
         <p:nvSpPr>
-          <p:cNvPr id="66" name="PlaceHolder 3"/>
+          <p:cNvPr id="55" name="PlaceHolder 3"/>
           <p:cNvSpPr>
             <a:spLocks noGrp="1"/>
           </p:cNvSpPr>
@@ -763,7 +797,7 @@
         <p:spPr>
           <a:xfrm>
             <a:off x="3884760" y="8685360"/>
-            <a:ext cx="2971440" cy="458280"/>
+            <a:ext cx="2970720" cy="457560"/>
           </a:xfrm>
           <a:prstGeom prst="rect">
             <a:avLst/>
@@ -783,6 +817,9 @@
                 <a:spcPct val="100000"/>
               </a:lnSpc>
               <a:buNone/>
+              <a:tabLst>
+                <a:tab algn="l" pos="0"/>
+              </a:tabLst>
               <a:defRPr b="0" lang="en-US" sz="1200" spc="-1" strike="noStrike">
                 <a:solidFill>
                   <a:srgbClr val="000000"/>
@@ -797,8 +834,734 @@
                 <a:spcPct val="100000"/>
               </a:lnSpc>
               <a:buNone/>
-            </a:pPr>
-            <a:fld id="{D40C1BC0-0F9D-4201-AE4F-AFBDD63597C8}" type="slidenum">
+              <a:tabLst>
+                <a:tab algn="l" pos="0"/>
+              </a:tabLst>
+            </a:pPr>
+            <a:fld id="{2DBC7F53-0CCC-42F6-898C-F493777D32A2}" type="slidenum">
+              <a:rPr b="0" lang="en-US" sz="1200" spc="-1" strike="noStrike">
+                <a:solidFill>
+                  <a:srgbClr val="000000"/>
+                </a:solidFill>
+                <a:latin typeface="Times New Roman"/>
+              </a:rPr>
+              <a:t>&lt;number&gt;</a:t>
+            </a:fld>
+            <a:endParaRPr b="0" lang="en-US" sz="1200" spc="-1" strike="noStrike">
+              <a:solidFill>
+                <a:srgbClr val="000000"/>
+              </a:solidFill>
+              <a:latin typeface="Times New Roman"/>
+            </a:endParaRPr>
+          </a:p>
+        </p:txBody>
+      </p:sp>
+    </p:spTree>
+  </p:cSld>
+</p:notes>
+</file>
+
+<file path=ppt/notesSlides/notesSlide4.xml><?xml version="1.0" encoding="utf-8"?>
+<p:notes xmlns:a="http://schemas.openxmlformats.org/drawingml/2006/main" xmlns:p="http://schemas.openxmlformats.org/presentationml/2006/main" xmlns:r="http://schemas.openxmlformats.org/officeDocument/2006/relationships" xmlns:p14="http://schemas.microsoft.com/office/powerpoint/2010/main" xmlns:p15="http://schemas.microsoft.com/office/powerpoint/2012/main" xmlns:mc="http://schemas.openxmlformats.org/markup-compatibility/2006">
+  <p:cSld>
+    <p:spTree>
+      <p:nvGrpSpPr>
+        <p:cNvPr id="1" name=""/>
+        <p:cNvGrpSpPr/>
+        <p:nvPr/>
+      </p:nvGrpSpPr>
+      <p:grpSpPr>
+        <a:xfrm>
+          <a:off x="0" y="0"/>
+          <a:ext cx="0" cy="0"/>
+          <a:chOff x="0" y="0"/>
+          <a:chExt cx="0" cy="0"/>
+        </a:xfrm>
+      </p:grpSpPr>
+      <p:sp>
+        <p:nvSpPr>
+          <p:cNvPr id="56" name="PlaceHolder 1"/>
+          <p:cNvSpPr>
+            <a:spLocks noGrp="1"/>
+          </p:cNvSpPr>
+          <p:nvPr>
+            <p:ph type="sldImg"/>
+          </p:nvPr>
+        </p:nvSpPr>
+        <p:spPr>
+          <a:xfrm>
+            <a:off x="1371600" y="1143000"/>
+            <a:ext cx="4113720" cy="3085200"/>
+          </a:xfrm>
+          <a:prstGeom prst="rect">
+            <a:avLst/>
+          </a:prstGeom>
+          <a:ln w="0">
+            <a:noFill/>
+          </a:ln>
+        </p:spPr>
+      </p:sp>
+      <p:sp>
+        <p:nvSpPr>
+          <p:cNvPr id="57" name="PlaceHolder 2"/>
+          <p:cNvSpPr>
+            <a:spLocks noGrp="1"/>
+          </p:cNvSpPr>
+          <p:nvPr>
+            <p:ph type="body"/>
+          </p:nvPr>
+        </p:nvSpPr>
+        <p:spPr>
+          <a:xfrm>
+            <a:off x="685800" y="4400640"/>
+            <a:ext cx="5485320" cy="3599280"/>
+          </a:xfrm>
+          <a:prstGeom prst="rect">
+            <a:avLst/>
+          </a:prstGeom>
+          <a:noFill/>
+          <a:ln w="0">
+            <a:noFill/>
+          </a:ln>
+        </p:spPr>
+        <p:txBody>
+          <a:bodyPr lIns="91440" rIns="91440" tIns="45720" bIns="45720" anchor="t">
+            <a:noAutofit/>
+          </a:bodyPr>
+          <a:p>
+            <a:pPr marL="216000" indent="0">
+              <a:lnSpc>
+                <a:spcPct val="100000"/>
+              </a:lnSpc>
+              <a:buNone/>
+              <a:tabLst>
+                <a:tab algn="l" pos="0"/>
+              </a:tabLst>
+            </a:pPr>
+            <a:r>
+              <a:rPr b="0" lang="en-US" sz="2000" spc="-1" strike="noStrike">
+                <a:solidFill>
+                  <a:srgbClr val="000000"/>
+                </a:solidFill>
+                <a:latin typeface="Arial"/>
+              </a:rPr>
+              <a:t>Testarea configurării corecte a serverului web și a infrastructurii: Verificarea configurării corecte a serverului web și a altor componente ale infrastructurii, cum ar fi firewall-urile și sistemele de detecție a intruziunilor, pentru a preveni expunerea inutilă la riscuri de securitate.</a:t>
+            </a:r>
+            <a:endParaRPr b="0" lang="en-US" sz="2000" spc="-1" strike="noStrike">
+              <a:solidFill>
+                <a:srgbClr val="000000"/>
+              </a:solidFill>
+              <a:latin typeface="Arial"/>
+            </a:endParaRPr>
+          </a:p>
+          <a:p>
+            <a:pPr marL="216000" indent="0">
+              <a:lnSpc>
+                <a:spcPct val="100000"/>
+              </a:lnSpc>
+              <a:buNone/>
+              <a:tabLst>
+                <a:tab algn="l" pos="0"/>
+              </a:tabLst>
+            </a:pPr>
+            <a:r>
+              <a:rPr b="0" lang="en-US" sz="2000" spc="-1" strike="noStrike">
+                <a:solidFill>
+                  <a:srgbClr val="000000"/>
+                </a:solidFill>
+                <a:latin typeface="Arial"/>
+              </a:rPr>
+              <a:t>Testarea împotriva amenințărilor de tip zero-day: Evaluarea capacității aplicației web de a detecta și de a se proteja împotriva amenințărilor de securitate noi și neidentificate anterior.</a:t>
+            </a:r>
+            <a:endParaRPr b="0" lang="en-US" sz="2000" spc="-1" strike="noStrike">
+              <a:solidFill>
+                <a:srgbClr val="000000"/>
+              </a:solidFill>
+              <a:latin typeface="Arial"/>
+            </a:endParaRPr>
+          </a:p>
+          <a:p>
+            <a:pPr marL="216000" indent="0">
+              <a:lnSpc>
+                <a:spcPct val="100000"/>
+              </a:lnSpc>
+              <a:buNone/>
+              <a:tabLst>
+                <a:tab algn="l" pos="0"/>
+              </a:tabLst>
+            </a:pPr>
+            <a:r>
+              <a:rPr b="0" lang="en-US" sz="2000" spc="-1" strike="noStrike">
+                <a:solidFill>
+                  <a:srgbClr val="000000"/>
+                </a:solidFill>
+                <a:latin typeface="Arial"/>
+              </a:rPr>
+              <a:t>Testarea în cadrul ciclului de dezvoltare (DevSecOps): Integrarea testării de securitate în cadrul ciclului de dezvoltare a aplicației web pentru a identifica și a remedia vulnerabilitățile într-un mod continuu și automatizat.</a:t>
+            </a:r>
+            <a:endParaRPr b="0" lang="en-US" sz="2000" spc="-1" strike="noStrike">
+              <a:solidFill>
+                <a:srgbClr val="000000"/>
+              </a:solidFill>
+              <a:latin typeface="Arial"/>
+            </a:endParaRPr>
+          </a:p>
+          <a:p>
+            <a:pPr marL="216000" indent="0">
+              <a:lnSpc>
+                <a:spcPct val="100000"/>
+              </a:lnSpc>
+              <a:buNone/>
+              <a:tabLst>
+                <a:tab algn="l" pos="0"/>
+              </a:tabLst>
+            </a:pPr>
+            <a:endParaRPr b="0" lang="en-US" sz="2000" spc="-1" strike="noStrike">
+              <a:solidFill>
+                <a:srgbClr val="000000"/>
+              </a:solidFill>
+              <a:latin typeface="Arial"/>
+            </a:endParaRPr>
+          </a:p>
+        </p:txBody>
+      </p:sp>
+      <p:sp>
+        <p:nvSpPr>
+          <p:cNvPr id="58" name="PlaceHolder 3"/>
+          <p:cNvSpPr>
+            <a:spLocks noGrp="1"/>
+          </p:cNvSpPr>
+          <p:nvPr>
+            <p:ph type="sldNum" idx="30"/>
+          </p:nvPr>
+        </p:nvSpPr>
+        <p:spPr>
+          <a:xfrm>
+            <a:off x="3884760" y="8685360"/>
+            <a:ext cx="2970720" cy="457560"/>
+          </a:xfrm>
+          <a:prstGeom prst="rect">
+            <a:avLst/>
+          </a:prstGeom>
+          <a:noFill/>
+          <a:ln w="0">
+            <a:noFill/>
+          </a:ln>
+        </p:spPr>
+        <p:txBody>
+          <a:bodyPr lIns="91440" rIns="91440" tIns="45720" bIns="45720" anchor="b">
+            <a:noAutofit/>
+          </a:bodyPr>
+          <a:lstStyle>
+            <a:lvl1pPr indent="0" algn="r">
+              <a:lnSpc>
+                <a:spcPct val="100000"/>
+              </a:lnSpc>
+              <a:buNone/>
+              <a:tabLst>
+                <a:tab algn="l" pos="0"/>
+              </a:tabLst>
+              <a:defRPr b="0" lang="en-US" sz="1200" spc="-1" strike="noStrike">
+                <a:solidFill>
+                  <a:srgbClr val="000000"/>
+                </a:solidFill>
+                <a:latin typeface="Times New Roman"/>
+              </a:defRPr>
+            </a:lvl1pPr>
+          </a:lstStyle>
+          <a:p>
+            <a:pPr indent="0" algn="r">
+              <a:lnSpc>
+                <a:spcPct val="100000"/>
+              </a:lnSpc>
+              <a:buNone/>
+              <a:tabLst>
+                <a:tab algn="l" pos="0"/>
+              </a:tabLst>
+            </a:pPr>
+            <a:fld id="{DE897095-3B45-4BCF-AFFB-454FB61D6674}" type="slidenum">
+              <a:rPr b="0" lang="en-US" sz="1200" spc="-1" strike="noStrike">
+                <a:solidFill>
+                  <a:srgbClr val="000000"/>
+                </a:solidFill>
+                <a:latin typeface="Times New Roman"/>
+              </a:rPr>
+              <a:t>&lt;number&gt;</a:t>
+            </a:fld>
+            <a:endParaRPr b="0" lang="en-US" sz="1200" spc="-1" strike="noStrike">
+              <a:solidFill>
+                <a:srgbClr val="000000"/>
+              </a:solidFill>
+              <a:latin typeface="Times New Roman"/>
+            </a:endParaRPr>
+          </a:p>
+        </p:txBody>
+      </p:sp>
+    </p:spTree>
+  </p:cSld>
+</p:notes>
+</file>
+
+<file path=ppt/notesSlides/notesSlide5.xml><?xml version="1.0" encoding="utf-8"?>
+<p:notes xmlns:a="http://schemas.openxmlformats.org/drawingml/2006/main" xmlns:p="http://schemas.openxmlformats.org/presentationml/2006/main" xmlns:r="http://schemas.openxmlformats.org/officeDocument/2006/relationships" xmlns:p14="http://schemas.microsoft.com/office/powerpoint/2010/main" xmlns:p15="http://schemas.microsoft.com/office/powerpoint/2012/main" xmlns:mc="http://schemas.openxmlformats.org/markup-compatibility/2006">
+  <p:cSld>
+    <p:spTree>
+      <p:nvGrpSpPr>
+        <p:cNvPr id="1" name=""/>
+        <p:cNvGrpSpPr/>
+        <p:nvPr/>
+      </p:nvGrpSpPr>
+      <p:grpSpPr>
+        <a:xfrm>
+          <a:off x="0" y="0"/>
+          <a:ext cx="0" cy="0"/>
+          <a:chOff x="0" y="0"/>
+          <a:chExt cx="0" cy="0"/>
+        </a:xfrm>
+      </p:grpSpPr>
+      <p:sp>
+        <p:nvSpPr>
+          <p:cNvPr id="59" name="PlaceHolder 1"/>
+          <p:cNvSpPr>
+            <a:spLocks noGrp="1"/>
+          </p:cNvSpPr>
+          <p:nvPr>
+            <p:ph type="sldImg"/>
+          </p:nvPr>
+        </p:nvSpPr>
+        <p:spPr>
+          <a:xfrm>
+            <a:off x="1371600" y="1143000"/>
+            <a:ext cx="4113720" cy="3085200"/>
+          </a:xfrm>
+          <a:prstGeom prst="rect">
+            <a:avLst/>
+          </a:prstGeom>
+          <a:ln w="0">
+            <a:noFill/>
+          </a:ln>
+        </p:spPr>
+      </p:sp>
+      <p:sp>
+        <p:nvSpPr>
+          <p:cNvPr id="60" name="PlaceHolder 2"/>
+          <p:cNvSpPr>
+            <a:spLocks noGrp="1"/>
+          </p:cNvSpPr>
+          <p:nvPr>
+            <p:ph type="body"/>
+          </p:nvPr>
+        </p:nvSpPr>
+        <p:spPr>
+          <a:xfrm>
+            <a:off x="685800" y="4400640"/>
+            <a:ext cx="5485320" cy="3599280"/>
+          </a:xfrm>
+          <a:prstGeom prst="rect">
+            <a:avLst/>
+          </a:prstGeom>
+          <a:noFill/>
+          <a:ln w="0">
+            <a:noFill/>
+          </a:ln>
+        </p:spPr>
+        <p:txBody>
+          <a:bodyPr lIns="91440" rIns="91440" tIns="45720" bIns="45720" anchor="t">
+            <a:noAutofit/>
+          </a:bodyPr>
+          <a:p>
+            <a:pPr marL="216000" indent="0">
+              <a:lnSpc>
+                <a:spcPct val="100000"/>
+              </a:lnSpc>
+              <a:buNone/>
+              <a:tabLst>
+                <a:tab algn="l" pos="0"/>
+              </a:tabLst>
+            </a:pPr>
+            <a:r>
+              <a:rPr b="0" lang="en-US" sz="2000" spc="-1" strike="noStrike">
+                <a:solidFill>
+                  <a:srgbClr val="000000"/>
+                </a:solidFill>
+                <a:latin typeface="Arial"/>
+              </a:rPr>
+              <a:t>Testarea configurării corecte a serverului web și a infrastructurii: Verificarea configurării corecte a serverului web și a altor componente ale infrastructurii, cum ar fi firewall-urile și sistemele de detecție a intruziunilor, pentru a preveni expunerea inutilă la riscuri de securitate.</a:t>
+            </a:r>
+            <a:endParaRPr b="0" lang="en-US" sz="2000" spc="-1" strike="noStrike">
+              <a:solidFill>
+                <a:srgbClr val="000000"/>
+              </a:solidFill>
+              <a:latin typeface="Arial"/>
+            </a:endParaRPr>
+          </a:p>
+          <a:p>
+            <a:pPr marL="216000" indent="0">
+              <a:lnSpc>
+                <a:spcPct val="100000"/>
+              </a:lnSpc>
+              <a:buNone/>
+              <a:tabLst>
+                <a:tab algn="l" pos="0"/>
+              </a:tabLst>
+            </a:pPr>
+            <a:r>
+              <a:rPr b="0" lang="en-US" sz="2000" spc="-1" strike="noStrike">
+                <a:solidFill>
+                  <a:srgbClr val="000000"/>
+                </a:solidFill>
+                <a:latin typeface="Arial"/>
+              </a:rPr>
+              <a:t>Testarea împotriva amenințărilor de tip zero-day: Evaluarea capacității aplicației web de a detecta și de a se proteja împotriva amenințărilor de securitate noi și neidentificate anterior.</a:t>
+            </a:r>
+            <a:endParaRPr b="0" lang="en-US" sz="2000" spc="-1" strike="noStrike">
+              <a:solidFill>
+                <a:srgbClr val="000000"/>
+              </a:solidFill>
+              <a:latin typeface="Arial"/>
+            </a:endParaRPr>
+          </a:p>
+          <a:p>
+            <a:pPr marL="216000" indent="0">
+              <a:lnSpc>
+                <a:spcPct val="100000"/>
+              </a:lnSpc>
+              <a:buNone/>
+              <a:tabLst>
+                <a:tab algn="l" pos="0"/>
+              </a:tabLst>
+            </a:pPr>
+            <a:r>
+              <a:rPr b="0" lang="en-US" sz="2000" spc="-1" strike="noStrike">
+                <a:solidFill>
+                  <a:srgbClr val="000000"/>
+                </a:solidFill>
+                <a:latin typeface="Arial"/>
+              </a:rPr>
+              <a:t>Testarea în cadrul ciclului de dezvoltare (DevSecOps): Integrarea testării de securitate în cadrul ciclului de dezvoltare a aplicației web pentru a identifica și a remedia vulnerabilitățile într-un mod continuu și automatizat.</a:t>
+            </a:r>
+            <a:endParaRPr b="0" lang="en-US" sz="2000" spc="-1" strike="noStrike">
+              <a:solidFill>
+                <a:srgbClr val="000000"/>
+              </a:solidFill>
+              <a:latin typeface="Arial"/>
+            </a:endParaRPr>
+          </a:p>
+          <a:p>
+            <a:pPr marL="216000" indent="0">
+              <a:lnSpc>
+                <a:spcPct val="100000"/>
+              </a:lnSpc>
+              <a:buNone/>
+              <a:tabLst>
+                <a:tab algn="l" pos="0"/>
+              </a:tabLst>
+            </a:pPr>
+            <a:endParaRPr b="0" lang="en-US" sz="2000" spc="-1" strike="noStrike">
+              <a:solidFill>
+                <a:srgbClr val="000000"/>
+              </a:solidFill>
+              <a:latin typeface="Arial"/>
+            </a:endParaRPr>
+          </a:p>
+        </p:txBody>
+      </p:sp>
+      <p:sp>
+        <p:nvSpPr>
+          <p:cNvPr id="61" name="PlaceHolder 3"/>
+          <p:cNvSpPr>
+            <a:spLocks noGrp="1"/>
+          </p:cNvSpPr>
+          <p:nvPr>
+            <p:ph type="sldNum" idx="31"/>
+          </p:nvPr>
+        </p:nvSpPr>
+        <p:spPr>
+          <a:xfrm>
+            <a:off x="3884760" y="8685360"/>
+            <a:ext cx="2970720" cy="457560"/>
+          </a:xfrm>
+          <a:prstGeom prst="rect">
+            <a:avLst/>
+          </a:prstGeom>
+          <a:noFill/>
+          <a:ln w="0">
+            <a:noFill/>
+          </a:ln>
+        </p:spPr>
+        <p:txBody>
+          <a:bodyPr lIns="91440" rIns="91440" tIns="45720" bIns="45720" anchor="b">
+            <a:noAutofit/>
+          </a:bodyPr>
+          <a:lstStyle>
+            <a:lvl1pPr indent="0" algn="r">
+              <a:lnSpc>
+                <a:spcPct val="100000"/>
+              </a:lnSpc>
+              <a:buNone/>
+              <a:tabLst>
+                <a:tab algn="l" pos="0"/>
+              </a:tabLst>
+              <a:defRPr b="0" lang="en-US" sz="1200" spc="-1" strike="noStrike">
+                <a:solidFill>
+                  <a:srgbClr val="000000"/>
+                </a:solidFill>
+                <a:latin typeface="Times New Roman"/>
+              </a:defRPr>
+            </a:lvl1pPr>
+          </a:lstStyle>
+          <a:p>
+            <a:pPr indent="0" algn="r">
+              <a:lnSpc>
+                <a:spcPct val="100000"/>
+              </a:lnSpc>
+              <a:buNone/>
+              <a:tabLst>
+                <a:tab algn="l" pos="0"/>
+              </a:tabLst>
+            </a:pPr>
+            <a:fld id="{81089A37-9DA3-49E7-B5D5-D82AEA3D9FD8}" type="slidenum">
+              <a:rPr b="0" lang="en-US" sz="1200" spc="-1" strike="noStrike">
+                <a:solidFill>
+                  <a:srgbClr val="000000"/>
+                </a:solidFill>
+                <a:latin typeface="Times New Roman"/>
+              </a:rPr>
+              <a:t>&lt;number&gt;</a:t>
+            </a:fld>
+            <a:endParaRPr b="0" lang="en-US" sz="1200" spc="-1" strike="noStrike">
+              <a:solidFill>
+                <a:srgbClr val="000000"/>
+              </a:solidFill>
+              <a:latin typeface="Times New Roman"/>
+            </a:endParaRPr>
+          </a:p>
+        </p:txBody>
+      </p:sp>
+    </p:spTree>
+  </p:cSld>
+</p:notes>
+</file>
+
+<file path=ppt/notesSlides/notesSlide6.xml><?xml version="1.0" encoding="utf-8"?>
+<p:notes xmlns:a="http://schemas.openxmlformats.org/drawingml/2006/main" xmlns:p="http://schemas.openxmlformats.org/presentationml/2006/main" xmlns:r="http://schemas.openxmlformats.org/officeDocument/2006/relationships" xmlns:p14="http://schemas.microsoft.com/office/powerpoint/2010/main" xmlns:p15="http://schemas.microsoft.com/office/powerpoint/2012/main" xmlns:mc="http://schemas.openxmlformats.org/markup-compatibility/2006">
+  <p:cSld>
+    <p:spTree>
+      <p:nvGrpSpPr>
+        <p:cNvPr id="1" name=""/>
+        <p:cNvGrpSpPr/>
+        <p:nvPr/>
+      </p:nvGrpSpPr>
+      <p:grpSpPr>
+        <a:xfrm>
+          <a:off x="0" y="0"/>
+          <a:ext cx="0" cy="0"/>
+          <a:chOff x="0" y="0"/>
+          <a:chExt cx="0" cy="0"/>
+        </a:xfrm>
+      </p:grpSpPr>
+      <p:sp>
+        <p:nvSpPr>
+          <p:cNvPr id="62" name="PlaceHolder 1"/>
+          <p:cNvSpPr>
+            <a:spLocks noGrp="1"/>
+          </p:cNvSpPr>
+          <p:nvPr>
+            <p:ph type="sldImg"/>
+          </p:nvPr>
+        </p:nvSpPr>
+        <p:spPr>
+          <a:xfrm>
+            <a:off x="1371600" y="1143000"/>
+            <a:ext cx="4113720" cy="3085200"/>
+          </a:xfrm>
+          <a:prstGeom prst="rect">
+            <a:avLst/>
+          </a:prstGeom>
+          <a:ln w="0">
+            <a:noFill/>
+          </a:ln>
+        </p:spPr>
+      </p:sp>
+      <p:sp>
+        <p:nvSpPr>
+          <p:cNvPr id="63" name="PlaceHolder 2"/>
+          <p:cNvSpPr>
+            <a:spLocks noGrp="1"/>
+          </p:cNvSpPr>
+          <p:nvPr>
+            <p:ph type="body"/>
+          </p:nvPr>
+        </p:nvSpPr>
+        <p:spPr>
+          <a:xfrm>
+            <a:off x="685800" y="4400640"/>
+            <a:ext cx="5485320" cy="3599280"/>
+          </a:xfrm>
+          <a:prstGeom prst="rect">
+            <a:avLst/>
+          </a:prstGeom>
+          <a:noFill/>
+          <a:ln w="0">
+            <a:noFill/>
+          </a:ln>
+        </p:spPr>
+        <p:txBody>
+          <a:bodyPr lIns="91440" rIns="91440" tIns="45720" bIns="45720" anchor="t">
+            <a:noAutofit/>
+          </a:bodyPr>
+          <a:p>
+            <a:pPr marL="216000" indent="0">
+              <a:lnSpc>
+                <a:spcPct val="100000"/>
+              </a:lnSpc>
+              <a:buNone/>
+              <a:tabLst>
+                <a:tab algn="l" pos="0"/>
+              </a:tabLst>
+            </a:pPr>
+            <a:r>
+              <a:rPr b="0" lang="en-US" sz="2000" spc="-1" strike="noStrike">
+                <a:solidFill>
+                  <a:srgbClr val="000000"/>
+                </a:solidFill>
+                <a:latin typeface="Arial"/>
+              </a:rPr>
+              <a:t>Testarea configurării corecte a serverului web și a infrastructurii: Verificarea configurării corecte a serverului web și a altor componente ale infrastructurii, cum ar fi firewall-urile și sistemele de detecție a intruziunilor, pentru a preveni expunerea inutilă la riscuri de securitate.</a:t>
+            </a:r>
+            <a:endParaRPr b="0" lang="en-US" sz="2000" spc="-1" strike="noStrike">
+              <a:solidFill>
+                <a:srgbClr val="000000"/>
+              </a:solidFill>
+              <a:latin typeface="Arial"/>
+            </a:endParaRPr>
+          </a:p>
+          <a:p>
+            <a:pPr marL="216000" indent="0">
+              <a:lnSpc>
+                <a:spcPct val="100000"/>
+              </a:lnSpc>
+              <a:buNone/>
+              <a:tabLst>
+                <a:tab algn="l" pos="0"/>
+              </a:tabLst>
+            </a:pPr>
+            <a:r>
+              <a:rPr b="0" lang="en-US" sz="2000" spc="-1" strike="noStrike">
+                <a:solidFill>
+                  <a:srgbClr val="000000"/>
+                </a:solidFill>
+                <a:latin typeface="Arial"/>
+              </a:rPr>
+              <a:t>Testarea împotriva amenințărilor de tip zero-day: Evaluarea capacității aplicației web de a detecta și de a se proteja împotriva amenințărilor de securitate noi și neidentificate anterior.</a:t>
+            </a:r>
+            <a:endParaRPr b="0" lang="en-US" sz="2000" spc="-1" strike="noStrike">
+              <a:solidFill>
+                <a:srgbClr val="000000"/>
+              </a:solidFill>
+              <a:latin typeface="Arial"/>
+            </a:endParaRPr>
+          </a:p>
+          <a:p>
+            <a:pPr marL="216000" indent="0">
+              <a:lnSpc>
+                <a:spcPct val="100000"/>
+              </a:lnSpc>
+              <a:buNone/>
+              <a:tabLst>
+                <a:tab algn="l" pos="0"/>
+              </a:tabLst>
+            </a:pPr>
+            <a:r>
+              <a:rPr b="0" lang="en-US" sz="2000" spc="-1" strike="noStrike">
+                <a:solidFill>
+                  <a:srgbClr val="000000"/>
+                </a:solidFill>
+                <a:latin typeface="Arial"/>
+              </a:rPr>
+              <a:t>Testarea în cadrul ciclului de dezvoltare (DevSecOps): Integrarea testării de securitate în cadrul ciclului de dezvoltare a aplicației web pentru a identifica și a remedia vulnerabilitățile într-un mod continuu și automatizat.</a:t>
+            </a:r>
+            <a:endParaRPr b="0" lang="en-US" sz="2000" spc="-1" strike="noStrike">
+              <a:solidFill>
+                <a:srgbClr val="000000"/>
+              </a:solidFill>
+              <a:latin typeface="Arial"/>
+            </a:endParaRPr>
+          </a:p>
+          <a:p>
+            <a:pPr marL="216000" indent="0">
+              <a:lnSpc>
+                <a:spcPct val="100000"/>
+              </a:lnSpc>
+              <a:buNone/>
+              <a:tabLst>
+                <a:tab algn="l" pos="0"/>
+              </a:tabLst>
+            </a:pPr>
+            <a:endParaRPr b="0" lang="en-US" sz="2000" spc="-1" strike="noStrike">
+              <a:solidFill>
+                <a:srgbClr val="000000"/>
+              </a:solidFill>
+              <a:latin typeface="Arial"/>
+            </a:endParaRPr>
+          </a:p>
+        </p:txBody>
+      </p:sp>
+      <p:sp>
+        <p:nvSpPr>
+          <p:cNvPr id="64" name="PlaceHolder 3"/>
+          <p:cNvSpPr>
+            <a:spLocks noGrp="1"/>
+          </p:cNvSpPr>
+          <p:nvPr>
+            <p:ph type="sldNum" idx="32"/>
+          </p:nvPr>
+        </p:nvSpPr>
+        <p:spPr>
+          <a:xfrm>
+            <a:off x="3884760" y="8685360"/>
+            <a:ext cx="2970720" cy="457560"/>
+          </a:xfrm>
+          <a:prstGeom prst="rect">
+            <a:avLst/>
+          </a:prstGeom>
+          <a:noFill/>
+          <a:ln w="0">
+            <a:noFill/>
+          </a:ln>
+        </p:spPr>
+        <p:txBody>
+          <a:bodyPr lIns="91440" rIns="91440" tIns="45720" bIns="45720" anchor="b">
+            <a:noAutofit/>
+          </a:bodyPr>
+          <a:lstStyle>
+            <a:lvl1pPr indent="0" algn="r">
+              <a:lnSpc>
+                <a:spcPct val="100000"/>
+              </a:lnSpc>
+              <a:buNone/>
+              <a:tabLst>
+                <a:tab algn="l" pos="0"/>
+              </a:tabLst>
+              <a:defRPr b="0" lang="en-US" sz="1200" spc="-1" strike="noStrike">
+                <a:solidFill>
+                  <a:srgbClr val="000000"/>
+                </a:solidFill>
+                <a:latin typeface="Times New Roman"/>
+              </a:defRPr>
+            </a:lvl1pPr>
+          </a:lstStyle>
+          <a:p>
+            <a:pPr indent="0" algn="r">
+              <a:lnSpc>
+                <a:spcPct val="100000"/>
+              </a:lnSpc>
+              <a:buNone/>
+              <a:tabLst>
+                <a:tab algn="l" pos="0"/>
+              </a:tabLst>
+            </a:pPr>
+            <a:fld id="{3C97081C-7C17-4CCF-AB56-D387CE37E0E8}" type="slidenum">
               <a:rPr b="0" lang="en-US" sz="1200" spc="-1" strike="noStrike">
                 <a:solidFill>
                   <a:srgbClr val="000000"/>
@@ -845,14 +1608,14 @@
             <a:spLocks noGrp="1"/>
           </p:cNvSpPr>
           <p:nvPr>
-            <p:ph type="sldNum" idx="2"/>
+            <p:ph type="sldNum" idx="1"/>
           </p:nvPr>
         </p:nvSpPr>
         <p:spPr/>
         <p:txBody>
           <a:bodyPr/>
           <a:p>
-            <a:fld id="{37500815-DC67-401E-9575-FF834C33060D}" type="slidenum">
+            <a:fld id="{4676154E-1332-489C-9102-2FB7F1742E8B}" type="slidenum">
               <a:t>&lt;#&gt;</a:t>
             </a:fld>
           </a:p>
@@ -865,7 +1628,7 @@
             <a:spLocks noGrp="1"/>
           </p:cNvSpPr>
           <p:nvPr>
-            <p:ph type="dt" idx="1"/>
+            <p:ph type="dt" idx="2"/>
           </p:nvPr>
         </p:nvSpPr>
         <p:spPr/>
@@ -908,14 +1671,14 @@
             <a:spLocks noGrp="1"/>
           </p:cNvSpPr>
           <p:nvPr>
-            <p:ph type="sldNum" idx="20"/>
+            <p:ph type="sldNum" idx="19"/>
           </p:nvPr>
         </p:nvSpPr>
         <p:spPr/>
         <p:txBody>
           <a:bodyPr/>
           <a:p>
-            <a:fld id="{26B350C8-F325-4348-B12D-A0CB09143BB4}" type="slidenum">
+            <a:fld id="{15B9D924-51ED-40C1-946D-2D47B307989E}" type="slidenum">
               <a:t>&lt;#&gt;</a:t>
             </a:fld>
           </a:p>
@@ -928,7 +1691,7 @@
             <a:spLocks noGrp="1"/>
           </p:cNvSpPr>
           <p:nvPr>
-            <p:ph type="dt" idx="19"/>
+            <p:ph type="dt" idx="20"/>
           </p:nvPr>
         </p:nvSpPr>
         <p:spPr/>
@@ -971,14 +1734,14 @@
             <a:spLocks noGrp="1"/>
           </p:cNvSpPr>
           <p:nvPr>
-            <p:ph type="sldNum" idx="22"/>
+            <p:ph type="sldNum" idx="21"/>
           </p:nvPr>
         </p:nvSpPr>
         <p:spPr/>
         <p:txBody>
           <a:bodyPr/>
           <a:p>
-            <a:fld id="{88A3F2C5-67E5-4DA5-8BD4-AC6419BE3A73}" type="slidenum">
+            <a:fld id="{6E226131-B302-4524-8C24-84494AE1F832}" type="slidenum">
               <a:t>&lt;#&gt;</a:t>
             </a:fld>
           </a:p>
@@ -991,7 +1754,7 @@
             <a:spLocks noGrp="1"/>
           </p:cNvSpPr>
           <p:nvPr>
-            <p:ph type="dt" idx="21"/>
+            <p:ph type="dt" idx="22"/>
           </p:nvPr>
         </p:nvSpPr>
         <p:spPr/>
@@ -1034,14 +1797,14 @@
             <a:spLocks noGrp="1"/>
           </p:cNvSpPr>
           <p:nvPr>
-            <p:ph type="sldNum" idx="24"/>
+            <p:ph type="sldNum" idx="23"/>
           </p:nvPr>
         </p:nvSpPr>
         <p:spPr/>
         <p:txBody>
           <a:bodyPr/>
           <a:p>
-            <a:fld id="{1468C3F1-8419-454B-86CA-85784C0BD499}" type="slidenum">
+            <a:fld id="{F2C2F2C3-5BDD-4330-8D25-EDF345448A6D}" type="slidenum">
               <a:t>&lt;#&gt;</a:t>
             </a:fld>
           </a:p>
@@ -1054,7 +1817,7 @@
             <a:spLocks noGrp="1"/>
           </p:cNvSpPr>
           <p:nvPr>
-            <p:ph type="dt" idx="23"/>
+            <p:ph type="dt" idx="24"/>
           </p:nvPr>
         </p:nvSpPr>
         <p:spPr/>
@@ -1097,14 +1860,14 @@
             <a:spLocks noGrp="1"/>
           </p:cNvSpPr>
           <p:nvPr>
-            <p:ph type="sldNum" idx="4"/>
+            <p:ph type="sldNum" idx="3"/>
           </p:nvPr>
         </p:nvSpPr>
         <p:spPr/>
         <p:txBody>
           <a:bodyPr/>
           <a:p>
-            <a:fld id="{3A995715-DA3A-4BE0-A832-A168E58EA439}" type="slidenum">
+            <a:fld id="{2EA79DE9-1735-4C4A-AFFD-D1F2C16BC64D}" type="slidenum">
               <a:t>&lt;#&gt;</a:t>
             </a:fld>
           </a:p>
@@ -1117,7 +1880,7 @@
             <a:spLocks noGrp="1"/>
           </p:cNvSpPr>
           <p:nvPr>
-            <p:ph type="dt" idx="3"/>
+            <p:ph type="dt" idx="4"/>
           </p:nvPr>
         </p:nvSpPr>
         <p:spPr/>
@@ -1160,14 +1923,14 @@
             <a:spLocks noGrp="1"/>
           </p:cNvSpPr>
           <p:nvPr>
-            <p:ph type="sldNum" idx="6"/>
+            <p:ph type="sldNum" idx="5"/>
           </p:nvPr>
         </p:nvSpPr>
         <p:spPr/>
         <p:txBody>
           <a:bodyPr/>
           <a:p>
-            <a:fld id="{B41E0D67-89DD-4116-A06C-0024FD17638F}" type="slidenum">
+            <a:fld id="{E9FBFAE8-C457-4AE4-9305-CA6FDF622480}" type="slidenum">
               <a:t>&lt;#&gt;</a:t>
             </a:fld>
           </a:p>
@@ -1180,7 +1943,7 @@
             <a:spLocks noGrp="1"/>
           </p:cNvSpPr>
           <p:nvPr>
-            <p:ph type="dt" idx="5"/>
+            <p:ph type="dt" idx="6"/>
           </p:nvPr>
         </p:nvSpPr>
         <p:spPr/>
@@ -1223,14 +1986,14 @@
             <a:spLocks noGrp="1"/>
           </p:cNvSpPr>
           <p:nvPr>
-            <p:ph type="sldNum" idx="8"/>
+            <p:ph type="sldNum" idx="7"/>
           </p:nvPr>
         </p:nvSpPr>
         <p:spPr/>
         <p:txBody>
           <a:bodyPr/>
           <a:p>
-            <a:fld id="{EE459C85-30C8-40FE-B838-3622A501E3E0}" type="slidenum">
+            <a:fld id="{AD3A0071-39DF-46FC-91E7-1D208CD48812}" type="slidenum">
               <a:t>&lt;#&gt;</a:t>
             </a:fld>
           </a:p>
@@ -1243,7 +2006,7 @@
             <a:spLocks noGrp="1"/>
           </p:cNvSpPr>
           <p:nvPr>
-            <p:ph type="dt" idx="7"/>
+            <p:ph type="dt" idx="8"/>
           </p:nvPr>
         </p:nvSpPr>
         <p:spPr/>
@@ -1286,14 +2049,14 @@
             <a:spLocks noGrp="1"/>
           </p:cNvSpPr>
           <p:nvPr>
-            <p:ph type="sldNum" idx="10"/>
+            <p:ph type="sldNum" idx="9"/>
           </p:nvPr>
         </p:nvSpPr>
         <p:spPr/>
         <p:txBody>
           <a:bodyPr/>
           <a:p>
-            <a:fld id="{5F8F5EFF-90E7-47CA-9A6F-CCCED457D6E6}" type="slidenum">
+            <a:fld id="{98629D64-0A73-463C-B05F-B8BB257FC2A1}" type="slidenum">
               <a:t>&lt;#&gt;</a:t>
             </a:fld>
           </a:p>
@@ -1306,7 +2069,7 @@
             <a:spLocks noGrp="1"/>
           </p:cNvSpPr>
           <p:nvPr>
-            <p:ph type="dt" idx="9"/>
+            <p:ph type="dt" idx="10"/>
           </p:nvPr>
         </p:nvSpPr>
         <p:spPr/>
@@ -1349,14 +2112,14 @@
             <a:spLocks noGrp="1"/>
           </p:cNvSpPr>
           <p:nvPr>
-            <p:ph type="sldNum" idx="12"/>
+            <p:ph type="sldNum" idx="11"/>
           </p:nvPr>
         </p:nvSpPr>
         <p:spPr/>
         <p:txBody>
           <a:bodyPr/>
           <a:p>
-            <a:fld id="{65A0FC35-8D4B-437B-B0FE-E3E3B058722D}" type="slidenum">
+            <a:fld id="{1369A38F-E45B-42EB-A37C-4D7A198B3E2B}" type="slidenum">
               <a:t>&lt;#&gt;</a:t>
             </a:fld>
           </a:p>
@@ -1369,7 +2132,7 @@
             <a:spLocks noGrp="1"/>
           </p:cNvSpPr>
           <p:nvPr>
-            <p:ph type="dt" idx="11"/>
+            <p:ph type="dt" idx="12"/>
           </p:nvPr>
         </p:nvSpPr>
         <p:spPr/>
@@ -1412,14 +2175,14 @@
             <a:spLocks noGrp="1"/>
           </p:cNvSpPr>
           <p:nvPr>
-            <p:ph type="sldNum" idx="14"/>
+            <p:ph type="sldNum" idx="13"/>
           </p:nvPr>
         </p:nvSpPr>
         <p:spPr/>
         <p:txBody>
           <a:bodyPr/>
           <a:p>
-            <a:fld id="{EDF97FBD-939C-4138-AB39-F3F338A60A16}" type="slidenum">
+            <a:fld id="{EE144260-BDC5-4D8D-8D0C-3C9F4A84E708}" type="slidenum">
               <a:t>&lt;#&gt;</a:t>
             </a:fld>
           </a:p>
@@ -1432,7 +2195,7 @@
             <a:spLocks noGrp="1"/>
           </p:cNvSpPr>
           <p:nvPr>
-            <p:ph type="dt" idx="13"/>
+            <p:ph type="dt" idx="14"/>
           </p:nvPr>
         </p:nvSpPr>
         <p:spPr/>
@@ -1475,14 +2238,14 @@
             <a:spLocks noGrp="1"/>
           </p:cNvSpPr>
           <p:nvPr>
-            <p:ph type="sldNum" idx="16"/>
+            <p:ph type="sldNum" idx="15"/>
           </p:nvPr>
         </p:nvSpPr>
         <p:spPr/>
         <p:txBody>
           <a:bodyPr/>
           <a:p>
-            <a:fld id="{E54AF44C-354A-4D58-B7EA-604CA9889CEA}" type="slidenum">
+            <a:fld id="{261A8071-4834-428E-84CB-F0406DD9DF8A}" type="slidenum">
               <a:t>&lt;#&gt;</a:t>
             </a:fld>
           </a:p>
@@ -1495,7 +2258,7 @@
             <a:spLocks noGrp="1"/>
           </p:cNvSpPr>
           <p:nvPr>
-            <p:ph type="dt" idx="15"/>
+            <p:ph type="dt" idx="16"/>
           </p:nvPr>
         </p:nvSpPr>
         <p:spPr/>
@@ -1538,14 +2301,14 @@
             <a:spLocks noGrp="1"/>
           </p:cNvSpPr>
           <p:nvPr>
-            <p:ph type="sldNum" idx="18"/>
+            <p:ph type="sldNum" idx="17"/>
           </p:nvPr>
         </p:nvSpPr>
         <p:spPr/>
         <p:txBody>
           <a:bodyPr/>
           <a:p>
-            <a:fld id="{2E5141A3-313D-440B-86F2-5A78B5357C8A}" type="slidenum">
+            <a:fld id="{814762A7-0D90-4B83-9ADC-91D8A89FD231}" type="slidenum">
               <a:t>&lt;#&gt;</a:t>
             </a:fld>
           </a:p>
@@ -1558,7 +2321,7 @@
             <a:spLocks noGrp="1"/>
           </p:cNvSpPr>
           <p:nvPr>
-            <p:ph type="dt" idx="17"/>
+            <p:ph type="dt" idx="18"/>
           </p:nvPr>
         </p:nvSpPr>
         <p:spPr/>
@@ -1608,265 +2371,13 @@
             <a:spLocks noGrp="1"/>
           </p:cNvSpPr>
           <p:nvPr>
-            <p:ph type="body"/>
-          </p:nvPr>
-        </p:nvSpPr>
-        <p:spPr>
-          <a:xfrm>
-            <a:off x="628560" y="2786400"/>
-            <a:ext cx="7886520" cy="3081600"/>
-          </a:xfrm>
-          <a:prstGeom prst="rect">
-            <a:avLst/>
-          </a:prstGeom>
-          <a:noFill/>
-          <a:ln w="0">
-            <a:noFill/>
-          </a:ln>
-        </p:spPr>
-        <p:txBody>
-          <a:bodyPr lIns="91440" rIns="91440" tIns="45720" bIns="45720" anchor="t">
-            <a:normAutofit/>
-          </a:bodyPr>
-          <a:p>
-            <a:pPr marL="228600" indent="-228600" defTabSz="914400">
-              <a:lnSpc>
-                <a:spcPct val="90000"/>
-              </a:lnSpc>
-              <a:spcBef>
-                <a:spcPts val="1001"/>
-              </a:spcBef>
-              <a:buClr>
-                <a:srgbClr val="000000"/>
-              </a:buClr>
-              <a:buFont typeface="Arial"/>
-              <a:buChar char="•"/>
-            </a:pPr>
-            <a:r>
-              <a:rPr b="0" lang="en-US" sz="2000" spc="-1" strike="noStrike">
-                <a:solidFill>
-                  <a:schemeClr val="dk1"/>
-                </a:solidFill>
-                <a:latin typeface="PT Sans"/>
-                <a:ea typeface="PT Sans"/>
-              </a:rPr>
-              <a:t>Introduceți text cu bullet-uri</a:t>
-            </a:r>
-            <a:endParaRPr b="0" lang="en-US" sz="2000" spc="-1" strike="noStrike">
-              <a:solidFill>
-                <a:schemeClr val="dk1"/>
-              </a:solidFill>
-              <a:latin typeface="Calibri"/>
-            </a:endParaRPr>
-          </a:p>
-          <a:p>
-            <a:pPr lvl="1" marL="685800" indent="-228600" defTabSz="914400">
-              <a:lnSpc>
-                <a:spcPct val="90000"/>
-              </a:lnSpc>
-              <a:spcBef>
-                <a:spcPts val="499"/>
-              </a:spcBef>
-              <a:buClr>
-                <a:srgbClr val="000000"/>
-              </a:buClr>
-              <a:buFont typeface="Arial"/>
-              <a:buChar char="•"/>
-            </a:pPr>
-            <a:r>
-              <a:rPr b="0" lang="en-US" sz="1800" spc="-1" strike="noStrike">
-                <a:solidFill>
-                  <a:schemeClr val="dk1"/>
-                </a:solidFill>
-                <a:latin typeface="PT Sans"/>
-                <a:ea typeface="PT Sans"/>
-              </a:rPr>
-              <a:t>Second level</a:t>
-            </a:r>
-            <a:endParaRPr b="0" lang="en-US" sz="1800" spc="-1" strike="noStrike">
-              <a:solidFill>
-                <a:schemeClr val="dk1"/>
-              </a:solidFill>
-              <a:latin typeface="Calibri"/>
-            </a:endParaRPr>
-          </a:p>
-          <a:p>
-            <a:pPr lvl="2" marL="1143000" indent="-228600" defTabSz="914400">
-              <a:lnSpc>
-                <a:spcPct val="90000"/>
-              </a:lnSpc>
-              <a:spcBef>
-                <a:spcPts val="499"/>
-              </a:spcBef>
-              <a:buClr>
-                <a:srgbClr val="000000"/>
-              </a:buClr>
-              <a:buFont typeface="Arial"/>
-              <a:buChar char="•"/>
-            </a:pPr>
-            <a:r>
-              <a:rPr b="0" lang="en-US" sz="1600" spc="-1" strike="noStrike">
-                <a:solidFill>
-                  <a:schemeClr val="dk1"/>
-                </a:solidFill>
-                <a:latin typeface="PT Sans"/>
-                <a:ea typeface="PT Sans"/>
-              </a:rPr>
-              <a:t>Third level</a:t>
-            </a:r>
-            <a:endParaRPr b="0" lang="en-US" sz="1600" spc="-1" strike="noStrike">
-              <a:solidFill>
-                <a:schemeClr val="dk1"/>
-              </a:solidFill>
-              <a:latin typeface="Calibri"/>
-            </a:endParaRPr>
-          </a:p>
-          <a:p>
-            <a:pPr lvl="3" marL="1600200" indent="-228600" defTabSz="914400">
-              <a:lnSpc>
-                <a:spcPct val="90000"/>
-              </a:lnSpc>
-              <a:spcBef>
-                <a:spcPts val="499"/>
-              </a:spcBef>
-              <a:buClr>
-                <a:srgbClr val="000000"/>
-              </a:buClr>
-              <a:buFont typeface="Arial"/>
-              <a:buChar char="•"/>
-            </a:pPr>
-            <a:r>
-              <a:rPr b="0" lang="en-US" sz="1400" spc="-1" strike="noStrike">
-                <a:solidFill>
-                  <a:schemeClr val="dk1"/>
-                </a:solidFill>
-                <a:latin typeface="PT Sans"/>
-                <a:ea typeface="PT Sans"/>
-              </a:rPr>
-              <a:t>Fourth level</a:t>
-            </a:r>
-            <a:endParaRPr b="0" lang="en-US" sz="1400" spc="-1" strike="noStrike">
-              <a:solidFill>
-                <a:schemeClr val="dk1"/>
-              </a:solidFill>
-              <a:latin typeface="Calibri"/>
-            </a:endParaRPr>
-          </a:p>
-          <a:p>
-            <a:pPr lvl="4" marL="2057400" indent="-228600" defTabSz="914400">
-              <a:lnSpc>
-                <a:spcPct val="90000"/>
-              </a:lnSpc>
-              <a:spcBef>
-                <a:spcPts val="499"/>
-              </a:spcBef>
-              <a:buClr>
-                <a:srgbClr val="000000"/>
-              </a:buClr>
-              <a:buFont typeface="Arial"/>
-              <a:buChar char="•"/>
-            </a:pPr>
-            <a:r>
-              <a:rPr b="0" lang="en-US" sz="1400" spc="-1" strike="noStrike">
-                <a:solidFill>
-                  <a:schemeClr val="dk1"/>
-                </a:solidFill>
-                <a:latin typeface="PT Sans"/>
-                <a:ea typeface="PT Sans"/>
-              </a:rPr>
-              <a:t>Fifth level</a:t>
-            </a:r>
-            <a:endParaRPr b="0" lang="en-US" sz="1400" spc="-1" strike="noStrike">
-              <a:solidFill>
-                <a:schemeClr val="dk1"/>
-              </a:solidFill>
-              <a:latin typeface="Calibri"/>
-            </a:endParaRPr>
-          </a:p>
-        </p:txBody>
-      </p:sp>
-      <p:sp>
-        <p:nvSpPr>
-          <p:cNvPr id="1" name="PlaceHolder 2"/>
-          <p:cNvSpPr>
-            <a:spLocks noGrp="1"/>
-          </p:cNvSpPr>
-          <p:nvPr>
-            <p:ph type="dt" idx="1"/>
-          </p:nvPr>
-        </p:nvSpPr>
-        <p:spPr>
-          <a:xfrm>
-            <a:off x="628560" y="6356520"/>
-            <a:ext cx="2057040" cy="364680"/>
-          </a:xfrm>
-          <a:prstGeom prst="rect">
-            <a:avLst/>
-          </a:prstGeom>
-          <a:noFill/>
-          <a:ln w="0">
-            <a:noFill/>
-          </a:ln>
-        </p:spPr>
-        <p:txBody>
-          <a:bodyPr lIns="91440" rIns="91440" tIns="45720" bIns="45720" anchor="ctr">
-            <a:noAutofit/>
-          </a:bodyPr>
-          <a:lstStyle>
-            <a:lvl1pPr indent="0" defTabSz="914400">
-              <a:lnSpc>
-                <a:spcPct val="100000"/>
-              </a:lnSpc>
-              <a:buNone/>
-              <a:defRPr b="0" lang="en-US" sz="1200" spc="-1" strike="noStrike">
-                <a:solidFill>
-                  <a:srgbClr val="8b8b8b"/>
-                </a:solidFill>
-                <a:latin typeface="PT Sans"/>
-                <a:ea typeface="PT Sans"/>
-              </a:defRPr>
-            </a:lvl1pPr>
-          </a:lstStyle>
-          <a:p>
-            <a:pPr indent="0" defTabSz="914400">
-              <a:lnSpc>
-                <a:spcPct val="100000"/>
-              </a:lnSpc>
-              <a:buNone/>
-            </a:pPr>
-            <a:r>
-              <a:rPr b="0" lang="en-US" sz="1200" spc="-1" strike="noStrike">
-                <a:solidFill>
-                  <a:srgbClr val="8b8b8b"/>
-                </a:solidFill>
-                <a:latin typeface="PT Sans"/>
-                <a:ea typeface="PT Sans"/>
-              </a:rPr>
-              <a:t>&lt;date/time&gt;</a:t>
-            </a:r>
-            <a:endParaRPr b="0" lang="en-US" sz="1200" spc="-1" strike="noStrike">
-              <a:solidFill>
-                <a:srgbClr val="000000"/>
-              </a:solidFill>
-              <a:latin typeface="Times New Roman"/>
-            </a:endParaRPr>
-          </a:p>
-        </p:txBody>
-      </p:sp>
-      <p:sp>
-        <p:nvSpPr>
-          <p:cNvPr id="2" name="PlaceHolder 3"/>
-          <p:cNvSpPr>
-            <a:spLocks noGrp="1"/>
-          </p:cNvSpPr>
-          <p:nvPr>
-            <p:ph type="sldNum" idx="2"/>
+            <p:ph type="sldNum" idx="1"/>
           </p:nvPr>
         </p:nvSpPr>
         <p:spPr>
           <a:xfrm>
             <a:off x="6458040" y="6356520"/>
-            <a:ext cx="2057040" cy="364680"/>
+            <a:ext cx="2056320" cy="363960"/>
           </a:xfrm>
           <a:prstGeom prst="rect">
             <a:avLst/>
@@ -1886,6 +2397,9 @@
                 <a:spcPct val="100000"/>
               </a:lnSpc>
               <a:buNone/>
+              <a:tabLst>
+                <a:tab algn="l" pos="0"/>
+              </a:tabLst>
               <a:defRPr b="0" lang="en-US" sz="1200" spc="-1" strike="noStrike">
                 <a:solidFill>
                   <a:srgbClr val="8b8b8b"/>
@@ -1901,8 +2415,11 @@
                 <a:spcPct val="100000"/>
               </a:lnSpc>
               <a:buNone/>
-            </a:pPr>
-            <a:fld id="{F8BF1A3D-16EE-4838-9BF2-28074FC079A9}" type="slidenum">
+              <a:tabLst>
+                <a:tab algn="l" pos="0"/>
+              </a:tabLst>
+            </a:pPr>
+            <a:fld id="{D848ABAF-67EB-436F-94C4-EA1D90F1EE74}" type="slidenum">
               <a:rPr b="0" lang="en-US" sz="1200" spc="-1" strike="noStrike">
                 <a:solidFill>
                   <a:srgbClr val="8b8b8b"/>
@@ -1910,7 +2427,7 @@
                 <a:latin typeface="PT Sans"/>
                 <a:ea typeface="PT Sans"/>
               </a:rPr>
-              <a:t>&lt;number&gt;</a:t>
+              <a:t>4</a:t>
             </a:fld>
             <a:endParaRPr b="0" lang="en-US" sz="1200" spc="-1" strike="noStrike">
               <a:solidFill>
@@ -1923,18 +2440,18 @@
       </p:sp>
       <p:sp>
         <p:nvSpPr>
-          <p:cNvPr id="3" name="PlaceHolder 4"/>
+          <p:cNvPr id="1" name="PlaceHolder 2"/>
           <p:cNvSpPr>
             <a:spLocks noGrp="1"/>
           </p:cNvSpPr>
           <p:nvPr>
-            <p:ph type="title"/>
+            <p:ph type="dt" idx="2"/>
           </p:nvPr>
         </p:nvSpPr>
         <p:spPr>
           <a:xfrm>
-            <a:off x="628560" y="1883160"/>
-            <a:ext cx="7886520" cy="905040"/>
+            <a:off x="628560" y="6356520"/>
+            <a:ext cx="2056320" cy="363960"/>
           </a:xfrm>
           <a:prstGeom prst="rect">
             <a:avLst/>
@@ -1946,30 +2463,311 @@
         </p:spPr>
         <p:txBody>
           <a:bodyPr lIns="91440" rIns="91440" tIns="45720" bIns="45720" anchor="ctr">
+            <a:noAutofit/>
+          </a:bodyPr>
+          <a:lstStyle>
+            <a:lvl1pPr indent="0">
+              <a:buNone/>
+              <a:defRPr b="0" lang="en-US" sz="1400" spc="-1" strike="noStrike">
+                <a:solidFill>
+                  <a:srgbClr val="000000"/>
+                </a:solidFill>
+                <a:latin typeface="Times New Roman"/>
+              </a:defRPr>
+            </a:lvl1pPr>
+          </a:lstStyle>
+          <a:p>
+            <a:pPr indent="0">
+              <a:buNone/>
+            </a:pPr>
+            <a:r>
+              <a:rPr b="0" lang="en-US" sz="1400" spc="-1" strike="noStrike">
+                <a:solidFill>
+                  <a:srgbClr val="000000"/>
+                </a:solidFill>
+                <a:latin typeface="Times New Roman"/>
+              </a:rPr>
+              <a:t> </a:t>
+            </a:r>
+            <a:endParaRPr b="0" lang="en-US" sz="1400" spc="-1" strike="noStrike">
+              <a:solidFill>
+                <a:srgbClr val="000000"/>
+              </a:solidFill>
+              <a:latin typeface="Times New Roman"/>
+            </a:endParaRPr>
+          </a:p>
+        </p:txBody>
+      </p:sp>
+      <p:sp>
+        <p:nvSpPr>
+          <p:cNvPr id="2" name="PlaceHolder 3"/>
+          <p:cNvSpPr>
+            <a:spLocks noGrp="1"/>
+          </p:cNvSpPr>
+          <p:nvPr>
+            <p:ph type="title"/>
+          </p:nvPr>
+        </p:nvSpPr>
+        <p:spPr>
+          <a:xfrm>
+            <a:off x="457200" y="273600"/>
+            <a:ext cx="8229240" cy="1144800"/>
+          </a:xfrm>
+          <a:prstGeom prst="rect">
+            <a:avLst/>
+          </a:prstGeom>
+          <a:noFill/>
+          <a:ln w="0">
+            <a:noFill/>
+          </a:ln>
+        </p:spPr>
+        <p:txBody>
+          <a:bodyPr lIns="0" rIns="0" tIns="0" bIns="0" anchor="ctr">
+            <a:noAutofit/>
+          </a:bodyPr>
+          <a:p>
+            <a:pPr indent="0" algn="ctr">
+              <a:buNone/>
+            </a:pPr>
+            <a:r>
+              <a:rPr b="0" lang="en-US" sz="4400" spc="-1" strike="noStrike">
+                <a:solidFill>
+                  <a:srgbClr val="000000"/>
+                </a:solidFill>
+                <a:latin typeface="Arial"/>
+              </a:rPr>
+              <a:t>Click to edit the title text format</a:t>
+            </a:r>
+            <a:endParaRPr b="0" lang="en-US" sz="4400" spc="-1" strike="noStrike">
+              <a:solidFill>
+                <a:srgbClr val="000000"/>
+              </a:solidFill>
+              <a:latin typeface="Arial"/>
+            </a:endParaRPr>
+          </a:p>
+        </p:txBody>
+      </p:sp>
+      <p:sp>
+        <p:nvSpPr>
+          <p:cNvPr id="3" name="PlaceHolder 4"/>
+          <p:cNvSpPr>
+            <a:spLocks noGrp="1"/>
+          </p:cNvSpPr>
+          <p:nvPr>
+            <p:ph type="body"/>
+          </p:nvPr>
+        </p:nvSpPr>
+        <p:spPr>
+          <a:xfrm>
+            <a:off x="457200" y="1604520"/>
+            <a:ext cx="8229240" cy="3977280"/>
+          </a:xfrm>
+          <a:prstGeom prst="rect">
+            <a:avLst/>
+          </a:prstGeom>
+          <a:noFill/>
+          <a:ln w="0">
+            <a:noFill/>
+          </a:ln>
+        </p:spPr>
+        <p:txBody>
+          <a:bodyPr lIns="0" rIns="0" tIns="0" bIns="0" anchor="t">
             <a:normAutofit/>
           </a:bodyPr>
           <a:p>
-            <a:pPr indent="0" defTabSz="914400">
-              <a:lnSpc>
-                <a:spcPct val="90000"/>
-              </a:lnSpc>
-              <a:buNone/>
-            </a:pPr>
-            <a:r>
-              <a:rPr b="1" lang="en-US" sz="3000" spc="-1" strike="noStrike">
-                <a:solidFill>
-                  <a:schemeClr val="dk1"/>
-                </a:solidFill>
-                <a:latin typeface="PT Sans"/>
-                <a:ea typeface="PT Sans"/>
-              </a:rPr>
-              <a:t>Introduceți Subcapitol</a:t>
-            </a:r>
-            <a:endParaRPr b="0" lang="en-US" sz="3000" spc="-1" strike="noStrike">
-              <a:solidFill>
-                <a:schemeClr val="dk1"/>
-              </a:solidFill>
-              <a:latin typeface="Calibri"/>
+            <a:pPr marL="432000" indent="-324000">
+              <a:spcBef>
+                <a:spcPts val="1417"/>
+              </a:spcBef>
+              <a:buClr>
+                <a:srgbClr val="000000"/>
+              </a:buClr>
+              <a:buSzPct val="45000"/>
+              <a:buFont typeface="Wingdings" charset="2"/>
+              <a:buChar char=""/>
+            </a:pPr>
+            <a:r>
+              <a:rPr b="0" lang="en-US" sz="3200" spc="-1" strike="noStrike">
+                <a:solidFill>
+                  <a:srgbClr val="000000"/>
+                </a:solidFill>
+                <a:latin typeface="Arial"/>
+              </a:rPr>
+              <a:t>Click to edit the outline text format</a:t>
+            </a:r>
+            <a:endParaRPr b="0" lang="en-US" sz="3200" spc="-1" strike="noStrike">
+              <a:solidFill>
+                <a:srgbClr val="000000"/>
+              </a:solidFill>
+              <a:latin typeface="Arial"/>
+            </a:endParaRPr>
+          </a:p>
+          <a:p>
+            <a:pPr lvl="1" marL="864000" indent="-324000">
+              <a:spcBef>
+                <a:spcPts val="1134"/>
+              </a:spcBef>
+              <a:buClr>
+                <a:srgbClr val="000000"/>
+              </a:buClr>
+              <a:buSzPct val="75000"/>
+              <a:buFont typeface="Symbol" charset="2"/>
+              <a:buChar char=""/>
+            </a:pPr>
+            <a:r>
+              <a:rPr b="0" lang="en-US" sz="2800" spc="-1" strike="noStrike">
+                <a:solidFill>
+                  <a:srgbClr val="000000"/>
+                </a:solidFill>
+                <a:latin typeface="Arial"/>
+              </a:rPr>
+              <a:t>Second Outline Level</a:t>
+            </a:r>
+            <a:endParaRPr b="0" lang="en-US" sz="2800" spc="-1" strike="noStrike">
+              <a:solidFill>
+                <a:srgbClr val="000000"/>
+              </a:solidFill>
+              <a:latin typeface="Arial"/>
+            </a:endParaRPr>
+          </a:p>
+          <a:p>
+            <a:pPr lvl="2" marL="1296000" indent="-288000">
+              <a:spcBef>
+                <a:spcPts val="850"/>
+              </a:spcBef>
+              <a:buClr>
+                <a:srgbClr val="000000"/>
+              </a:buClr>
+              <a:buSzPct val="45000"/>
+              <a:buFont typeface="Wingdings" charset="2"/>
+              <a:buChar char=""/>
+            </a:pPr>
+            <a:r>
+              <a:rPr b="0" lang="en-US" sz="2400" spc="-1" strike="noStrike">
+                <a:solidFill>
+                  <a:srgbClr val="000000"/>
+                </a:solidFill>
+                <a:latin typeface="Arial"/>
+              </a:rPr>
+              <a:t>Third Outline Level</a:t>
+            </a:r>
+            <a:endParaRPr b="0" lang="en-US" sz="2400" spc="-1" strike="noStrike">
+              <a:solidFill>
+                <a:srgbClr val="000000"/>
+              </a:solidFill>
+              <a:latin typeface="Arial"/>
+            </a:endParaRPr>
+          </a:p>
+          <a:p>
+            <a:pPr lvl="3" marL="1728000" indent="-216000">
+              <a:spcBef>
+                <a:spcPts val="567"/>
+              </a:spcBef>
+              <a:buClr>
+                <a:srgbClr val="000000"/>
+              </a:buClr>
+              <a:buSzPct val="75000"/>
+              <a:buFont typeface="Symbol" charset="2"/>
+              <a:buChar char=""/>
+            </a:pPr>
+            <a:r>
+              <a:rPr b="0" lang="en-US" sz="2000" spc="-1" strike="noStrike">
+                <a:solidFill>
+                  <a:srgbClr val="000000"/>
+                </a:solidFill>
+                <a:latin typeface="Arial"/>
+              </a:rPr>
+              <a:t>Fourth Outline Level</a:t>
+            </a:r>
+            <a:endParaRPr b="0" lang="en-US" sz="2000" spc="-1" strike="noStrike">
+              <a:solidFill>
+                <a:srgbClr val="000000"/>
+              </a:solidFill>
+              <a:latin typeface="Arial"/>
+            </a:endParaRPr>
+          </a:p>
+          <a:p>
+            <a:pPr lvl="4" marL="2160000" indent="-216000">
+              <a:spcBef>
+                <a:spcPts val="283"/>
+              </a:spcBef>
+              <a:buClr>
+                <a:srgbClr val="000000"/>
+              </a:buClr>
+              <a:buSzPct val="45000"/>
+              <a:buFont typeface="Wingdings" charset="2"/>
+              <a:buChar char=""/>
+            </a:pPr>
+            <a:r>
+              <a:rPr b="0" lang="en-US" sz="2000" spc="-1" strike="noStrike">
+                <a:solidFill>
+                  <a:srgbClr val="000000"/>
+                </a:solidFill>
+                <a:latin typeface="Arial"/>
+              </a:rPr>
+              <a:t>Fifth Outline Level</a:t>
+            </a:r>
+            <a:endParaRPr b="0" lang="en-US" sz="2000" spc="-1" strike="noStrike">
+              <a:solidFill>
+                <a:srgbClr val="000000"/>
+              </a:solidFill>
+              <a:latin typeface="Arial"/>
+            </a:endParaRPr>
+          </a:p>
+          <a:p>
+            <a:pPr lvl="5" marL="2592000" indent="-216000">
+              <a:spcBef>
+                <a:spcPts val="283"/>
+              </a:spcBef>
+              <a:buClr>
+                <a:srgbClr val="000000"/>
+              </a:buClr>
+              <a:buSzPct val="45000"/>
+              <a:buFont typeface="Wingdings" charset="2"/>
+              <a:buChar char=""/>
+            </a:pPr>
+            <a:r>
+              <a:rPr b="0" lang="en-US" sz="2000" spc="-1" strike="noStrike">
+                <a:solidFill>
+                  <a:srgbClr val="000000"/>
+                </a:solidFill>
+                <a:latin typeface="Arial"/>
+              </a:rPr>
+              <a:t>Sixth Outline Level</a:t>
+            </a:r>
+            <a:endParaRPr b="0" lang="en-US" sz="2000" spc="-1" strike="noStrike">
+              <a:solidFill>
+                <a:srgbClr val="000000"/>
+              </a:solidFill>
+              <a:latin typeface="Arial"/>
+            </a:endParaRPr>
+          </a:p>
+          <a:p>
+            <a:pPr lvl="6" marL="3024000" indent="-216000">
+              <a:spcBef>
+                <a:spcPts val="283"/>
+              </a:spcBef>
+              <a:buClr>
+                <a:srgbClr val="000000"/>
+              </a:buClr>
+              <a:buSzPct val="45000"/>
+              <a:buFont typeface="Wingdings" charset="2"/>
+              <a:buChar char=""/>
+            </a:pPr>
+            <a:r>
+              <a:rPr b="0" lang="en-US" sz="2000" spc="-1" strike="noStrike">
+                <a:solidFill>
+                  <a:srgbClr val="000000"/>
+                </a:solidFill>
+                <a:latin typeface="Arial"/>
+              </a:rPr>
+              <a:t>Seventh Outline Level</a:t>
+            </a:r>
+            <a:endParaRPr b="0" lang="en-US" sz="2000" spc="-1" strike="noStrike">
+              <a:solidFill>
+                <a:srgbClr val="000000"/>
+              </a:solidFill>
+              <a:latin typeface="Arial"/>
             </a:endParaRPr>
           </a:p>
         </p:txBody>
@@ -2009,90 +2807,18 @@
       </p:grpSpPr>
       <p:sp>
         <p:nvSpPr>
-          <p:cNvPr id="35" name="PlaceHolder 1"/>
+          <p:cNvPr id="22" name="PlaceHolder 1"/>
           <p:cNvSpPr>
             <a:spLocks noGrp="1"/>
           </p:cNvSpPr>
           <p:nvPr>
-            <p:ph type="dt" idx="19"/>
-          </p:nvPr>
-        </p:nvSpPr>
-        <p:spPr>
-          <a:xfrm>
-            <a:off x="628560" y="6356520"/>
-            <a:ext cx="2057040" cy="364680"/>
-          </a:xfrm>
-          <a:prstGeom prst="rect">
-            <a:avLst/>
-          </a:prstGeom>
-          <a:noFill/>
-          <a:ln w="0">
-            <a:noFill/>
-          </a:ln>
-        </p:spPr>
-        <p:txBody>
-          <a:bodyPr lIns="91440" rIns="91440" tIns="45720" bIns="45720" anchor="ctr">
-            <a:noAutofit/>
-          </a:bodyPr>
-          <a:lstStyle>
-            <a:lvl1pPr indent="0" defTabSz="914400">
-              <a:lnSpc>
-                <a:spcPct val="100000"/>
-              </a:lnSpc>
-              <a:buNone/>
-              <a:defRPr b="0" lang="en-US" sz="1200" spc="-1" strike="noStrike">
-                <a:solidFill>
-                  <a:schemeClr val="dk1">
-                    <a:tint val="75000"/>
-                  </a:schemeClr>
-                </a:solidFill>
-                <a:latin typeface="PT Sans"/>
-                <a:ea typeface="PT Sans"/>
-              </a:defRPr>
-            </a:lvl1pPr>
-          </a:lstStyle>
-          <a:p>
-            <a:pPr indent="0" defTabSz="914400">
-              <a:lnSpc>
-                <a:spcPct val="100000"/>
-              </a:lnSpc>
-              <a:buNone/>
-            </a:pPr>
-            <a:r>
-              <a:rPr b="0" lang="en-US" sz="1200" spc="-1" strike="noStrike">
-                <a:solidFill>
-                  <a:schemeClr val="dk1">
-                    <a:tint val="75000"/>
-                  </a:schemeClr>
-                </a:solidFill>
-                <a:latin typeface="PT Sans"/>
-                <a:ea typeface="PT Sans"/>
-              </a:rPr>
-              <a:t>&lt;date/time&gt;</a:t>
-            </a:r>
-            <a:endParaRPr b="0" lang="en-US" sz="1200" spc="-1" strike="noStrike">
-              <a:solidFill>
-                <a:srgbClr val="000000"/>
-              </a:solidFill>
-              <a:latin typeface="Times New Roman"/>
-            </a:endParaRPr>
-          </a:p>
-        </p:txBody>
-      </p:sp>
-      <p:sp>
-        <p:nvSpPr>
-          <p:cNvPr id="36" name="PlaceHolder 2"/>
-          <p:cNvSpPr>
-            <a:spLocks noGrp="1"/>
-          </p:cNvSpPr>
-          <p:nvPr>
-            <p:ph type="sldNum" idx="20"/>
+            <p:ph type="sldNum" idx="19"/>
           </p:nvPr>
         </p:nvSpPr>
         <p:spPr>
           <a:xfrm>
             <a:off x="6458040" y="6356520"/>
-            <a:ext cx="2057040" cy="364680"/>
+            <a:ext cx="2056320" cy="363960"/>
           </a:xfrm>
           <a:prstGeom prst="rect">
             <a:avLst/>
@@ -2112,6 +2838,9 @@
                 <a:spcPct val="100000"/>
               </a:lnSpc>
               <a:buNone/>
+              <a:tabLst>
+                <a:tab algn="l" pos="0"/>
+              </a:tabLst>
               <a:defRPr b="0" lang="en-US" sz="1200" spc="-1" strike="noStrike">
                 <a:solidFill>
                   <a:schemeClr val="dk1">
@@ -2129,8 +2858,11 @@
                 <a:spcPct val="100000"/>
               </a:lnSpc>
               <a:buNone/>
-            </a:pPr>
-            <a:fld id="{4DE10B46-4319-4B9D-8084-796EEF8A1505}" type="slidenum">
+              <a:tabLst>
+                <a:tab algn="l" pos="0"/>
+              </a:tabLst>
+            </a:pPr>
+            <a:fld id="{7FD83A1A-3B0F-4C0E-977A-E29FB494070F}" type="slidenum">
               <a:rPr b="0" lang="en-US" sz="1200" spc="-1" strike="noStrike">
                 <a:solidFill>
                   <a:schemeClr val="dk1">
@@ -2153,18 +2885,18 @@
       </p:sp>
       <p:sp>
         <p:nvSpPr>
-          <p:cNvPr id="37" name="PlaceHolder 3"/>
+          <p:cNvPr id="23" name="PlaceHolder 2"/>
           <p:cNvSpPr>
             <a:spLocks noGrp="1"/>
           </p:cNvSpPr>
           <p:nvPr>
-            <p:ph type="body"/>
+            <p:ph type="dt" idx="20"/>
           </p:nvPr>
         </p:nvSpPr>
         <p:spPr>
           <a:xfrm>
-            <a:off x="623880" y="1900080"/>
-            <a:ext cx="7886520" cy="4326840"/>
+            <a:off x="628560" y="6356520"/>
+            <a:ext cx="2056320" cy="363960"/>
           </a:xfrm>
           <a:prstGeom prst="rect">
             <a:avLst/>
@@ -2175,162 +2907,38 @@
           </a:ln>
         </p:spPr>
         <p:txBody>
-          <a:bodyPr lIns="91440" rIns="91440" tIns="45720" bIns="45720" anchor="t">
-            <a:normAutofit/>
+          <a:bodyPr lIns="91440" rIns="91440" tIns="45720" bIns="45720" anchor="ctr">
+            <a:noAutofit/>
           </a:bodyPr>
-          <a:p>
-            <a:pPr marL="228600" indent="-228600" defTabSz="914400">
-              <a:lnSpc>
-                <a:spcPct val="90000"/>
-              </a:lnSpc>
-              <a:spcBef>
-                <a:spcPts val="1001"/>
-              </a:spcBef>
-              <a:buClr>
-                <a:srgbClr val="000000"/>
-              </a:buClr>
-              <a:buFont typeface="Arial"/>
-              <a:buChar char="•"/>
-            </a:pPr>
-            <a:r>
-              <a:rPr b="0" lang="en-US" sz="2000" spc="-1" strike="noStrike">
-                <a:solidFill>
-                  <a:schemeClr val="dk1"/>
-                </a:solidFill>
-                <a:latin typeface="PT Sans"/>
-                <a:ea typeface="PT Sans"/>
-              </a:rPr>
-              <a:t>Introduceți text cu bullet-uri</a:t>
-            </a:r>
-            <a:endParaRPr b="0" lang="en-US" sz="2000" spc="-1" strike="noStrike">
-              <a:solidFill>
-                <a:schemeClr val="dk1"/>
-              </a:solidFill>
-              <a:latin typeface="Calibri"/>
-            </a:endParaRPr>
-          </a:p>
-          <a:p>
-            <a:pPr lvl="1" marL="685800" indent="-228600" defTabSz="914400">
-              <a:lnSpc>
-                <a:spcPct val="90000"/>
-              </a:lnSpc>
-              <a:spcBef>
-                <a:spcPts val="499"/>
-              </a:spcBef>
-              <a:buClr>
-                <a:srgbClr val="000000"/>
-              </a:buClr>
-              <a:buFont typeface="Arial"/>
-              <a:buChar char="•"/>
-            </a:pPr>
-            <a:r>
-              <a:rPr b="0" lang="en-US" sz="1800" spc="-1" strike="noStrike">
-                <a:solidFill>
-                  <a:schemeClr val="dk1"/>
-                </a:solidFill>
-                <a:latin typeface="PT Sans"/>
-                <a:ea typeface="PT Sans"/>
-              </a:rPr>
-              <a:t>Second level</a:t>
-            </a:r>
-            <a:endParaRPr b="0" lang="en-US" sz="1800" spc="-1" strike="noStrike">
-              <a:solidFill>
-                <a:schemeClr val="dk1"/>
-              </a:solidFill>
-              <a:latin typeface="Calibri"/>
-            </a:endParaRPr>
-          </a:p>
-          <a:p>
-            <a:pPr lvl="2" marL="1143000" indent="-228600" defTabSz="914400">
-              <a:lnSpc>
-                <a:spcPct val="90000"/>
-              </a:lnSpc>
-              <a:spcBef>
-                <a:spcPts val="499"/>
-              </a:spcBef>
-              <a:buClr>
-                <a:srgbClr val="000000"/>
-              </a:buClr>
-              <a:buFont typeface="Arial"/>
-              <a:buChar char="•"/>
-            </a:pPr>
-            <a:r>
-              <a:rPr b="0" lang="en-US" sz="1600" spc="-1" strike="noStrike">
-                <a:solidFill>
-                  <a:schemeClr val="dk1"/>
-                </a:solidFill>
-                <a:latin typeface="PT Sans"/>
-                <a:ea typeface="PT Sans"/>
-              </a:rPr>
-              <a:t>Third level</a:t>
-            </a:r>
-            <a:endParaRPr b="0" lang="en-US" sz="1600" spc="-1" strike="noStrike">
-              <a:solidFill>
-                <a:schemeClr val="dk1"/>
-              </a:solidFill>
-              <a:latin typeface="Calibri"/>
-            </a:endParaRPr>
-          </a:p>
-          <a:p>
-            <a:pPr lvl="3" marL="1600200" indent="-228600" defTabSz="914400">
-              <a:lnSpc>
-                <a:spcPct val="90000"/>
-              </a:lnSpc>
-              <a:spcBef>
-                <a:spcPts val="499"/>
-              </a:spcBef>
-              <a:buClr>
-                <a:srgbClr val="000000"/>
-              </a:buClr>
-              <a:buFont typeface="Arial"/>
-              <a:buChar char="•"/>
+          <a:lstStyle>
+            <a:lvl1pPr indent="0">
+              <a:buNone/>
+              <a:defRPr b="0" lang="en-US" sz="1400" spc="-1" strike="noStrike">
+                <a:solidFill>
+                  <a:srgbClr val="000000"/>
+                </a:solidFill>
+                <a:latin typeface="Times New Roman"/>
+              </a:defRPr>
+            </a:lvl1pPr>
+          </a:lstStyle>
+          <a:p>
+            <a:pPr indent="0">
+              <a:buNone/>
             </a:pPr>
             <a:r>
               <a:rPr b="0" lang="en-US" sz="1400" spc="-1" strike="noStrike">
                 <a:solidFill>
-                  <a:schemeClr val="dk1"/>
-                </a:solidFill>
-                <a:latin typeface="PT Sans"/>
-                <a:ea typeface="PT Sans"/>
-              </a:rPr>
-              <a:t>Fourth level</a:t>
+                  <a:srgbClr val="000000"/>
+                </a:solidFill>
+                <a:latin typeface="Times New Roman"/>
+              </a:rPr>
+              <a:t>&lt;date/time&gt;</a:t>
             </a:r>
             <a:endParaRPr b="0" lang="en-US" sz="1400" spc="-1" strike="noStrike">
               <a:solidFill>
-                <a:schemeClr val="dk1"/>
-              </a:solidFill>
-              <a:latin typeface="Calibri"/>
-            </a:endParaRPr>
-          </a:p>
-          <a:p>
-            <a:pPr lvl="4" marL="2057400" indent="-228600" defTabSz="914400">
-              <a:lnSpc>
-                <a:spcPct val="90000"/>
-              </a:lnSpc>
-              <a:spcBef>
-                <a:spcPts val="499"/>
-              </a:spcBef>
-              <a:buClr>
-                <a:srgbClr val="000000"/>
-              </a:buClr>
-              <a:buFont typeface="Arial"/>
-              <a:buChar char="•"/>
-            </a:pPr>
-            <a:r>
-              <a:rPr b="0" lang="en-US" sz="1400" spc="-1" strike="noStrike">
-                <a:solidFill>
-                  <a:schemeClr val="dk1"/>
-                </a:solidFill>
-                <a:latin typeface="PT Sans"/>
-                <a:ea typeface="PT Sans"/>
-              </a:rPr>
-              <a:t>Fifth level</a:t>
-            </a:r>
-            <a:endParaRPr b="0" lang="en-US" sz="1400" spc="-1" strike="noStrike">
-              <a:solidFill>
-                <a:schemeClr val="dk1"/>
-              </a:solidFill>
-              <a:latin typeface="Calibri"/>
+                <a:srgbClr val="000000"/>
+              </a:solidFill>
+              <a:latin typeface="Times New Roman"/>
             </a:endParaRPr>
           </a:p>
         </p:txBody>
@@ -2370,90 +2978,18 @@
       </p:grpSpPr>
       <p:sp>
         <p:nvSpPr>
-          <p:cNvPr id="38" name="PlaceHolder 1"/>
+          <p:cNvPr id="24" name="PlaceHolder 1"/>
           <p:cNvSpPr>
             <a:spLocks noGrp="1"/>
           </p:cNvSpPr>
           <p:nvPr>
-            <p:ph type="dt" idx="21"/>
-          </p:nvPr>
-        </p:nvSpPr>
-        <p:spPr>
-          <a:xfrm>
-            <a:off x="628560" y="6356520"/>
-            <a:ext cx="2057040" cy="364680"/>
-          </a:xfrm>
-          <a:prstGeom prst="rect">
-            <a:avLst/>
-          </a:prstGeom>
-          <a:noFill/>
-          <a:ln w="0">
-            <a:noFill/>
-          </a:ln>
-        </p:spPr>
-        <p:txBody>
-          <a:bodyPr lIns="91440" rIns="91440" tIns="45720" bIns="45720" anchor="ctr">
-            <a:noAutofit/>
-          </a:bodyPr>
-          <a:lstStyle>
-            <a:lvl1pPr indent="0" defTabSz="914400">
-              <a:lnSpc>
-                <a:spcPct val="100000"/>
-              </a:lnSpc>
-              <a:buNone/>
-              <a:defRPr b="0" lang="en-US" sz="1200" spc="-1" strike="noStrike">
-                <a:solidFill>
-                  <a:schemeClr val="dk1">
-                    <a:tint val="75000"/>
-                  </a:schemeClr>
-                </a:solidFill>
-                <a:latin typeface="PT Sans"/>
-                <a:ea typeface="PT Sans"/>
-              </a:defRPr>
-            </a:lvl1pPr>
-          </a:lstStyle>
-          <a:p>
-            <a:pPr indent="0" defTabSz="914400">
-              <a:lnSpc>
-                <a:spcPct val="100000"/>
-              </a:lnSpc>
-              <a:buNone/>
-            </a:pPr>
-            <a:r>
-              <a:rPr b="0" lang="en-US" sz="1200" spc="-1" strike="noStrike">
-                <a:solidFill>
-                  <a:schemeClr val="dk1">
-                    <a:tint val="75000"/>
-                  </a:schemeClr>
-                </a:solidFill>
-                <a:latin typeface="PT Sans"/>
-                <a:ea typeface="PT Sans"/>
-              </a:rPr>
-              <a:t>&lt;date/time&gt;</a:t>
-            </a:r>
-            <a:endParaRPr b="0" lang="en-US" sz="1200" spc="-1" strike="noStrike">
-              <a:solidFill>
-                <a:srgbClr val="000000"/>
-              </a:solidFill>
-              <a:latin typeface="Times New Roman"/>
-            </a:endParaRPr>
-          </a:p>
-        </p:txBody>
-      </p:sp>
-      <p:sp>
-        <p:nvSpPr>
-          <p:cNvPr id="39" name="PlaceHolder 2"/>
-          <p:cNvSpPr>
-            <a:spLocks noGrp="1"/>
-          </p:cNvSpPr>
-          <p:nvPr>
-            <p:ph type="sldNum" idx="22"/>
+            <p:ph type="sldNum" idx="21"/>
           </p:nvPr>
         </p:nvSpPr>
         <p:spPr>
           <a:xfrm>
             <a:off x="6458040" y="6356520"/>
-            <a:ext cx="2057040" cy="364680"/>
+            <a:ext cx="2056320" cy="363960"/>
           </a:xfrm>
           <a:prstGeom prst="rect">
             <a:avLst/>
@@ -2473,6 +3009,9 @@
                 <a:spcPct val="100000"/>
               </a:lnSpc>
               <a:buNone/>
+              <a:tabLst>
+                <a:tab algn="l" pos="0"/>
+              </a:tabLst>
               <a:defRPr b="0" lang="en-US" sz="1200" spc="-1" strike="noStrike">
                 <a:solidFill>
                   <a:schemeClr val="dk1">
@@ -2490,8 +3029,11 @@
                 <a:spcPct val="100000"/>
               </a:lnSpc>
               <a:buNone/>
-            </a:pPr>
-            <a:fld id="{C72065F6-A80C-4160-A208-A4A22020170D}" type="slidenum">
+              <a:tabLst>
+                <a:tab algn="l" pos="0"/>
+              </a:tabLst>
+            </a:pPr>
+            <a:fld id="{C12A804D-17E0-4329-94E4-5CB56A700BBE}" type="slidenum">
               <a:rPr b="0" lang="en-US" sz="1200" spc="-1" strike="noStrike">
                 <a:solidFill>
                   <a:schemeClr val="dk1">
@@ -2514,386 +3056,18 @@
       </p:sp>
       <p:sp>
         <p:nvSpPr>
-          <p:cNvPr id="40" name="PlaceHolder 3"/>
+          <p:cNvPr id="25" name="PlaceHolder 2"/>
           <p:cNvSpPr>
             <a:spLocks noGrp="1"/>
           </p:cNvSpPr>
           <p:nvPr>
-            <p:ph type="body"/>
+            <p:ph type="dt" idx="22"/>
           </p:nvPr>
         </p:nvSpPr>
         <p:spPr>
           <a:xfrm>
-            <a:off x="628560" y="2786400"/>
-            <a:ext cx="3885840" cy="3081600"/>
-          </a:xfrm>
-          <a:prstGeom prst="rect">
-            <a:avLst/>
-          </a:prstGeom>
-          <a:noFill/>
-          <a:ln w="0">
-            <a:noFill/>
-          </a:ln>
-        </p:spPr>
-        <p:txBody>
-          <a:bodyPr lIns="91440" rIns="91440" tIns="45720" bIns="45720" anchor="t">
-            <a:normAutofit/>
-          </a:bodyPr>
-          <a:p>
-            <a:pPr marL="228600" indent="-228600" defTabSz="914400">
-              <a:lnSpc>
-                <a:spcPct val="90000"/>
-              </a:lnSpc>
-              <a:spcBef>
-                <a:spcPts val="1001"/>
-              </a:spcBef>
-              <a:buClr>
-                <a:srgbClr val="000000"/>
-              </a:buClr>
-              <a:buFont typeface="Arial"/>
-              <a:buChar char="•"/>
-            </a:pPr>
-            <a:r>
-              <a:rPr b="0" lang="en-US" sz="2000" spc="-1" strike="noStrike">
-                <a:solidFill>
-                  <a:schemeClr val="dk1"/>
-                </a:solidFill>
-                <a:latin typeface="PT Sans"/>
-                <a:ea typeface="PT Sans"/>
-              </a:rPr>
-              <a:t>Introduceți text cu bullet-uri</a:t>
-            </a:r>
-            <a:endParaRPr b="0" lang="en-US" sz="2000" spc="-1" strike="noStrike">
-              <a:solidFill>
-                <a:schemeClr val="dk1"/>
-              </a:solidFill>
-              <a:latin typeface="Calibri"/>
-            </a:endParaRPr>
-          </a:p>
-          <a:p>
-            <a:pPr lvl="1" marL="685800" indent="-228600" defTabSz="914400">
-              <a:lnSpc>
-                <a:spcPct val="90000"/>
-              </a:lnSpc>
-              <a:spcBef>
-                <a:spcPts val="499"/>
-              </a:spcBef>
-              <a:buClr>
-                <a:srgbClr val="000000"/>
-              </a:buClr>
-              <a:buFont typeface="Arial"/>
-              <a:buChar char="•"/>
-            </a:pPr>
-            <a:r>
-              <a:rPr b="0" lang="en-US" sz="1800" spc="-1" strike="noStrike">
-                <a:solidFill>
-                  <a:schemeClr val="dk1"/>
-                </a:solidFill>
-                <a:latin typeface="PT Sans"/>
-                <a:ea typeface="PT Sans"/>
-              </a:rPr>
-              <a:t>Second level</a:t>
-            </a:r>
-            <a:endParaRPr b="0" lang="en-US" sz="1800" spc="-1" strike="noStrike">
-              <a:solidFill>
-                <a:schemeClr val="dk1"/>
-              </a:solidFill>
-              <a:latin typeface="Calibri"/>
-            </a:endParaRPr>
-          </a:p>
-          <a:p>
-            <a:pPr lvl="2" marL="1143000" indent="-228600" defTabSz="914400">
-              <a:lnSpc>
-                <a:spcPct val="90000"/>
-              </a:lnSpc>
-              <a:spcBef>
-                <a:spcPts val="499"/>
-              </a:spcBef>
-              <a:buClr>
-                <a:srgbClr val="000000"/>
-              </a:buClr>
-              <a:buFont typeface="Arial"/>
-              <a:buChar char="•"/>
-            </a:pPr>
-            <a:r>
-              <a:rPr b="0" lang="en-US" sz="1600" spc="-1" strike="noStrike">
-                <a:solidFill>
-                  <a:schemeClr val="dk1"/>
-                </a:solidFill>
-                <a:latin typeface="PT Sans"/>
-                <a:ea typeface="PT Sans"/>
-              </a:rPr>
-              <a:t>Third level</a:t>
-            </a:r>
-            <a:endParaRPr b="0" lang="en-US" sz="1600" spc="-1" strike="noStrike">
-              <a:solidFill>
-                <a:schemeClr val="dk1"/>
-              </a:solidFill>
-              <a:latin typeface="Calibri"/>
-            </a:endParaRPr>
-          </a:p>
-          <a:p>
-            <a:pPr lvl="3" marL="1600200" indent="-228600" defTabSz="914400">
-              <a:lnSpc>
-                <a:spcPct val="90000"/>
-              </a:lnSpc>
-              <a:spcBef>
-                <a:spcPts val="499"/>
-              </a:spcBef>
-              <a:buClr>
-                <a:srgbClr val="000000"/>
-              </a:buClr>
-              <a:buFont typeface="Arial"/>
-              <a:buChar char="•"/>
-            </a:pPr>
-            <a:r>
-              <a:rPr b="0" lang="en-US" sz="1400" spc="-1" strike="noStrike">
-                <a:solidFill>
-                  <a:schemeClr val="dk1"/>
-                </a:solidFill>
-                <a:latin typeface="PT Sans"/>
-                <a:ea typeface="PT Sans"/>
-              </a:rPr>
-              <a:t>Fourth level</a:t>
-            </a:r>
-            <a:endParaRPr b="0" lang="en-US" sz="1400" spc="-1" strike="noStrike">
-              <a:solidFill>
-                <a:schemeClr val="dk1"/>
-              </a:solidFill>
-              <a:latin typeface="Calibri"/>
-            </a:endParaRPr>
-          </a:p>
-          <a:p>
-            <a:pPr lvl="4" marL="2057400" indent="-228600" defTabSz="914400">
-              <a:lnSpc>
-                <a:spcPct val="90000"/>
-              </a:lnSpc>
-              <a:spcBef>
-                <a:spcPts val="499"/>
-              </a:spcBef>
-              <a:buClr>
-                <a:srgbClr val="000000"/>
-              </a:buClr>
-              <a:buFont typeface="Arial"/>
-              <a:buChar char="•"/>
-            </a:pPr>
-            <a:r>
-              <a:rPr b="0" lang="en-US" sz="1400" spc="-1" strike="noStrike">
-                <a:solidFill>
-                  <a:schemeClr val="dk1"/>
-                </a:solidFill>
-                <a:latin typeface="PT Sans"/>
-                <a:ea typeface="PT Sans"/>
-              </a:rPr>
-              <a:t>Fifth level</a:t>
-            </a:r>
-            <a:endParaRPr b="0" lang="en-US" sz="1400" spc="-1" strike="noStrike">
-              <a:solidFill>
-                <a:schemeClr val="dk1"/>
-              </a:solidFill>
-              <a:latin typeface="Calibri"/>
-            </a:endParaRPr>
-          </a:p>
-        </p:txBody>
-      </p:sp>
-      <p:sp>
-        <p:nvSpPr>
-          <p:cNvPr id="41" name="PlaceHolder 4"/>
-          <p:cNvSpPr>
-            <a:spLocks noGrp="1"/>
-          </p:cNvSpPr>
-          <p:nvPr>
-            <p:ph type="body"/>
-          </p:nvPr>
-        </p:nvSpPr>
-        <p:spPr>
-          <a:xfrm>
-            <a:off x="4646880" y="2776680"/>
-            <a:ext cx="3885840" cy="3081600"/>
-          </a:xfrm>
-          <a:prstGeom prst="rect">
-            <a:avLst/>
-          </a:prstGeom>
-          <a:noFill/>
-          <a:ln w="0">
-            <a:noFill/>
-          </a:ln>
-        </p:spPr>
-        <p:txBody>
-          <a:bodyPr lIns="91440" rIns="91440" tIns="45720" bIns="45720" anchor="t">
-            <a:normAutofit/>
-          </a:bodyPr>
-          <a:p>
-            <a:pPr marL="228600" indent="-228600" defTabSz="914400">
-              <a:lnSpc>
-                <a:spcPct val="90000"/>
-              </a:lnSpc>
-              <a:spcBef>
-                <a:spcPts val="1001"/>
-              </a:spcBef>
-              <a:buClr>
-                <a:srgbClr val="000000"/>
-              </a:buClr>
-              <a:buFont typeface="Arial"/>
-              <a:buChar char="•"/>
-            </a:pPr>
-            <a:r>
-              <a:rPr b="0" lang="en-US" sz="2000" spc="-1" strike="noStrike">
-                <a:solidFill>
-                  <a:schemeClr val="dk1"/>
-                </a:solidFill>
-                <a:latin typeface="PT Sans"/>
-                <a:ea typeface="PT Sans"/>
-              </a:rPr>
-              <a:t>Introduceți text cu bullet-uri</a:t>
-            </a:r>
-            <a:endParaRPr b="0" lang="en-US" sz="2000" spc="-1" strike="noStrike">
-              <a:solidFill>
-                <a:schemeClr val="dk1"/>
-              </a:solidFill>
-              <a:latin typeface="Calibri"/>
-            </a:endParaRPr>
-          </a:p>
-          <a:p>
-            <a:pPr lvl="1" marL="685800" indent="-228600" defTabSz="914400">
-              <a:lnSpc>
-                <a:spcPct val="90000"/>
-              </a:lnSpc>
-              <a:spcBef>
-                <a:spcPts val="499"/>
-              </a:spcBef>
-              <a:buClr>
-                <a:srgbClr val="000000"/>
-              </a:buClr>
-              <a:buFont typeface="Arial"/>
-              <a:buChar char="•"/>
-            </a:pPr>
-            <a:r>
-              <a:rPr b="0" lang="en-US" sz="1800" spc="-1" strike="noStrike">
-                <a:solidFill>
-                  <a:schemeClr val="dk1"/>
-                </a:solidFill>
-                <a:latin typeface="PT Sans"/>
-                <a:ea typeface="PT Sans"/>
-              </a:rPr>
-              <a:t>Second level</a:t>
-            </a:r>
-            <a:endParaRPr b="0" lang="en-US" sz="1800" spc="-1" strike="noStrike">
-              <a:solidFill>
-                <a:schemeClr val="dk1"/>
-              </a:solidFill>
-              <a:latin typeface="Calibri"/>
-            </a:endParaRPr>
-          </a:p>
-          <a:p>
-            <a:pPr lvl="2" marL="1143000" indent="-228600" defTabSz="914400">
-              <a:lnSpc>
-                <a:spcPct val="90000"/>
-              </a:lnSpc>
-              <a:spcBef>
-                <a:spcPts val="499"/>
-              </a:spcBef>
-              <a:buClr>
-                <a:srgbClr val="000000"/>
-              </a:buClr>
-              <a:buFont typeface="Arial"/>
-              <a:buChar char="•"/>
-            </a:pPr>
-            <a:r>
-              <a:rPr b="0" lang="en-US" sz="1600" spc="-1" strike="noStrike">
-                <a:solidFill>
-                  <a:schemeClr val="dk1"/>
-                </a:solidFill>
-                <a:latin typeface="PT Sans"/>
-                <a:ea typeface="PT Sans"/>
-              </a:rPr>
-              <a:t>Third level</a:t>
-            </a:r>
-            <a:endParaRPr b="0" lang="en-US" sz="1600" spc="-1" strike="noStrike">
-              <a:solidFill>
-                <a:schemeClr val="dk1"/>
-              </a:solidFill>
-              <a:latin typeface="Calibri"/>
-            </a:endParaRPr>
-          </a:p>
-          <a:p>
-            <a:pPr lvl="3" marL="1600200" indent="-228600" defTabSz="914400">
-              <a:lnSpc>
-                <a:spcPct val="90000"/>
-              </a:lnSpc>
-              <a:spcBef>
-                <a:spcPts val="499"/>
-              </a:spcBef>
-              <a:buClr>
-                <a:srgbClr val="000000"/>
-              </a:buClr>
-              <a:buFont typeface="Arial"/>
-              <a:buChar char="•"/>
-            </a:pPr>
-            <a:r>
-              <a:rPr b="0" lang="en-US" sz="1400" spc="-1" strike="noStrike">
-                <a:solidFill>
-                  <a:schemeClr val="dk1"/>
-                </a:solidFill>
-                <a:latin typeface="PT Sans"/>
-                <a:ea typeface="PT Sans"/>
-              </a:rPr>
-              <a:t>Fourth level</a:t>
-            </a:r>
-            <a:endParaRPr b="0" lang="en-US" sz="1400" spc="-1" strike="noStrike">
-              <a:solidFill>
-                <a:schemeClr val="dk1"/>
-              </a:solidFill>
-              <a:latin typeface="Calibri"/>
-            </a:endParaRPr>
-          </a:p>
-          <a:p>
-            <a:pPr lvl="4" marL="2057400" indent="-228600" defTabSz="914400">
-              <a:lnSpc>
-                <a:spcPct val="90000"/>
-              </a:lnSpc>
-              <a:spcBef>
-                <a:spcPts val="499"/>
-              </a:spcBef>
-              <a:buClr>
-                <a:srgbClr val="000000"/>
-              </a:buClr>
-              <a:buFont typeface="Arial"/>
-              <a:buChar char="•"/>
-            </a:pPr>
-            <a:r>
-              <a:rPr b="0" lang="en-US" sz="1400" spc="-1" strike="noStrike">
-                <a:solidFill>
-                  <a:schemeClr val="dk1"/>
-                </a:solidFill>
-                <a:latin typeface="PT Sans"/>
-                <a:ea typeface="PT Sans"/>
-              </a:rPr>
-              <a:t>Fifth level</a:t>
-            </a:r>
-            <a:endParaRPr b="0" lang="en-US" sz="1400" spc="-1" strike="noStrike">
-              <a:solidFill>
-                <a:schemeClr val="dk1"/>
-              </a:solidFill>
-              <a:latin typeface="Calibri"/>
-            </a:endParaRPr>
-          </a:p>
-        </p:txBody>
-      </p:sp>
-      <p:sp>
-        <p:nvSpPr>
-          <p:cNvPr id="42" name="PlaceHolder 5"/>
-          <p:cNvSpPr>
-            <a:spLocks noGrp="1"/>
-          </p:cNvSpPr>
-          <p:nvPr>
-            <p:ph type="title"/>
-          </p:nvPr>
-        </p:nvSpPr>
-        <p:spPr>
-          <a:xfrm>
-            <a:off x="628560" y="1883160"/>
-            <a:ext cx="7886520" cy="905040"/>
+            <a:off x="628560" y="6356520"/>
+            <a:ext cx="2056320" cy="363960"/>
           </a:xfrm>
           <a:prstGeom prst="rect">
             <a:avLst/>
@@ -2905,30 +3079,37 @@
         </p:spPr>
         <p:txBody>
           <a:bodyPr lIns="91440" rIns="91440" tIns="45720" bIns="45720" anchor="ctr">
-            <a:normAutofit/>
+            <a:noAutofit/>
           </a:bodyPr>
-          <a:p>
-            <a:pPr indent="0" defTabSz="914400">
-              <a:lnSpc>
-                <a:spcPct val="90000"/>
-              </a:lnSpc>
-              <a:buNone/>
-            </a:pPr>
-            <a:r>
-              <a:rPr b="1" lang="en-US" sz="3000" spc="-1" strike="noStrike">
-                <a:solidFill>
-                  <a:schemeClr val="dk1"/>
-                </a:solidFill>
-                <a:latin typeface="PT Sans"/>
-                <a:ea typeface="PT Sans"/>
-              </a:rPr>
-              <a:t>Introduceți Subcapitol</a:t>
-            </a:r>
-            <a:endParaRPr b="0" lang="en-US" sz="3000" spc="-1" strike="noStrike">
-              <a:solidFill>
-                <a:schemeClr val="dk1"/>
-              </a:solidFill>
-              <a:latin typeface="Calibri"/>
+          <a:lstStyle>
+            <a:lvl1pPr indent="0">
+              <a:buNone/>
+              <a:defRPr b="0" lang="en-US" sz="1400" spc="-1" strike="noStrike">
+                <a:solidFill>
+                  <a:srgbClr val="000000"/>
+                </a:solidFill>
+                <a:latin typeface="Times New Roman"/>
+              </a:defRPr>
+            </a:lvl1pPr>
+          </a:lstStyle>
+          <a:p>
+            <a:pPr indent="0">
+              <a:buNone/>
+            </a:pPr>
+            <a:r>
+              <a:rPr b="0" lang="en-US" sz="1400" spc="-1" strike="noStrike">
+                <a:solidFill>
+                  <a:srgbClr val="000000"/>
+                </a:solidFill>
+                <a:latin typeface="Times New Roman"/>
+              </a:rPr>
+              <a:t>&lt;date/time&gt;</a:t>
+            </a:r>
+            <a:endParaRPr b="0" lang="en-US" sz="1400" spc="-1" strike="noStrike">
+              <a:solidFill>
+                <a:srgbClr val="000000"/>
+              </a:solidFill>
+              <a:latin typeface="Times New Roman"/>
             </a:endParaRPr>
           </a:p>
         </p:txBody>
@@ -2968,90 +3149,18 @@
       </p:grpSpPr>
       <p:sp>
         <p:nvSpPr>
-          <p:cNvPr id="43" name="PlaceHolder 1"/>
+          <p:cNvPr id="26" name="PlaceHolder 1"/>
           <p:cNvSpPr>
             <a:spLocks noGrp="1"/>
           </p:cNvSpPr>
           <p:nvPr>
-            <p:ph type="dt" idx="23"/>
-          </p:nvPr>
-        </p:nvSpPr>
-        <p:spPr>
-          <a:xfrm>
-            <a:off x="628560" y="6356520"/>
-            <a:ext cx="2057040" cy="364680"/>
-          </a:xfrm>
-          <a:prstGeom prst="rect">
-            <a:avLst/>
-          </a:prstGeom>
-          <a:noFill/>
-          <a:ln w="0">
-            <a:noFill/>
-          </a:ln>
-        </p:spPr>
-        <p:txBody>
-          <a:bodyPr lIns="91440" rIns="91440" tIns="45720" bIns="45720" anchor="ctr">
-            <a:noAutofit/>
-          </a:bodyPr>
-          <a:lstStyle>
-            <a:lvl1pPr indent="0" defTabSz="914400">
-              <a:lnSpc>
-                <a:spcPct val="100000"/>
-              </a:lnSpc>
-              <a:buNone/>
-              <a:defRPr b="0" lang="en-US" sz="1200" spc="-1" strike="noStrike">
-                <a:solidFill>
-                  <a:schemeClr val="dk1">
-                    <a:tint val="75000"/>
-                  </a:schemeClr>
-                </a:solidFill>
-                <a:latin typeface="PT Sans"/>
-                <a:ea typeface="PT Sans"/>
-              </a:defRPr>
-            </a:lvl1pPr>
-          </a:lstStyle>
-          <a:p>
-            <a:pPr indent="0" defTabSz="914400">
-              <a:lnSpc>
-                <a:spcPct val="100000"/>
-              </a:lnSpc>
-              <a:buNone/>
-            </a:pPr>
-            <a:r>
-              <a:rPr b="0" lang="en-US" sz="1200" spc="-1" strike="noStrike">
-                <a:solidFill>
-                  <a:schemeClr val="dk1">
-                    <a:tint val="75000"/>
-                  </a:schemeClr>
-                </a:solidFill>
-                <a:latin typeface="PT Sans"/>
-                <a:ea typeface="PT Sans"/>
-              </a:rPr>
-              <a:t>&lt;date/time&gt;</a:t>
-            </a:r>
-            <a:endParaRPr b="0" lang="en-US" sz="1200" spc="-1" strike="noStrike">
-              <a:solidFill>
-                <a:srgbClr val="000000"/>
-              </a:solidFill>
-              <a:latin typeface="Times New Roman"/>
-            </a:endParaRPr>
-          </a:p>
-        </p:txBody>
-      </p:sp>
-      <p:sp>
-        <p:nvSpPr>
-          <p:cNvPr id="44" name="PlaceHolder 2"/>
-          <p:cNvSpPr>
-            <a:spLocks noGrp="1"/>
-          </p:cNvSpPr>
-          <p:nvPr>
-            <p:ph type="sldNum" idx="24"/>
+            <p:ph type="sldNum" idx="23"/>
           </p:nvPr>
         </p:nvSpPr>
         <p:spPr>
           <a:xfrm>
             <a:off x="6458040" y="6356520"/>
-            <a:ext cx="2057040" cy="364680"/>
+            <a:ext cx="2056320" cy="363960"/>
           </a:xfrm>
           <a:prstGeom prst="rect">
             <a:avLst/>
@@ -3071,6 +3180,9 @@
                 <a:spcPct val="100000"/>
               </a:lnSpc>
               <a:buNone/>
+              <a:tabLst>
+                <a:tab algn="l" pos="0"/>
+              </a:tabLst>
               <a:defRPr b="0" lang="en-US" sz="1200" spc="-1" strike="noStrike">
                 <a:solidFill>
                   <a:schemeClr val="dk1">
@@ -3088,8 +3200,11 @@
                 <a:spcPct val="100000"/>
               </a:lnSpc>
               <a:buNone/>
-            </a:pPr>
-            <a:fld id="{7129955D-8883-415D-B020-C33D9F4303B8}" type="slidenum">
+              <a:tabLst>
+                <a:tab algn="l" pos="0"/>
+              </a:tabLst>
+            </a:pPr>
+            <a:fld id="{82CA2AAC-F515-4459-A529-355750F8D253}" type="slidenum">
               <a:rPr b="0" lang="en-US" sz="1200" spc="-1" strike="noStrike">
                 <a:solidFill>
                   <a:schemeClr val="dk1">
@@ -3112,136 +3227,18 @@
       </p:sp>
       <p:sp>
         <p:nvSpPr>
-          <p:cNvPr id="45" name="PlaceHolder 3"/>
+          <p:cNvPr id="27" name="PlaceHolder 2"/>
           <p:cNvSpPr>
             <a:spLocks noGrp="1"/>
           </p:cNvSpPr>
           <p:nvPr>
-            <p:ph type="body"/>
+            <p:ph type="dt" idx="24"/>
           </p:nvPr>
         </p:nvSpPr>
         <p:spPr>
           <a:xfrm>
-            <a:off x="628560" y="2786400"/>
-            <a:ext cx="3885840" cy="3081600"/>
-          </a:xfrm>
-          <a:prstGeom prst="rect">
-            <a:avLst/>
-          </a:prstGeom>
-          <a:noFill/>
-          <a:ln w="0">
-            <a:noFill/>
-          </a:ln>
-        </p:spPr>
-        <p:txBody>
-          <a:bodyPr lIns="91440" rIns="91440" tIns="45720" bIns="45720" anchor="t">
-            <a:normAutofit/>
-          </a:bodyPr>
-          <a:p>
-            <a:pPr indent="0" defTabSz="914400">
-              <a:lnSpc>
-                <a:spcPct val="90000"/>
-              </a:lnSpc>
-              <a:spcBef>
-                <a:spcPts val="1001"/>
-              </a:spcBef>
-              <a:buNone/>
-              <a:tabLst>
-                <a:tab algn="l" pos="0"/>
-              </a:tabLst>
-            </a:pPr>
-            <a:r>
-              <a:rPr b="0" lang="en-US" sz="2000" spc="-1" strike="noStrike">
-                <a:solidFill>
-                  <a:schemeClr val="dk1"/>
-                </a:solidFill>
-                <a:latin typeface="PT Sans"/>
-                <a:ea typeface="PT Sans"/>
-              </a:rPr>
-              <a:t>Introduceți text simplu</a:t>
-            </a:r>
-            <a:endParaRPr b="0" lang="en-US" sz="2000" spc="-1" strike="noStrike">
-              <a:solidFill>
-                <a:schemeClr val="dk1"/>
-              </a:solidFill>
-              <a:latin typeface="Calibri"/>
-            </a:endParaRPr>
-          </a:p>
-        </p:txBody>
-      </p:sp>
-      <p:sp>
-        <p:nvSpPr>
-          <p:cNvPr id="46" name="PlaceHolder 4"/>
-          <p:cNvSpPr>
-            <a:spLocks noGrp="1"/>
-          </p:cNvSpPr>
-          <p:nvPr>
-            <p:ph type="body"/>
-          </p:nvPr>
-        </p:nvSpPr>
-        <p:spPr>
-          <a:xfrm>
-            <a:off x="4646880" y="2776680"/>
-            <a:ext cx="3885840" cy="3081600"/>
-          </a:xfrm>
-          <a:prstGeom prst="rect">
-            <a:avLst/>
-          </a:prstGeom>
-          <a:noFill/>
-          <a:ln w="0">
-            <a:noFill/>
-          </a:ln>
-        </p:spPr>
-        <p:txBody>
-          <a:bodyPr lIns="91440" rIns="91440" tIns="45720" bIns="45720" anchor="t">
-            <a:normAutofit/>
-          </a:bodyPr>
-          <a:p>
-            <a:pPr indent="0" defTabSz="914400">
-              <a:lnSpc>
-                <a:spcPct val="90000"/>
-              </a:lnSpc>
-              <a:spcBef>
-                <a:spcPts val="1001"/>
-              </a:spcBef>
-              <a:buNone/>
-              <a:tabLst>
-                <a:tab algn="l" pos="0"/>
-              </a:tabLst>
-            </a:pPr>
-            <a:r>
-              <a:rPr b="0" lang="en-US" sz="2000" spc="-1" strike="noStrike">
-                <a:solidFill>
-                  <a:schemeClr val="dk1"/>
-                </a:solidFill>
-                <a:latin typeface="PT Sans"/>
-                <a:ea typeface="PT Sans"/>
-              </a:rPr>
-              <a:t>Introduceți text simplu</a:t>
-            </a:r>
-            <a:endParaRPr b="0" lang="en-US" sz="2000" spc="-1" strike="noStrike">
-              <a:solidFill>
-                <a:schemeClr val="dk1"/>
-              </a:solidFill>
-              <a:latin typeface="Calibri"/>
-            </a:endParaRPr>
-          </a:p>
-        </p:txBody>
-      </p:sp>
-      <p:sp>
-        <p:nvSpPr>
-          <p:cNvPr id="47" name="PlaceHolder 5"/>
-          <p:cNvSpPr>
-            <a:spLocks noGrp="1"/>
-          </p:cNvSpPr>
-          <p:nvPr>
-            <p:ph type="title"/>
-          </p:nvPr>
-        </p:nvSpPr>
-        <p:spPr>
-          <a:xfrm>
-            <a:off x="628560" y="1883160"/>
-            <a:ext cx="7886520" cy="905040"/>
+            <a:off x="628560" y="6356520"/>
+            <a:ext cx="2056320" cy="363960"/>
           </a:xfrm>
           <a:prstGeom prst="rect">
             <a:avLst/>
@@ -3253,30 +3250,37 @@
         </p:spPr>
         <p:txBody>
           <a:bodyPr lIns="91440" rIns="91440" tIns="45720" bIns="45720" anchor="ctr">
-            <a:normAutofit/>
+            <a:noAutofit/>
           </a:bodyPr>
-          <a:p>
-            <a:pPr indent="0" defTabSz="914400">
-              <a:lnSpc>
-                <a:spcPct val="90000"/>
-              </a:lnSpc>
-              <a:buNone/>
-            </a:pPr>
-            <a:r>
-              <a:rPr b="1" lang="en-US" sz="3000" spc="-1" strike="noStrike">
-                <a:solidFill>
-                  <a:schemeClr val="dk1"/>
-                </a:solidFill>
-                <a:latin typeface="PT Sans"/>
-                <a:ea typeface="PT Sans"/>
-              </a:rPr>
-              <a:t>Introduceți Subcapitol</a:t>
-            </a:r>
-            <a:endParaRPr b="0" lang="en-US" sz="3000" spc="-1" strike="noStrike">
-              <a:solidFill>
-                <a:schemeClr val="dk1"/>
-              </a:solidFill>
-              <a:latin typeface="Calibri"/>
+          <a:lstStyle>
+            <a:lvl1pPr indent="0">
+              <a:buNone/>
+              <a:defRPr b="0" lang="en-US" sz="1400" spc="-1" strike="noStrike">
+                <a:solidFill>
+                  <a:srgbClr val="000000"/>
+                </a:solidFill>
+                <a:latin typeface="Times New Roman"/>
+              </a:defRPr>
+            </a:lvl1pPr>
+          </a:lstStyle>
+          <a:p>
+            <a:pPr indent="0">
+              <a:buNone/>
+            </a:pPr>
+            <a:r>
+              <a:rPr b="0" lang="en-US" sz="1400" spc="-1" strike="noStrike">
+                <a:solidFill>
+                  <a:srgbClr val="000000"/>
+                </a:solidFill>
+                <a:latin typeface="Times New Roman"/>
+              </a:rPr>
+              <a:t>&lt;date/time&gt;</a:t>
+            </a:r>
+            <a:endParaRPr b="0" lang="en-US" sz="1400" spc="-1" strike="noStrike">
+              <a:solidFill>
+                <a:srgbClr val="000000"/>
+              </a:solidFill>
+              <a:latin typeface="Times New Roman"/>
             </a:endParaRPr>
           </a:p>
         </p:txBody>
@@ -3321,140 +3325,13 @@
             <a:spLocks noGrp="1"/>
           </p:cNvSpPr>
           <p:nvPr>
-            <p:ph type="body"/>
-          </p:nvPr>
-        </p:nvSpPr>
-        <p:spPr>
-          <a:xfrm>
-            <a:off x="623880" y="2783880"/>
-            <a:ext cx="7886520" cy="3084120"/>
-          </a:xfrm>
-          <a:prstGeom prst="rect">
-            <a:avLst/>
-          </a:prstGeom>
-          <a:noFill/>
-          <a:ln w="0">
-            <a:noFill/>
-          </a:ln>
-        </p:spPr>
-        <p:txBody>
-          <a:bodyPr lIns="91440" rIns="91440" tIns="45720" bIns="45720" anchor="t">
-            <a:normAutofit/>
-          </a:bodyPr>
-          <a:p>
-            <a:pPr indent="0" defTabSz="914400">
-              <a:lnSpc>
-                <a:spcPct val="90000"/>
-              </a:lnSpc>
-              <a:spcBef>
-                <a:spcPts val="1001"/>
-              </a:spcBef>
-              <a:buNone/>
-              <a:tabLst>
-                <a:tab algn="l" pos="0"/>
-              </a:tabLst>
-            </a:pPr>
-            <a:r>
-              <a:rPr b="0" lang="en-US" sz="2000" spc="-1" strike="noStrike">
-                <a:solidFill>
-                  <a:schemeClr val="dk1"/>
-                </a:solidFill>
-                <a:latin typeface="PT Sans"/>
-                <a:ea typeface="PT Sans"/>
-              </a:rPr>
-              <a:t>Introduceți text simplu</a:t>
-            </a:r>
-            <a:endParaRPr b="0" lang="en-US" sz="2000" spc="-1" strike="noStrike">
-              <a:solidFill>
-                <a:schemeClr val="dk1"/>
-              </a:solidFill>
-              <a:latin typeface="Calibri"/>
-            </a:endParaRPr>
-          </a:p>
-        </p:txBody>
-      </p:sp>
-      <p:sp>
-        <p:nvSpPr>
-          <p:cNvPr id="5" name="PlaceHolder 2"/>
-          <p:cNvSpPr>
-            <a:spLocks noGrp="1"/>
-          </p:cNvSpPr>
-          <p:nvPr>
-            <p:ph type="dt" idx="3"/>
-          </p:nvPr>
-        </p:nvSpPr>
-        <p:spPr>
-          <a:xfrm>
-            <a:off x="628560" y="6356520"/>
-            <a:ext cx="2057040" cy="364680"/>
-          </a:xfrm>
-          <a:prstGeom prst="rect">
-            <a:avLst/>
-          </a:prstGeom>
-          <a:noFill/>
-          <a:ln w="0">
-            <a:noFill/>
-          </a:ln>
-        </p:spPr>
-        <p:txBody>
-          <a:bodyPr lIns="91440" rIns="91440" tIns="45720" bIns="45720" anchor="ctr">
-            <a:noAutofit/>
-          </a:bodyPr>
-          <a:lstStyle>
-            <a:lvl1pPr indent="0" defTabSz="914400">
-              <a:lnSpc>
-                <a:spcPct val="100000"/>
-              </a:lnSpc>
-              <a:buNone/>
-              <a:defRPr b="0" lang="en-US" sz="1200" spc="-1" strike="noStrike">
-                <a:solidFill>
-                  <a:srgbClr val="8b8b8b"/>
-                </a:solidFill>
-                <a:latin typeface="PT Sans"/>
-                <a:ea typeface="PT Sans"/>
-              </a:defRPr>
-            </a:lvl1pPr>
-          </a:lstStyle>
-          <a:p>
-            <a:pPr indent="0" defTabSz="914400">
-              <a:lnSpc>
-                <a:spcPct val="100000"/>
-              </a:lnSpc>
-              <a:buNone/>
-            </a:pPr>
-            <a:r>
-              <a:rPr b="0" lang="en-US" sz="1200" spc="-1" strike="noStrike">
-                <a:solidFill>
-                  <a:srgbClr val="8b8b8b"/>
-                </a:solidFill>
-                <a:latin typeface="PT Sans"/>
-                <a:ea typeface="PT Sans"/>
-              </a:rPr>
-              <a:t>&lt;date/time&gt;</a:t>
-            </a:r>
-            <a:endParaRPr b="0" lang="en-US" sz="1200" spc="-1" strike="noStrike">
-              <a:solidFill>
-                <a:srgbClr val="000000"/>
-              </a:solidFill>
-              <a:latin typeface="Times New Roman"/>
-            </a:endParaRPr>
-          </a:p>
-        </p:txBody>
-      </p:sp>
-      <p:sp>
-        <p:nvSpPr>
-          <p:cNvPr id="6" name="PlaceHolder 3"/>
-          <p:cNvSpPr>
-            <a:spLocks noGrp="1"/>
-          </p:cNvSpPr>
-          <p:nvPr>
-            <p:ph type="sldNum" idx="4"/>
+            <p:ph type="sldNum" idx="3"/>
           </p:nvPr>
         </p:nvSpPr>
         <p:spPr>
           <a:xfrm>
             <a:off x="6458040" y="6356520"/>
-            <a:ext cx="2057040" cy="364680"/>
+            <a:ext cx="2056320" cy="363960"/>
           </a:xfrm>
           <a:prstGeom prst="rect">
             <a:avLst/>
@@ -3474,6 +3351,9 @@
                 <a:spcPct val="100000"/>
               </a:lnSpc>
               <a:buNone/>
+              <a:tabLst>
+                <a:tab algn="l" pos="0"/>
+              </a:tabLst>
               <a:defRPr b="0" lang="en-US" sz="1200" spc="-1" strike="noStrike">
                 <a:solidFill>
                   <a:srgbClr val="8b8b8b"/>
@@ -3489,8 +3369,11 @@
                 <a:spcPct val="100000"/>
               </a:lnSpc>
               <a:buNone/>
-            </a:pPr>
-            <a:fld id="{FA98AA8C-62F2-4188-8EBD-91AC489B2C37}" type="slidenum">
+              <a:tabLst>
+                <a:tab algn="l" pos="0"/>
+              </a:tabLst>
+            </a:pPr>
+            <a:fld id="{A5B8F9CF-48D4-4867-A05A-34B61DB83D21}" type="slidenum">
               <a:rPr b="0" lang="en-US" sz="1200" spc="-1" strike="noStrike">
                 <a:solidFill>
                   <a:srgbClr val="8b8b8b"/>
@@ -3511,18 +3394,18 @@
       </p:sp>
       <p:sp>
         <p:nvSpPr>
-          <p:cNvPr id="7" name="PlaceHolder 4"/>
+          <p:cNvPr id="5" name="PlaceHolder 2"/>
           <p:cNvSpPr>
             <a:spLocks noGrp="1"/>
           </p:cNvSpPr>
           <p:nvPr>
-            <p:ph type="title"/>
+            <p:ph type="dt" idx="4"/>
           </p:nvPr>
         </p:nvSpPr>
         <p:spPr>
           <a:xfrm>
-            <a:off x="628560" y="1883160"/>
-            <a:ext cx="7886520" cy="905040"/>
+            <a:off x="628560" y="6356520"/>
+            <a:ext cx="2056320" cy="363960"/>
           </a:xfrm>
           <a:prstGeom prst="rect">
             <a:avLst/>
@@ -3534,30 +3417,37 @@
         </p:spPr>
         <p:txBody>
           <a:bodyPr lIns="91440" rIns="91440" tIns="45720" bIns="45720" anchor="ctr">
-            <a:normAutofit/>
+            <a:noAutofit/>
           </a:bodyPr>
-          <a:p>
-            <a:pPr indent="0" defTabSz="914400">
-              <a:lnSpc>
-                <a:spcPct val="90000"/>
-              </a:lnSpc>
-              <a:buNone/>
-            </a:pPr>
-            <a:r>
-              <a:rPr b="1" lang="en-US" sz="3000" spc="-1" strike="noStrike">
-                <a:solidFill>
-                  <a:schemeClr val="dk1"/>
-                </a:solidFill>
-                <a:latin typeface="PT Sans"/>
-                <a:ea typeface="PT Sans"/>
-              </a:rPr>
-              <a:t>Introduceți Subcapitol</a:t>
-            </a:r>
-            <a:endParaRPr b="0" lang="en-US" sz="3000" spc="-1" strike="noStrike">
-              <a:solidFill>
-                <a:schemeClr val="dk1"/>
-              </a:solidFill>
-              <a:latin typeface="Calibri"/>
+          <a:lstStyle>
+            <a:lvl1pPr indent="0">
+              <a:buNone/>
+              <a:defRPr b="0" lang="en-US" sz="1400" spc="-1" strike="noStrike">
+                <a:solidFill>
+                  <a:srgbClr val="000000"/>
+                </a:solidFill>
+                <a:latin typeface="Times New Roman"/>
+              </a:defRPr>
+            </a:lvl1pPr>
+          </a:lstStyle>
+          <a:p>
+            <a:pPr indent="0">
+              <a:buNone/>
+            </a:pPr>
+            <a:r>
+              <a:rPr b="0" lang="en-US" sz="1400" spc="-1" strike="noStrike">
+                <a:solidFill>
+                  <a:srgbClr val="000000"/>
+                </a:solidFill>
+                <a:latin typeface="Times New Roman"/>
+              </a:rPr>
+              <a:t>&lt;date/time&gt;</a:t>
+            </a:r>
+            <a:endParaRPr b="0" lang="en-US" sz="1400" spc="-1" strike="noStrike">
+              <a:solidFill>
+                <a:srgbClr val="000000"/>
+              </a:solidFill>
+              <a:latin typeface="Times New Roman"/>
             </a:endParaRPr>
           </a:p>
         </p:txBody>
@@ -3597,145 +3487,18 @@
       </p:grpSpPr>
       <p:sp>
         <p:nvSpPr>
-          <p:cNvPr id="8" name="PlaceHolder 1"/>
+          <p:cNvPr id="6" name="PlaceHolder 1"/>
           <p:cNvSpPr>
             <a:spLocks noGrp="1"/>
           </p:cNvSpPr>
           <p:nvPr>
-            <p:ph type="body"/>
-          </p:nvPr>
-        </p:nvSpPr>
-        <p:spPr>
-          <a:xfrm>
-            <a:off x="623880" y="1900080"/>
-            <a:ext cx="7886520" cy="4326840"/>
-          </a:xfrm>
-          <a:prstGeom prst="rect">
-            <a:avLst/>
-          </a:prstGeom>
-          <a:noFill/>
-          <a:ln w="0">
-            <a:noFill/>
-          </a:ln>
-        </p:spPr>
-        <p:txBody>
-          <a:bodyPr lIns="91440" rIns="91440" tIns="45720" bIns="45720" anchor="t">
-            <a:normAutofit/>
-          </a:bodyPr>
-          <a:p>
-            <a:pPr indent="0" defTabSz="914400">
-              <a:lnSpc>
-                <a:spcPct val="90000"/>
-              </a:lnSpc>
-              <a:spcBef>
-                <a:spcPts val="1001"/>
-              </a:spcBef>
-              <a:buNone/>
-              <a:tabLst>
-                <a:tab algn="l" pos="0"/>
-              </a:tabLst>
-            </a:pPr>
-            <a:r>
-              <a:rPr b="0" lang="en-US" sz="2000" spc="-1" strike="noStrike">
-                <a:solidFill>
-                  <a:schemeClr val="dk1"/>
-                </a:solidFill>
-                <a:latin typeface="PT Sans"/>
-                <a:ea typeface="PT Sans"/>
-              </a:rPr>
-              <a:t>Introduceți text simplu</a:t>
-            </a:r>
-            <a:endParaRPr b="0" lang="en-US" sz="2000" spc="-1" strike="noStrike">
-              <a:solidFill>
-                <a:schemeClr val="dk1"/>
-              </a:solidFill>
-              <a:latin typeface="Calibri"/>
-            </a:endParaRPr>
-          </a:p>
-        </p:txBody>
-      </p:sp>
-      <p:sp>
-        <p:nvSpPr>
-          <p:cNvPr id="9" name="PlaceHolder 2"/>
-          <p:cNvSpPr>
-            <a:spLocks noGrp="1"/>
-          </p:cNvSpPr>
-          <p:nvPr>
-            <p:ph type="dt" idx="5"/>
-          </p:nvPr>
-        </p:nvSpPr>
-        <p:spPr>
-          <a:xfrm>
-            <a:off x="628560" y="6356520"/>
-            <a:ext cx="2057040" cy="364680"/>
-          </a:xfrm>
-          <a:prstGeom prst="rect">
-            <a:avLst/>
-          </a:prstGeom>
-          <a:noFill/>
-          <a:ln w="0">
-            <a:noFill/>
-          </a:ln>
-        </p:spPr>
-        <p:txBody>
-          <a:bodyPr lIns="91440" rIns="91440" tIns="45720" bIns="45720" anchor="ctr">
-            <a:noAutofit/>
-          </a:bodyPr>
-          <a:lstStyle>
-            <a:lvl1pPr indent="0" defTabSz="914400">
-              <a:lnSpc>
-                <a:spcPct val="100000"/>
-              </a:lnSpc>
-              <a:buNone/>
-              <a:defRPr b="0" lang="en-US" sz="1200" spc="-1" strike="noStrike">
-                <a:solidFill>
-                  <a:srgbClr val="8b8b8b"/>
-                </a:solidFill>
-                <a:latin typeface="PT Sans"/>
-                <a:ea typeface="PT Sans"/>
-              </a:defRPr>
-            </a:lvl1pPr>
-          </a:lstStyle>
-          <a:p>
-            <a:pPr indent="0" defTabSz="914400">
-              <a:lnSpc>
-                <a:spcPct val="100000"/>
-              </a:lnSpc>
-              <a:buNone/>
-            </a:pPr>
-            <a:r>
-              <a:rPr b="0" lang="en-US" sz="1200" spc="-1" strike="noStrike">
-                <a:solidFill>
-                  <a:srgbClr val="8b8b8b"/>
-                </a:solidFill>
-                <a:latin typeface="PT Sans"/>
-                <a:ea typeface="PT Sans"/>
-              </a:rPr>
-              <a:t>&lt;date/time&gt;</a:t>
-            </a:r>
-            <a:endParaRPr b="0" lang="en-US" sz="1200" spc="-1" strike="noStrike">
-              <a:solidFill>
-                <a:srgbClr val="000000"/>
-              </a:solidFill>
-              <a:latin typeface="Times New Roman"/>
-            </a:endParaRPr>
-          </a:p>
-        </p:txBody>
-      </p:sp>
-      <p:sp>
-        <p:nvSpPr>
-          <p:cNvPr id="10" name="PlaceHolder 3"/>
-          <p:cNvSpPr>
-            <a:spLocks noGrp="1"/>
-          </p:cNvSpPr>
-          <p:nvPr>
-            <p:ph type="sldNum" idx="6"/>
+            <p:ph type="sldNum" idx="5"/>
           </p:nvPr>
         </p:nvSpPr>
         <p:spPr>
           <a:xfrm>
             <a:off x="6458040" y="6356520"/>
-            <a:ext cx="2057040" cy="364680"/>
+            <a:ext cx="2056320" cy="363960"/>
           </a:xfrm>
           <a:prstGeom prst="rect">
             <a:avLst/>
@@ -3755,6 +3518,9 @@
                 <a:spcPct val="100000"/>
               </a:lnSpc>
               <a:buNone/>
+              <a:tabLst>
+                <a:tab algn="l" pos="0"/>
+              </a:tabLst>
               <a:defRPr b="0" lang="en-US" sz="1200" spc="-1" strike="noStrike">
                 <a:solidFill>
                   <a:srgbClr val="8b8b8b"/>
@@ -3770,8 +3536,11 @@
                 <a:spcPct val="100000"/>
               </a:lnSpc>
               <a:buNone/>
-            </a:pPr>
-            <a:fld id="{6FCE9CE6-DEA7-4ABB-AAAF-1A69857B0153}" type="slidenum">
+              <a:tabLst>
+                <a:tab algn="l" pos="0"/>
+              </a:tabLst>
+            </a:pPr>
+            <a:fld id="{E16272CB-C1A4-4A25-B59F-0E54D9022F86}" type="slidenum">
               <a:rPr b="0" lang="en-US" sz="1200" spc="-1" strike="noStrike">
                 <a:solidFill>
                   <a:srgbClr val="8b8b8b"/>
@@ -3782,6 +3551,66 @@
               <a:t>&lt;number&gt;</a:t>
             </a:fld>
             <a:endParaRPr b="0" lang="en-US" sz="1200" spc="-1" strike="noStrike">
+              <a:solidFill>
+                <a:srgbClr val="000000"/>
+              </a:solidFill>
+              <a:latin typeface="Times New Roman"/>
+            </a:endParaRPr>
+          </a:p>
+        </p:txBody>
+      </p:sp>
+      <p:sp>
+        <p:nvSpPr>
+          <p:cNvPr id="7" name="PlaceHolder 2"/>
+          <p:cNvSpPr>
+            <a:spLocks noGrp="1"/>
+          </p:cNvSpPr>
+          <p:nvPr>
+            <p:ph type="dt" idx="6"/>
+          </p:nvPr>
+        </p:nvSpPr>
+        <p:spPr>
+          <a:xfrm>
+            <a:off x="628560" y="6356520"/>
+            <a:ext cx="2056320" cy="363960"/>
+          </a:xfrm>
+          <a:prstGeom prst="rect">
+            <a:avLst/>
+          </a:prstGeom>
+          <a:noFill/>
+          <a:ln w="0">
+            <a:noFill/>
+          </a:ln>
+        </p:spPr>
+        <p:txBody>
+          <a:bodyPr lIns="91440" rIns="91440" tIns="45720" bIns="45720" anchor="ctr">
+            <a:noAutofit/>
+          </a:bodyPr>
+          <a:lstStyle>
+            <a:lvl1pPr indent="0">
+              <a:buNone/>
+              <a:defRPr b="0" lang="en-US" sz="1400" spc="-1" strike="noStrike">
+                <a:solidFill>
+                  <a:srgbClr val="000000"/>
+                </a:solidFill>
+                <a:latin typeface="Times New Roman"/>
+              </a:defRPr>
+            </a:lvl1pPr>
+          </a:lstStyle>
+          <a:p>
+            <a:pPr indent="0">
+              <a:buNone/>
+            </a:pPr>
+            <a:r>
+              <a:rPr b="0" lang="en-US" sz="1400" spc="-1" strike="noStrike">
+                <a:solidFill>
+                  <a:srgbClr val="000000"/>
+                </a:solidFill>
+                <a:latin typeface="Times New Roman"/>
+              </a:rPr>
+              <a:t>&lt;date/time&gt;</a:t>
+            </a:r>
+            <a:endParaRPr b="0" lang="en-US" sz="1400" spc="-1" strike="noStrike">
               <a:solidFill>
                 <a:srgbClr val="000000"/>
               </a:solidFill>
@@ -3825,86 +3654,18 @@
       </p:grpSpPr>
       <p:sp>
         <p:nvSpPr>
-          <p:cNvPr id="11" name="PlaceHolder 1"/>
+          <p:cNvPr id="8" name="PlaceHolder 1"/>
           <p:cNvSpPr>
             <a:spLocks noGrp="1"/>
           </p:cNvSpPr>
           <p:nvPr>
-            <p:ph type="dt" idx="7"/>
-          </p:nvPr>
-        </p:nvSpPr>
-        <p:spPr>
-          <a:xfrm>
-            <a:off x="628560" y="6356520"/>
-            <a:ext cx="2057040" cy="364680"/>
-          </a:xfrm>
-          <a:prstGeom prst="rect">
-            <a:avLst/>
-          </a:prstGeom>
-          <a:noFill/>
-          <a:ln w="0">
-            <a:noFill/>
-          </a:ln>
-        </p:spPr>
-        <p:txBody>
-          <a:bodyPr lIns="91440" rIns="91440" tIns="45720" bIns="45720" anchor="ctr">
-            <a:noAutofit/>
-          </a:bodyPr>
-          <a:lstStyle>
-            <a:lvl1pPr indent="0" defTabSz="914400">
-              <a:lnSpc>
-                <a:spcPct val="100000"/>
-              </a:lnSpc>
-              <a:buNone/>
-              <a:defRPr b="0" lang="en-US" sz="1200" spc="-1" strike="noStrike">
-                <a:solidFill>
-                  <a:srgbClr val="8b8b8b"/>
-                </a:solidFill>
-                <a:latin typeface="PT Sans"/>
-                <a:ea typeface="PT Sans"/>
-              </a:defRPr>
-            </a:lvl1pPr>
-          </a:lstStyle>
-          <a:p>
-            <a:pPr indent="0" defTabSz="914400">
-              <a:lnSpc>
-                <a:spcPct val="100000"/>
-              </a:lnSpc>
-              <a:buNone/>
-            </a:pPr>
-            <a:r>
-              <a:rPr b="0" lang="en-US" sz="1200" spc="-1" strike="noStrike">
-                <a:solidFill>
-                  <a:srgbClr val="8b8b8b"/>
-                </a:solidFill>
-                <a:latin typeface="PT Sans"/>
-                <a:ea typeface="PT Sans"/>
-              </a:rPr>
-              <a:t>&lt;date/time&gt;</a:t>
-            </a:r>
-            <a:endParaRPr b="0" lang="en-US" sz="1200" spc="-1" strike="noStrike">
-              <a:solidFill>
-                <a:srgbClr val="000000"/>
-              </a:solidFill>
-              <a:latin typeface="Times New Roman"/>
-            </a:endParaRPr>
-          </a:p>
-        </p:txBody>
-      </p:sp>
-      <p:sp>
-        <p:nvSpPr>
-          <p:cNvPr id="12" name="PlaceHolder 2"/>
-          <p:cNvSpPr>
-            <a:spLocks noGrp="1"/>
-          </p:cNvSpPr>
-          <p:nvPr>
-            <p:ph type="sldNum" idx="8"/>
+            <p:ph type="sldNum" idx="7"/>
           </p:nvPr>
         </p:nvSpPr>
         <p:spPr>
           <a:xfrm>
             <a:off x="6458040" y="6356520"/>
-            <a:ext cx="2057040" cy="364680"/>
+            <a:ext cx="2056320" cy="363960"/>
           </a:xfrm>
           <a:prstGeom prst="rect">
             <a:avLst/>
@@ -3924,6 +3685,9 @@
                 <a:spcPct val="100000"/>
               </a:lnSpc>
               <a:buNone/>
+              <a:tabLst>
+                <a:tab algn="l" pos="0"/>
+              </a:tabLst>
               <a:defRPr b="0" lang="en-US" sz="1200" spc="-1" strike="noStrike">
                 <a:solidFill>
                   <a:srgbClr val="8b8b8b"/>
@@ -3939,8 +3703,11 @@
                 <a:spcPct val="100000"/>
               </a:lnSpc>
               <a:buNone/>
-            </a:pPr>
-            <a:fld id="{0520AE13-5329-409A-B0DF-93B71177331E}" type="slidenum">
+              <a:tabLst>
+                <a:tab algn="l" pos="0"/>
+              </a:tabLst>
+            </a:pPr>
+            <a:fld id="{D9275370-B138-42A5-BA07-47B6F85B2EB8}" type="slidenum">
               <a:rPr b="0" lang="en-US" sz="1200" spc="-1" strike="noStrike">
                 <a:solidFill>
                   <a:srgbClr val="8b8b8b"/>
@@ -3961,18 +3728,18 @@
       </p:sp>
       <p:sp>
         <p:nvSpPr>
-          <p:cNvPr id="13" name="PlaceHolder 3"/>
+          <p:cNvPr id="9" name="PlaceHolder 2"/>
           <p:cNvSpPr>
             <a:spLocks noGrp="1"/>
           </p:cNvSpPr>
           <p:nvPr>
-            <p:ph type="body"/>
+            <p:ph type="dt" idx="8"/>
           </p:nvPr>
         </p:nvSpPr>
         <p:spPr>
           <a:xfrm>
-            <a:off x="623880" y="1900080"/>
-            <a:ext cx="7886520" cy="4326840"/>
+            <a:off x="628560" y="6356520"/>
+            <a:ext cx="2056320" cy="363960"/>
           </a:xfrm>
           <a:prstGeom prst="rect">
             <a:avLst/>
@@ -3983,162 +3750,38 @@
           </a:ln>
         </p:spPr>
         <p:txBody>
-          <a:bodyPr lIns="91440" rIns="91440" tIns="45720" bIns="45720" anchor="t">
-            <a:normAutofit/>
+          <a:bodyPr lIns="91440" rIns="91440" tIns="45720" bIns="45720" anchor="ctr">
+            <a:noAutofit/>
           </a:bodyPr>
-          <a:p>
-            <a:pPr marL="228600" indent="-228600" defTabSz="914400">
-              <a:lnSpc>
-                <a:spcPct val="90000"/>
-              </a:lnSpc>
-              <a:spcBef>
-                <a:spcPts val="1001"/>
-              </a:spcBef>
-              <a:buClr>
-                <a:srgbClr val="000000"/>
-              </a:buClr>
-              <a:buFont typeface="Arial"/>
-              <a:buChar char="•"/>
-            </a:pPr>
-            <a:r>
-              <a:rPr b="0" lang="en-US" sz="2000" spc="-1" strike="noStrike">
-                <a:solidFill>
-                  <a:schemeClr val="dk1"/>
-                </a:solidFill>
-                <a:latin typeface="PT Sans"/>
-                <a:ea typeface="PT Sans"/>
-              </a:rPr>
-              <a:t>Introduceți text cu bullet-uri</a:t>
-            </a:r>
-            <a:endParaRPr b="0" lang="en-US" sz="2000" spc="-1" strike="noStrike">
-              <a:solidFill>
-                <a:schemeClr val="dk1"/>
-              </a:solidFill>
-              <a:latin typeface="Calibri"/>
-            </a:endParaRPr>
-          </a:p>
-          <a:p>
-            <a:pPr lvl="1" marL="685800" indent="-228600" defTabSz="914400">
-              <a:lnSpc>
-                <a:spcPct val="90000"/>
-              </a:lnSpc>
-              <a:spcBef>
-                <a:spcPts val="499"/>
-              </a:spcBef>
-              <a:buClr>
-                <a:srgbClr val="000000"/>
-              </a:buClr>
-              <a:buFont typeface="Arial"/>
-              <a:buChar char="•"/>
-            </a:pPr>
-            <a:r>
-              <a:rPr b="0" lang="en-US" sz="1800" spc="-1" strike="noStrike">
-                <a:solidFill>
-                  <a:schemeClr val="dk1"/>
-                </a:solidFill>
-                <a:latin typeface="PT Sans"/>
-                <a:ea typeface="PT Sans"/>
-              </a:rPr>
-              <a:t>Second level</a:t>
-            </a:r>
-            <a:endParaRPr b="0" lang="en-US" sz="1800" spc="-1" strike="noStrike">
-              <a:solidFill>
-                <a:schemeClr val="dk1"/>
-              </a:solidFill>
-              <a:latin typeface="Calibri"/>
-            </a:endParaRPr>
-          </a:p>
-          <a:p>
-            <a:pPr lvl="2" marL="1143000" indent="-228600" defTabSz="914400">
-              <a:lnSpc>
-                <a:spcPct val="90000"/>
-              </a:lnSpc>
-              <a:spcBef>
-                <a:spcPts val="499"/>
-              </a:spcBef>
-              <a:buClr>
-                <a:srgbClr val="000000"/>
-              </a:buClr>
-              <a:buFont typeface="Arial"/>
-              <a:buChar char="•"/>
-            </a:pPr>
-            <a:r>
-              <a:rPr b="0" lang="en-US" sz="1600" spc="-1" strike="noStrike">
-                <a:solidFill>
-                  <a:schemeClr val="dk1"/>
-                </a:solidFill>
-                <a:latin typeface="PT Sans"/>
-                <a:ea typeface="PT Sans"/>
-              </a:rPr>
-              <a:t>Third level</a:t>
-            </a:r>
-            <a:endParaRPr b="0" lang="en-US" sz="1600" spc="-1" strike="noStrike">
-              <a:solidFill>
-                <a:schemeClr val="dk1"/>
-              </a:solidFill>
-              <a:latin typeface="Calibri"/>
-            </a:endParaRPr>
-          </a:p>
-          <a:p>
-            <a:pPr lvl="3" marL="1600200" indent="-228600" defTabSz="914400">
-              <a:lnSpc>
-                <a:spcPct val="90000"/>
-              </a:lnSpc>
-              <a:spcBef>
-                <a:spcPts val="499"/>
-              </a:spcBef>
-              <a:buClr>
-                <a:srgbClr val="000000"/>
-              </a:buClr>
-              <a:buFont typeface="Arial"/>
-              <a:buChar char="•"/>
+          <a:lstStyle>
+            <a:lvl1pPr indent="0">
+              <a:buNone/>
+              <a:defRPr b="0" lang="en-US" sz="1400" spc="-1" strike="noStrike">
+                <a:solidFill>
+                  <a:srgbClr val="000000"/>
+                </a:solidFill>
+                <a:latin typeface="Times New Roman"/>
+              </a:defRPr>
+            </a:lvl1pPr>
+          </a:lstStyle>
+          <a:p>
+            <a:pPr indent="0">
+              <a:buNone/>
             </a:pPr>
             <a:r>
               <a:rPr b="0" lang="en-US" sz="1400" spc="-1" strike="noStrike">
                 <a:solidFill>
-                  <a:schemeClr val="dk1"/>
-                </a:solidFill>
-                <a:latin typeface="PT Sans"/>
-                <a:ea typeface="PT Sans"/>
-              </a:rPr>
-              <a:t>Fourth level</a:t>
+                  <a:srgbClr val="000000"/>
+                </a:solidFill>
+                <a:latin typeface="Times New Roman"/>
+              </a:rPr>
+              <a:t>&lt;date/time&gt;</a:t>
             </a:r>
             <a:endParaRPr b="0" lang="en-US" sz="1400" spc="-1" strike="noStrike">
               <a:solidFill>
-                <a:schemeClr val="dk1"/>
-              </a:solidFill>
-              <a:latin typeface="Calibri"/>
-            </a:endParaRPr>
-          </a:p>
-          <a:p>
-            <a:pPr lvl="4" marL="2057400" indent="-228600" defTabSz="914400">
-              <a:lnSpc>
-                <a:spcPct val="90000"/>
-              </a:lnSpc>
-              <a:spcBef>
-                <a:spcPts val="499"/>
-              </a:spcBef>
-              <a:buClr>
-                <a:srgbClr val="000000"/>
-              </a:buClr>
-              <a:buFont typeface="Arial"/>
-              <a:buChar char="•"/>
-            </a:pPr>
-            <a:r>
-              <a:rPr b="0" lang="en-US" sz="1400" spc="-1" strike="noStrike">
-                <a:solidFill>
-                  <a:schemeClr val="dk1"/>
-                </a:solidFill>
-                <a:latin typeface="PT Sans"/>
-                <a:ea typeface="PT Sans"/>
-              </a:rPr>
-              <a:t>Fifth level</a:t>
-            </a:r>
-            <a:endParaRPr b="0" lang="en-US" sz="1400" spc="-1" strike="noStrike">
-              <a:solidFill>
-                <a:schemeClr val="dk1"/>
-              </a:solidFill>
-              <a:latin typeface="Calibri"/>
+                <a:srgbClr val="000000"/>
+              </a:solidFill>
+              <a:latin typeface="Times New Roman"/>
             </a:endParaRPr>
           </a:p>
         </p:txBody>
@@ -4178,86 +3821,18 @@
       </p:grpSpPr>
       <p:sp>
         <p:nvSpPr>
-          <p:cNvPr id="14" name="PlaceHolder 1"/>
+          <p:cNvPr id="10" name="PlaceHolder 1"/>
           <p:cNvSpPr>
             <a:spLocks noGrp="1"/>
           </p:cNvSpPr>
           <p:nvPr>
-            <p:ph type="dt" idx="9"/>
-          </p:nvPr>
-        </p:nvSpPr>
-        <p:spPr>
-          <a:xfrm>
-            <a:off x="628560" y="6356520"/>
-            <a:ext cx="2057040" cy="364680"/>
-          </a:xfrm>
-          <a:prstGeom prst="rect">
-            <a:avLst/>
-          </a:prstGeom>
-          <a:noFill/>
-          <a:ln w="0">
-            <a:noFill/>
-          </a:ln>
-        </p:spPr>
-        <p:txBody>
-          <a:bodyPr lIns="91440" rIns="91440" tIns="45720" bIns="45720" anchor="ctr">
-            <a:noAutofit/>
-          </a:bodyPr>
-          <a:lstStyle>
-            <a:lvl1pPr indent="0" defTabSz="914400">
-              <a:lnSpc>
-                <a:spcPct val="100000"/>
-              </a:lnSpc>
-              <a:buNone/>
-              <a:defRPr b="0" lang="en-US" sz="1200" spc="-1" strike="noStrike">
-                <a:solidFill>
-                  <a:srgbClr val="8b8b8b"/>
-                </a:solidFill>
-                <a:latin typeface="PT Sans"/>
-                <a:ea typeface="PT Sans"/>
-              </a:defRPr>
-            </a:lvl1pPr>
-          </a:lstStyle>
-          <a:p>
-            <a:pPr indent="0" defTabSz="914400">
-              <a:lnSpc>
-                <a:spcPct val="100000"/>
-              </a:lnSpc>
-              <a:buNone/>
-            </a:pPr>
-            <a:r>
-              <a:rPr b="0" lang="en-US" sz="1200" spc="-1" strike="noStrike">
-                <a:solidFill>
-                  <a:srgbClr val="8b8b8b"/>
-                </a:solidFill>
-                <a:latin typeface="PT Sans"/>
-                <a:ea typeface="PT Sans"/>
-              </a:rPr>
-              <a:t>&lt;date/time&gt;</a:t>
-            </a:r>
-            <a:endParaRPr b="0" lang="en-US" sz="1200" spc="-1" strike="noStrike">
-              <a:solidFill>
-                <a:srgbClr val="000000"/>
-              </a:solidFill>
-              <a:latin typeface="Times New Roman"/>
-            </a:endParaRPr>
-          </a:p>
-        </p:txBody>
-      </p:sp>
-      <p:sp>
-        <p:nvSpPr>
-          <p:cNvPr id="15" name="PlaceHolder 2"/>
-          <p:cNvSpPr>
-            <a:spLocks noGrp="1"/>
-          </p:cNvSpPr>
-          <p:nvPr>
-            <p:ph type="sldNum" idx="10"/>
+            <p:ph type="sldNum" idx="9"/>
           </p:nvPr>
         </p:nvSpPr>
         <p:spPr>
           <a:xfrm>
             <a:off x="6458040" y="6356520"/>
-            <a:ext cx="2057040" cy="364680"/>
+            <a:ext cx="2056320" cy="363960"/>
           </a:xfrm>
           <a:prstGeom prst="rect">
             <a:avLst/>
@@ -4277,6 +3852,9 @@
                 <a:spcPct val="100000"/>
               </a:lnSpc>
               <a:buNone/>
+              <a:tabLst>
+                <a:tab algn="l" pos="0"/>
+              </a:tabLst>
               <a:defRPr b="0" lang="en-US" sz="1200" spc="-1" strike="noStrike">
                 <a:solidFill>
                   <a:srgbClr val="8b8b8b"/>
@@ -4292,8 +3870,11 @@
                 <a:spcPct val="100000"/>
               </a:lnSpc>
               <a:buNone/>
-            </a:pPr>
-            <a:fld id="{BFB5B563-7DFB-4F23-897C-74249E2E3148}" type="slidenum">
+              <a:tabLst>
+                <a:tab algn="l" pos="0"/>
+              </a:tabLst>
+            </a:pPr>
+            <a:fld id="{783C9356-ABBB-46EF-BB77-5F30CB2AC61C}" type="slidenum">
               <a:rPr b="0" lang="en-US" sz="1200" spc="-1" strike="noStrike">
                 <a:solidFill>
                   <a:srgbClr val="8b8b8b"/>
@@ -4314,386 +3895,18 @@
       </p:sp>
       <p:sp>
         <p:nvSpPr>
-          <p:cNvPr id="16" name="PlaceHolder 3"/>
+          <p:cNvPr id="11" name="PlaceHolder 2"/>
           <p:cNvSpPr>
             <a:spLocks noGrp="1"/>
           </p:cNvSpPr>
           <p:nvPr>
-            <p:ph type="body"/>
+            <p:ph type="dt" idx="10"/>
           </p:nvPr>
         </p:nvSpPr>
         <p:spPr>
           <a:xfrm>
-            <a:off x="628560" y="2786400"/>
-            <a:ext cx="3885840" cy="3081600"/>
-          </a:xfrm>
-          <a:prstGeom prst="rect">
-            <a:avLst/>
-          </a:prstGeom>
-          <a:noFill/>
-          <a:ln w="0">
-            <a:noFill/>
-          </a:ln>
-        </p:spPr>
-        <p:txBody>
-          <a:bodyPr lIns="91440" rIns="91440" tIns="45720" bIns="45720" anchor="t">
-            <a:normAutofit/>
-          </a:bodyPr>
-          <a:p>
-            <a:pPr marL="228600" indent="-228600" defTabSz="914400">
-              <a:lnSpc>
-                <a:spcPct val="90000"/>
-              </a:lnSpc>
-              <a:spcBef>
-                <a:spcPts val="1001"/>
-              </a:spcBef>
-              <a:buClr>
-                <a:srgbClr val="000000"/>
-              </a:buClr>
-              <a:buFont typeface="Arial"/>
-              <a:buChar char="•"/>
-            </a:pPr>
-            <a:r>
-              <a:rPr b="0" lang="en-US" sz="2000" spc="-1" strike="noStrike">
-                <a:solidFill>
-                  <a:schemeClr val="dk1"/>
-                </a:solidFill>
-                <a:latin typeface="PT Sans"/>
-                <a:ea typeface="PT Sans"/>
-              </a:rPr>
-              <a:t>Introduceți text cu bullet-uri</a:t>
-            </a:r>
-            <a:endParaRPr b="0" lang="en-US" sz="2000" spc="-1" strike="noStrike">
-              <a:solidFill>
-                <a:schemeClr val="dk1"/>
-              </a:solidFill>
-              <a:latin typeface="Calibri"/>
-            </a:endParaRPr>
-          </a:p>
-          <a:p>
-            <a:pPr lvl="1" marL="685800" indent="-228600" defTabSz="914400">
-              <a:lnSpc>
-                <a:spcPct val="90000"/>
-              </a:lnSpc>
-              <a:spcBef>
-                <a:spcPts val="499"/>
-              </a:spcBef>
-              <a:buClr>
-                <a:srgbClr val="000000"/>
-              </a:buClr>
-              <a:buFont typeface="Arial"/>
-              <a:buChar char="•"/>
-            </a:pPr>
-            <a:r>
-              <a:rPr b="0" lang="en-US" sz="1800" spc="-1" strike="noStrike">
-                <a:solidFill>
-                  <a:schemeClr val="dk1"/>
-                </a:solidFill>
-                <a:latin typeface="PT Sans"/>
-                <a:ea typeface="PT Sans"/>
-              </a:rPr>
-              <a:t>Second level</a:t>
-            </a:r>
-            <a:endParaRPr b="0" lang="en-US" sz="1800" spc="-1" strike="noStrike">
-              <a:solidFill>
-                <a:schemeClr val="dk1"/>
-              </a:solidFill>
-              <a:latin typeface="Calibri"/>
-            </a:endParaRPr>
-          </a:p>
-          <a:p>
-            <a:pPr lvl="2" marL="1143000" indent="-228600" defTabSz="914400">
-              <a:lnSpc>
-                <a:spcPct val="90000"/>
-              </a:lnSpc>
-              <a:spcBef>
-                <a:spcPts val="499"/>
-              </a:spcBef>
-              <a:buClr>
-                <a:srgbClr val="000000"/>
-              </a:buClr>
-              <a:buFont typeface="Arial"/>
-              <a:buChar char="•"/>
-            </a:pPr>
-            <a:r>
-              <a:rPr b="0" lang="en-US" sz="1600" spc="-1" strike="noStrike">
-                <a:solidFill>
-                  <a:schemeClr val="dk1"/>
-                </a:solidFill>
-                <a:latin typeface="PT Sans"/>
-                <a:ea typeface="PT Sans"/>
-              </a:rPr>
-              <a:t>Third level</a:t>
-            </a:r>
-            <a:endParaRPr b="0" lang="en-US" sz="1600" spc="-1" strike="noStrike">
-              <a:solidFill>
-                <a:schemeClr val="dk1"/>
-              </a:solidFill>
-              <a:latin typeface="Calibri"/>
-            </a:endParaRPr>
-          </a:p>
-          <a:p>
-            <a:pPr lvl="3" marL="1600200" indent="-228600" defTabSz="914400">
-              <a:lnSpc>
-                <a:spcPct val="90000"/>
-              </a:lnSpc>
-              <a:spcBef>
-                <a:spcPts val="499"/>
-              </a:spcBef>
-              <a:buClr>
-                <a:srgbClr val="000000"/>
-              </a:buClr>
-              <a:buFont typeface="Arial"/>
-              <a:buChar char="•"/>
-            </a:pPr>
-            <a:r>
-              <a:rPr b="0" lang="en-US" sz="1400" spc="-1" strike="noStrike">
-                <a:solidFill>
-                  <a:schemeClr val="dk1"/>
-                </a:solidFill>
-                <a:latin typeface="PT Sans"/>
-                <a:ea typeface="PT Sans"/>
-              </a:rPr>
-              <a:t>Fourth level</a:t>
-            </a:r>
-            <a:endParaRPr b="0" lang="en-US" sz="1400" spc="-1" strike="noStrike">
-              <a:solidFill>
-                <a:schemeClr val="dk1"/>
-              </a:solidFill>
-              <a:latin typeface="Calibri"/>
-            </a:endParaRPr>
-          </a:p>
-          <a:p>
-            <a:pPr lvl="4" marL="2057400" indent="-228600" defTabSz="914400">
-              <a:lnSpc>
-                <a:spcPct val="90000"/>
-              </a:lnSpc>
-              <a:spcBef>
-                <a:spcPts val="499"/>
-              </a:spcBef>
-              <a:buClr>
-                <a:srgbClr val="000000"/>
-              </a:buClr>
-              <a:buFont typeface="Arial"/>
-              <a:buChar char="•"/>
-            </a:pPr>
-            <a:r>
-              <a:rPr b="0" lang="en-US" sz="1400" spc="-1" strike="noStrike">
-                <a:solidFill>
-                  <a:schemeClr val="dk1"/>
-                </a:solidFill>
-                <a:latin typeface="PT Sans"/>
-                <a:ea typeface="PT Sans"/>
-              </a:rPr>
-              <a:t>Fifth level</a:t>
-            </a:r>
-            <a:endParaRPr b="0" lang="en-US" sz="1400" spc="-1" strike="noStrike">
-              <a:solidFill>
-                <a:schemeClr val="dk1"/>
-              </a:solidFill>
-              <a:latin typeface="Calibri"/>
-            </a:endParaRPr>
-          </a:p>
-        </p:txBody>
-      </p:sp>
-      <p:sp>
-        <p:nvSpPr>
-          <p:cNvPr id="17" name="PlaceHolder 4"/>
-          <p:cNvSpPr>
-            <a:spLocks noGrp="1"/>
-          </p:cNvSpPr>
-          <p:nvPr>
-            <p:ph type="body"/>
-          </p:nvPr>
-        </p:nvSpPr>
-        <p:spPr>
-          <a:xfrm>
-            <a:off x="4646880" y="2776680"/>
-            <a:ext cx="3885840" cy="3081600"/>
-          </a:xfrm>
-          <a:prstGeom prst="rect">
-            <a:avLst/>
-          </a:prstGeom>
-          <a:noFill/>
-          <a:ln w="0">
-            <a:noFill/>
-          </a:ln>
-        </p:spPr>
-        <p:txBody>
-          <a:bodyPr lIns="91440" rIns="91440" tIns="45720" bIns="45720" anchor="t">
-            <a:normAutofit/>
-          </a:bodyPr>
-          <a:p>
-            <a:pPr marL="228600" indent="-228600" defTabSz="914400">
-              <a:lnSpc>
-                <a:spcPct val="90000"/>
-              </a:lnSpc>
-              <a:spcBef>
-                <a:spcPts val="1001"/>
-              </a:spcBef>
-              <a:buClr>
-                <a:srgbClr val="000000"/>
-              </a:buClr>
-              <a:buFont typeface="Arial"/>
-              <a:buChar char="•"/>
-            </a:pPr>
-            <a:r>
-              <a:rPr b="0" lang="en-US" sz="2000" spc="-1" strike="noStrike">
-                <a:solidFill>
-                  <a:schemeClr val="dk1"/>
-                </a:solidFill>
-                <a:latin typeface="PT Sans"/>
-                <a:ea typeface="PT Sans"/>
-              </a:rPr>
-              <a:t>Introduceți text cu bullet-uri</a:t>
-            </a:r>
-            <a:endParaRPr b="0" lang="en-US" sz="2000" spc="-1" strike="noStrike">
-              <a:solidFill>
-                <a:schemeClr val="dk1"/>
-              </a:solidFill>
-              <a:latin typeface="Calibri"/>
-            </a:endParaRPr>
-          </a:p>
-          <a:p>
-            <a:pPr lvl="1" marL="685800" indent="-228600" defTabSz="914400">
-              <a:lnSpc>
-                <a:spcPct val="90000"/>
-              </a:lnSpc>
-              <a:spcBef>
-                <a:spcPts val="499"/>
-              </a:spcBef>
-              <a:buClr>
-                <a:srgbClr val="000000"/>
-              </a:buClr>
-              <a:buFont typeface="Arial"/>
-              <a:buChar char="•"/>
-            </a:pPr>
-            <a:r>
-              <a:rPr b="0" lang="en-US" sz="1800" spc="-1" strike="noStrike">
-                <a:solidFill>
-                  <a:schemeClr val="dk1"/>
-                </a:solidFill>
-                <a:latin typeface="PT Sans"/>
-                <a:ea typeface="PT Sans"/>
-              </a:rPr>
-              <a:t>Second level</a:t>
-            </a:r>
-            <a:endParaRPr b="0" lang="en-US" sz="1800" spc="-1" strike="noStrike">
-              <a:solidFill>
-                <a:schemeClr val="dk1"/>
-              </a:solidFill>
-              <a:latin typeface="Calibri"/>
-            </a:endParaRPr>
-          </a:p>
-          <a:p>
-            <a:pPr lvl="2" marL="1143000" indent="-228600" defTabSz="914400">
-              <a:lnSpc>
-                <a:spcPct val="90000"/>
-              </a:lnSpc>
-              <a:spcBef>
-                <a:spcPts val="499"/>
-              </a:spcBef>
-              <a:buClr>
-                <a:srgbClr val="000000"/>
-              </a:buClr>
-              <a:buFont typeface="Arial"/>
-              <a:buChar char="•"/>
-            </a:pPr>
-            <a:r>
-              <a:rPr b="0" lang="en-US" sz="1600" spc="-1" strike="noStrike">
-                <a:solidFill>
-                  <a:schemeClr val="dk1"/>
-                </a:solidFill>
-                <a:latin typeface="PT Sans"/>
-                <a:ea typeface="PT Sans"/>
-              </a:rPr>
-              <a:t>Third level</a:t>
-            </a:r>
-            <a:endParaRPr b="0" lang="en-US" sz="1600" spc="-1" strike="noStrike">
-              <a:solidFill>
-                <a:schemeClr val="dk1"/>
-              </a:solidFill>
-              <a:latin typeface="Calibri"/>
-            </a:endParaRPr>
-          </a:p>
-          <a:p>
-            <a:pPr lvl="3" marL="1600200" indent="-228600" defTabSz="914400">
-              <a:lnSpc>
-                <a:spcPct val="90000"/>
-              </a:lnSpc>
-              <a:spcBef>
-                <a:spcPts val="499"/>
-              </a:spcBef>
-              <a:buClr>
-                <a:srgbClr val="000000"/>
-              </a:buClr>
-              <a:buFont typeface="Arial"/>
-              <a:buChar char="•"/>
-            </a:pPr>
-            <a:r>
-              <a:rPr b="0" lang="en-US" sz="1400" spc="-1" strike="noStrike">
-                <a:solidFill>
-                  <a:schemeClr val="dk1"/>
-                </a:solidFill>
-                <a:latin typeface="PT Sans"/>
-                <a:ea typeface="PT Sans"/>
-              </a:rPr>
-              <a:t>Fourth level</a:t>
-            </a:r>
-            <a:endParaRPr b="0" lang="en-US" sz="1400" spc="-1" strike="noStrike">
-              <a:solidFill>
-                <a:schemeClr val="dk1"/>
-              </a:solidFill>
-              <a:latin typeface="Calibri"/>
-            </a:endParaRPr>
-          </a:p>
-          <a:p>
-            <a:pPr lvl="4" marL="2057400" indent="-228600" defTabSz="914400">
-              <a:lnSpc>
-                <a:spcPct val="90000"/>
-              </a:lnSpc>
-              <a:spcBef>
-                <a:spcPts val="499"/>
-              </a:spcBef>
-              <a:buClr>
-                <a:srgbClr val="000000"/>
-              </a:buClr>
-              <a:buFont typeface="Arial"/>
-              <a:buChar char="•"/>
-            </a:pPr>
-            <a:r>
-              <a:rPr b="0" lang="en-US" sz="1400" spc="-1" strike="noStrike">
-                <a:solidFill>
-                  <a:schemeClr val="dk1"/>
-                </a:solidFill>
-                <a:latin typeface="PT Sans"/>
-                <a:ea typeface="PT Sans"/>
-              </a:rPr>
-              <a:t>Fifth level</a:t>
-            </a:r>
-            <a:endParaRPr b="0" lang="en-US" sz="1400" spc="-1" strike="noStrike">
-              <a:solidFill>
-                <a:schemeClr val="dk1"/>
-              </a:solidFill>
-              <a:latin typeface="Calibri"/>
-            </a:endParaRPr>
-          </a:p>
-        </p:txBody>
-      </p:sp>
-      <p:sp>
-        <p:nvSpPr>
-          <p:cNvPr id="18" name="PlaceHolder 5"/>
-          <p:cNvSpPr>
-            <a:spLocks noGrp="1"/>
-          </p:cNvSpPr>
-          <p:nvPr>
-            <p:ph type="title"/>
-          </p:nvPr>
-        </p:nvSpPr>
-        <p:spPr>
-          <a:xfrm>
-            <a:off x="628560" y="1883160"/>
-            <a:ext cx="7886520" cy="905040"/>
+            <a:off x="628560" y="6356520"/>
+            <a:ext cx="2056320" cy="363960"/>
           </a:xfrm>
           <a:prstGeom prst="rect">
             <a:avLst/>
@@ -4705,30 +3918,37 @@
         </p:spPr>
         <p:txBody>
           <a:bodyPr lIns="91440" rIns="91440" tIns="45720" bIns="45720" anchor="ctr">
-            <a:normAutofit/>
+            <a:noAutofit/>
           </a:bodyPr>
-          <a:p>
-            <a:pPr indent="0" defTabSz="914400">
-              <a:lnSpc>
-                <a:spcPct val="90000"/>
-              </a:lnSpc>
-              <a:buNone/>
-            </a:pPr>
-            <a:r>
-              <a:rPr b="1" lang="en-US" sz="3000" spc="-1" strike="noStrike">
-                <a:solidFill>
-                  <a:schemeClr val="dk1"/>
-                </a:solidFill>
-                <a:latin typeface="PT Sans"/>
-                <a:ea typeface="PT Sans"/>
-              </a:rPr>
-              <a:t>Introduceți Subcapitol</a:t>
-            </a:r>
-            <a:endParaRPr b="0" lang="en-US" sz="3000" spc="-1" strike="noStrike">
-              <a:solidFill>
-                <a:schemeClr val="dk1"/>
-              </a:solidFill>
-              <a:latin typeface="Calibri"/>
+          <a:lstStyle>
+            <a:lvl1pPr indent="0">
+              <a:buNone/>
+              <a:defRPr b="0" lang="en-US" sz="1400" spc="-1" strike="noStrike">
+                <a:solidFill>
+                  <a:srgbClr val="000000"/>
+                </a:solidFill>
+                <a:latin typeface="Times New Roman"/>
+              </a:defRPr>
+            </a:lvl1pPr>
+          </a:lstStyle>
+          <a:p>
+            <a:pPr indent="0">
+              <a:buNone/>
+            </a:pPr>
+            <a:r>
+              <a:rPr b="0" lang="en-US" sz="1400" spc="-1" strike="noStrike">
+                <a:solidFill>
+                  <a:srgbClr val="000000"/>
+                </a:solidFill>
+                <a:latin typeface="Times New Roman"/>
+              </a:rPr>
+              <a:t>&lt;date/time&gt;</a:t>
+            </a:r>
+            <a:endParaRPr b="0" lang="en-US" sz="1400" spc="-1" strike="noStrike">
+              <a:solidFill>
+                <a:srgbClr val="000000"/>
+              </a:solidFill>
+              <a:latin typeface="Times New Roman"/>
             </a:endParaRPr>
           </a:p>
         </p:txBody>
@@ -4768,86 +3988,18 @@
       </p:grpSpPr>
       <p:sp>
         <p:nvSpPr>
-          <p:cNvPr id="19" name="PlaceHolder 1"/>
+          <p:cNvPr id="12" name="PlaceHolder 1"/>
           <p:cNvSpPr>
             <a:spLocks noGrp="1"/>
           </p:cNvSpPr>
           <p:nvPr>
-            <p:ph type="dt" idx="11"/>
-          </p:nvPr>
-        </p:nvSpPr>
-        <p:spPr>
-          <a:xfrm>
-            <a:off x="628560" y="6356520"/>
-            <a:ext cx="2057040" cy="364680"/>
-          </a:xfrm>
-          <a:prstGeom prst="rect">
-            <a:avLst/>
-          </a:prstGeom>
-          <a:noFill/>
-          <a:ln w="0">
-            <a:noFill/>
-          </a:ln>
-        </p:spPr>
-        <p:txBody>
-          <a:bodyPr lIns="91440" rIns="91440" tIns="45720" bIns="45720" anchor="ctr">
-            <a:noAutofit/>
-          </a:bodyPr>
-          <a:lstStyle>
-            <a:lvl1pPr indent="0" defTabSz="914400">
-              <a:lnSpc>
-                <a:spcPct val="100000"/>
-              </a:lnSpc>
-              <a:buNone/>
-              <a:defRPr b="0" lang="en-US" sz="1200" spc="-1" strike="noStrike">
-                <a:solidFill>
-                  <a:srgbClr val="8b8b8b"/>
-                </a:solidFill>
-                <a:latin typeface="PT Sans"/>
-                <a:ea typeface="PT Sans"/>
-              </a:defRPr>
-            </a:lvl1pPr>
-          </a:lstStyle>
-          <a:p>
-            <a:pPr indent="0" defTabSz="914400">
-              <a:lnSpc>
-                <a:spcPct val="100000"/>
-              </a:lnSpc>
-              <a:buNone/>
-            </a:pPr>
-            <a:r>
-              <a:rPr b="0" lang="en-US" sz="1200" spc="-1" strike="noStrike">
-                <a:solidFill>
-                  <a:srgbClr val="8b8b8b"/>
-                </a:solidFill>
-                <a:latin typeface="PT Sans"/>
-                <a:ea typeface="PT Sans"/>
-              </a:rPr>
-              <a:t>&lt;date/time&gt;</a:t>
-            </a:r>
-            <a:endParaRPr b="0" lang="en-US" sz="1200" spc="-1" strike="noStrike">
-              <a:solidFill>
-                <a:srgbClr val="000000"/>
-              </a:solidFill>
-              <a:latin typeface="Times New Roman"/>
-            </a:endParaRPr>
-          </a:p>
-        </p:txBody>
-      </p:sp>
-      <p:sp>
-        <p:nvSpPr>
-          <p:cNvPr id="20" name="PlaceHolder 2"/>
-          <p:cNvSpPr>
-            <a:spLocks noGrp="1"/>
-          </p:cNvSpPr>
-          <p:nvPr>
-            <p:ph type="sldNum" idx="12"/>
+            <p:ph type="sldNum" idx="11"/>
           </p:nvPr>
         </p:nvSpPr>
         <p:spPr>
           <a:xfrm>
             <a:off x="6458040" y="6356520"/>
-            <a:ext cx="2057040" cy="364680"/>
+            <a:ext cx="2056320" cy="363960"/>
           </a:xfrm>
           <a:prstGeom prst="rect">
             <a:avLst/>
@@ -4867,6 +4019,9 @@
                 <a:spcPct val="100000"/>
               </a:lnSpc>
               <a:buNone/>
+              <a:tabLst>
+                <a:tab algn="l" pos="0"/>
+              </a:tabLst>
               <a:defRPr b="0" lang="en-US" sz="1200" spc="-1" strike="noStrike">
                 <a:solidFill>
                   <a:srgbClr val="8b8b8b"/>
@@ -4882,8 +4037,11 @@
                 <a:spcPct val="100000"/>
               </a:lnSpc>
               <a:buNone/>
-            </a:pPr>
-            <a:fld id="{7A3B37B4-3C6F-4443-92DC-6408B8F03C60}" type="slidenum">
+              <a:tabLst>
+                <a:tab algn="l" pos="0"/>
+              </a:tabLst>
+            </a:pPr>
+            <a:fld id="{BB6FA20A-C5B9-40F8-AFA5-A09F4C192D2A}" type="slidenum">
               <a:rPr b="0" lang="en-US" sz="1200" spc="-1" strike="noStrike">
                 <a:solidFill>
                   <a:srgbClr val="8b8b8b"/>
@@ -4904,136 +4062,18 @@
       </p:sp>
       <p:sp>
         <p:nvSpPr>
-          <p:cNvPr id="21" name="PlaceHolder 3"/>
+          <p:cNvPr id="13" name="PlaceHolder 2"/>
           <p:cNvSpPr>
             <a:spLocks noGrp="1"/>
           </p:cNvSpPr>
           <p:nvPr>
-            <p:ph type="body"/>
+            <p:ph type="dt" idx="12"/>
           </p:nvPr>
         </p:nvSpPr>
         <p:spPr>
           <a:xfrm>
-            <a:off x="628560" y="2786400"/>
-            <a:ext cx="3885840" cy="3081600"/>
-          </a:xfrm>
-          <a:prstGeom prst="rect">
-            <a:avLst/>
-          </a:prstGeom>
-          <a:noFill/>
-          <a:ln w="0">
-            <a:noFill/>
-          </a:ln>
-        </p:spPr>
-        <p:txBody>
-          <a:bodyPr lIns="91440" rIns="91440" tIns="45720" bIns="45720" anchor="t">
-            <a:normAutofit/>
-          </a:bodyPr>
-          <a:p>
-            <a:pPr indent="0" defTabSz="914400">
-              <a:lnSpc>
-                <a:spcPct val="90000"/>
-              </a:lnSpc>
-              <a:spcBef>
-                <a:spcPts val="1001"/>
-              </a:spcBef>
-              <a:buNone/>
-              <a:tabLst>
-                <a:tab algn="l" pos="0"/>
-              </a:tabLst>
-            </a:pPr>
-            <a:r>
-              <a:rPr b="0" lang="en-US" sz="2000" spc="-1" strike="noStrike">
-                <a:solidFill>
-                  <a:schemeClr val="dk1"/>
-                </a:solidFill>
-                <a:latin typeface="PT Sans"/>
-                <a:ea typeface="PT Sans"/>
-              </a:rPr>
-              <a:t>Introduceți text simplu</a:t>
-            </a:r>
-            <a:endParaRPr b="0" lang="en-US" sz="2000" spc="-1" strike="noStrike">
-              <a:solidFill>
-                <a:schemeClr val="dk1"/>
-              </a:solidFill>
-              <a:latin typeface="Calibri"/>
-            </a:endParaRPr>
-          </a:p>
-        </p:txBody>
-      </p:sp>
-      <p:sp>
-        <p:nvSpPr>
-          <p:cNvPr id="22" name="PlaceHolder 4"/>
-          <p:cNvSpPr>
-            <a:spLocks noGrp="1"/>
-          </p:cNvSpPr>
-          <p:nvPr>
-            <p:ph type="body"/>
-          </p:nvPr>
-        </p:nvSpPr>
-        <p:spPr>
-          <a:xfrm>
-            <a:off x="4646880" y="2776680"/>
-            <a:ext cx="3885840" cy="3081600"/>
-          </a:xfrm>
-          <a:prstGeom prst="rect">
-            <a:avLst/>
-          </a:prstGeom>
-          <a:noFill/>
-          <a:ln w="0">
-            <a:noFill/>
-          </a:ln>
-        </p:spPr>
-        <p:txBody>
-          <a:bodyPr lIns="91440" rIns="91440" tIns="45720" bIns="45720" anchor="t">
-            <a:normAutofit/>
-          </a:bodyPr>
-          <a:p>
-            <a:pPr indent="0" defTabSz="914400">
-              <a:lnSpc>
-                <a:spcPct val="90000"/>
-              </a:lnSpc>
-              <a:spcBef>
-                <a:spcPts val="1001"/>
-              </a:spcBef>
-              <a:buNone/>
-              <a:tabLst>
-                <a:tab algn="l" pos="0"/>
-              </a:tabLst>
-            </a:pPr>
-            <a:r>
-              <a:rPr b="0" lang="en-US" sz="2000" spc="-1" strike="noStrike">
-                <a:solidFill>
-                  <a:schemeClr val="dk1"/>
-                </a:solidFill>
-                <a:latin typeface="PT Sans"/>
-                <a:ea typeface="PT Sans"/>
-              </a:rPr>
-              <a:t>Introduceți text simplu</a:t>
-            </a:r>
-            <a:endParaRPr b="0" lang="en-US" sz="2000" spc="-1" strike="noStrike">
-              <a:solidFill>
-                <a:schemeClr val="dk1"/>
-              </a:solidFill>
-              <a:latin typeface="Calibri"/>
-            </a:endParaRPr>
-          </a:p>
-        </p:txBody>
-      </p:sp>
-      <p:sp>
-        <p:nvSpPr>
-          <p:cNvPr id="23" name="PlaceHolder 5"/>
-          <p:cNvSpPr>
-            <a:spLocks noGrp="1"/>
-          </p:cNvSpPr>
-          <p:nvPr>
-            <p:ph type="title"/>
-          </p:nvPr>
-        </p:nvSpPr>
-        <p:spPr>
-          <a:xfrm>
-            <a:off x="628560" y="1883160"/>
-            <a:ext cx="7886520" cy="905040"/>
+            <a:off x="628560" y="6356520"/>
+            <a:ext cx="2056320" cy="363960"/>
           </a:xfrm>
           <a:prstGeom prst="rect">
             <a:avLst/>
@@ -5045,30 +4085,37 @@
         </p:spPr>
         <p:txBody>
           <a:bodyPr lIns="91440" rIns="91440" tIns="45720" bIns="45720" anchor="ctr">
-            <a:normAutofit/>
+            <a:noAutofit/>
           </a:bodyPr>
-          <a:p>
-            <a:pPr indent="0" defTabSz="914400">
-              <a:lnSpc>
-                <a:spcPct val="90000"/>
-              </a:lnSpc>
-              <a:buNone/>
-            </a:pPr>
-            <a:r>
-              <a:rPr b="1" lang="en-US" sz="3000" spc="-1" strike="noStrike">
-                <a:solidFill>
-                  <a:schemeClr val="dk1"/>
-                </a:solidFill>
-                <a:latin typeface="PT Sans"/>
-                <a:ea typeface="PT Sans"/>
-              </a:rPr>
-              <a:t>Introduceți Subcapitol</a:t>
-            </a:r>
-            <a:endParaRPr b="0" lang="en-US" sz="3000" spc="-1" strike="noStrike">
-              <a:solidFill>
-                <a:schemeClr val="dk1"/>
-              </a:solidFill>
-              <a:latin typeface="Calibri"/>
+          <a:lstStyle>
+            <a:lvl1pPr indent="0">
+              <a:buNone/>
+              <a:defRPr b="0" lang="en-US" sz="1400" spc="-1" strike="noStrike">
+                <a:solidFill>
+                  <a:srgbClr val="000000"/>
+                </a:solidFill>
+                <a:latin typeface="Times New Roman"/>
+              </a:defRPr>
+            </a:lvl1pPr>
+          </a:lstStyle>
+          <a:p>
+            <a:pPr indent="0">
+              <a:buNone/>
+            </a:pPr>
+            <a:r>
+              <a:rPr b="0" lang="en-US" sz="1400" spc="-1" strike="noStrike">
+                <a:solidFill>
+                  <a:srgbClr val="000000"/>
+                </a:solidFill>
+                <a:latin typeface="Times New Roman"/>
+              </a:rPr>
+              <a:t>&lt;date/time&gt;</a:t>
+            </a:r>
+            <a:endParaRPr b="0" lang="en-US" sz="1400" spc="-1" strike="noStrike">
+              <a:solidFill>
+                <a:srgbClr val="000000"/>
+              </a:solidFill>
+              <a:latin typeface="Times New Roman"/>
             </a:endParaRPr>
           </a:p>
         </p:txBody>
@@ -5108,274 +4155,18 @@
       </p:grpSpPr>
       <p:sp>
         <p:nvSpPr>
-          <p:cNvPr id="24" name="PlaceHolder 1"/>
+          <p:cNvPr id="14" name="PlaceHolder 1"/>
           <p:cNvSpPr>
             <a:spLocks noGrp="1"/>
           </p:cNvSpPr>
           <p:nvPr>
-            <p:ph type="body"/>
-          </p:nvPr>
-        </p:nvSpPr>
-        <p:spPr>
-          <a:xfrm>
-            <a:off x="628560" y="2786400"/>
-            <a:ext cx="7886520" cy="3081600"/>
-          </a:xfrm>
-          <a:prstGeom prst="rect">
-            <a:avLst/>
-          </a:prstGeom>
-          <a:noFill/>
-          <a:ln w="0">
-            <a:noFill/>
-          </a:ln>
-        </p:spPr>
-        <p:txBody>
-          <a:bodyPr lIns="91440" rIns="91440" tIns="45720" bIns="45720" anchor="t">
-            <a:normAutofit/>
-          </a:bodyPr>
-          <a:p>
-            <a:pPr marL="228600" indent="-228600" defTabSz="914400">
-              <a:lnSpc>
-                <a:spcPct val="90000"/>
-              </a:lnSpc>
-              <a:spcBef>
-                <a:spcPts val="1001"/>
-              </a:spcBef>
-              <a:buClr>
-                <a:srgbClr val="000000"/>
-              </a:buClr>
-              <a:buFont typeface="Arial"/>
-              <a:buChar char="•"/>
-            </a:pPr>
-            <a:r>
-              <a:rPr b="0" lang="en-US" sz="2000" spc="-1" strike="noStrike">
-                <a:solidFill>
-                  <a:schemeClr val="dk1"/>
-                </a:solidFill>
-                <a:latin typeface="PT Sans"/>
-                <a:ea typeface="PT Sans"/>
-              </a:rPr>
-              <a:t>Introduceți text cu bullet-uri</a:t>
-            </a:r>
-            <a:endParaRPr b="0" lang="en-US" sz="2000" spc="-1" strike="noStrike">
-              <a:solidFill>
-                <a:schemeClr val="dk1"/>
-              </a:solidFill>
-              <a:latin typeface="Calibri"/>
-            </a:endParaRPr>
-          </a:p>
-          <a:p>
-            <a:pPr lvl="1" marL="685800" indent="-228600" defTabSz="914400">
-              <a:lnSpc>
-                <a:spcPct val="90000"/>
-              </a:lnSpc>
-              <a:spcBef>
-                <a:spcPts val="499"/>
-              </a:spcBef>
-              <a:buClr>
-                <a:srgbClr val="000000"/>
-              </a:buClr>
-              <a:buFont typeface="Arial"/>
-              <a:buChar char="•"/>
-            </a:pPr>
-            <a:r>
-              <a:rPr b="0" lang="en-US" sz="1800" spc="-1" strike="noStrike">
-                <a:solidFill>
-                  <a:schemeClr val="dk1"/>
-                </a:solidFill>
-                <a:latin typeface="PT Sans"/>
-                <a:ea typeface="PT Sans"/>
-              </a:rPr>
-              <a:t>Second level</a:t>
-            </a:r>
-            <a:endParaRPr b="0" lang="en-US" sz="1800" spc="-1" strike="noStrike">
-              <a:solidFill>
-                <a:schemeClr val="dk1"/>
-              </a:solidFill>
-              <a:latin typeface="Calibri"/>
-            </a:endParaRPr>
-          </a:p>
-          <a:p>
-            <a:pPr lvl="2" marL="1143000" indent="-228600" defTabSz="914400">
-              <a:lnSpc>
-                <a:spcPct val="90000"/>
-              </a:lnSpc>
-              <a:spcBef>
-                <a:spcPts val="499"/>
-              </a:spcBef>
-              <a:buClr>
-                <a:srgbClr val="000000"/>
-              </a:buClr>
-              <a:buFont typeface="Arial"/>
-              <a:buChar char="•"/>
-            </a:pPr>
-            <a:r>
-              <a:rPr b="0" lang="en-US" sz="1600" spc="-1" strike="noStrike">
-                <a:solidFill>
-                  <a:schemeClr val="dk1"/>
-                </a:solidFill>
-                <a:latin typeface="PT Sans"/>
-                <a:ea typeface="PT Sans"/>
-              </a:rPr>
-              <a:t>Third level</a:t>
-            </a:r>
-            <a:endParaRPr b="0" lang="en-US" sz="1600" spc="-1" strike="noStrike">
-              <a:solidFill>
-                <a:schemeClr val="dk1"/>
-              </a:solidFill>
-              <a:latin typeface="Calibri"/>
-            </a:endParaRPr>
-          </a:p>
-          <a:p>
-            <a:pPr lvl="3" marL="1600200" indent="-228600" defTabSz="914400">
-              <a:lnSpc>
-                <a:spcPct val="90000"/>
-              </a:lnSpc>
-              <a:spcBef>
-                <a:spcPts val="499"/>
-              </a:spcBef>
-              <a:buClr>
-                <a:srgbClr val="000000"/>
-              </a:buClr>
-              <a:buFont typeface="Arial"/>
-              <a:buChar char="•"/>
-            </a:pPr>
-            <a:r>
-              <a:rPr b="0" lang="en-US" sz="1400" spc="-1" strike="noStrike">
-                <a:solidFill>
-                  <a:schemeClr val="dk1"/>
-                </a:solidFill>
-                <a:latin typeface="PT Sans"/>
-                <a:ea typeface="PT Sans"/>
-              </a:rPr>
-              <a:t>Fourth level</a:t>
-            </a:r>
-            <a:endParaRPr b="0" lang="en-US" sz="1400" spc="-1" strike="noStrike">
-              <a:solidFill>
-                <a:schemeClr val="dk1"/>
-              </a:solidFill>
-              <a:latin typeface="Calibri"/>
-            </a:endParaRPr>
-          </a:p>
-          <a:p>
-            <a:pPr lvl="4" marL="2057400" indent="-228600" defTabSz="914400">
-              <a:lnSpc>
-                <a:spcPct val="90000"/>
-              </a:lnSpc>
-              <a:spcBef>
-                <a:spcPts val="499"/>
-              </a:spcBef>
-              <a:buClr>
-                <a:srgbClr val="000000"/>
-              </a:buClr>
-              <a:buFont typeface="Arial"/>
-              <a:buChar char="•"/>
-            </a:pPr>
-            <a:r>
-              <a:rPr b="0" lang="en-US" sz="1400" spc="-1" strike="noStrike">
-                <a:solidFill>
-                  <a:schemeClr val="dk1"/>
-                </a:solidFill>
-                <a:latin typeface="PT Sans"/>
-                <a:ea typeface="PT Sans"/>
-              </a:rPr>
-              <a:t>Fifth level</a:t>
-            </a:r>
-            <a:endParaRPr b="0" lang="en-US" sz="1400" spc="-1" strike="noStrike">
-              <a:solidFill>
-                <a:schemeClr val="dk1"/>
-              </a:solidFill>
-              <a:latin typeface="Calibri"/>
-            </a:endParaRPr>
-          </a:p>
-        </p:txBody>
-      </p:sp>
-      <p:sp>
-        <p:nvSpPr>
-          <p:cNvPr id="25" name="PlaceHolder 2"/>
-          <p:cNvSpPr>
-            <a:spLocks noGrp="1"/>
-          </p:cNvSpPr>
-          <p:nvPr>
-            <p:ph type="dt" idx="13"/>
-          </p:nvPr>
-        </p:nvSpPr>
-        <p:spPr>
-          <a:xfrm>
-            <a:off x="628560" y="6356520"/>
-            <a:ext cx="2057040" cy="364680"/>
-          </a:xfrm>
-          <a:prstGeom prst="rect">
-            <a:avLst/>
-          </a:prstGeom>
-          <a:noFill/>
-          <a:ln w="0">
-            <a:noFill/>
-          </a:ln>
-        </p:spPr>
-        <p:txBody>
-          <a:bodyPr lIns="91440" rIns="91440" tIns="45720" bIns="45720" anchor="ctr">
-            <a:noAutofit/>
-          </a:bodyPr>
-          <a:lstStyle>
-            <a:lvl1pPr indent="0" defTabSz="914400">
-              <a:lnSpc>
-                <a:spcPct val="100000"/>
-              </a:lnSpc>
-              <a:buNone/>
-              <a:defRPr b="0" lang="en-US" sz="1200" spc="-1" strike="noStrike">
-                <a:solidFill>
-                  <a:schemeClr val="dk1">
-                    <a:tint val="75000"/>
-                  </a:schemeClr>
-                </a:solidFill>
-                <a:latin typeface="PT Sans"/>
-                <a:ea typeface="PT Sans"/>
-              </a:defRPr>
-            </a:lvl1pPr>
-          </a:lstStyle>
-          <a:p>
-            <a:pPr indent="0" defTabSz="914400">
-              <a:lnSpc>
-                <a:spcPct val="100000"/>
-              </a:lnSpc>
-              <a:buNone/>
-            </a:pPr>
-            <a:r>
-              <a:rPr b="0" lang="en-US" sz="1200" spc="-1" strike="noStrike">
-                <a:solidFill>
-                  <a:schemeClr val="dk1">
-                    <a:tint val="75000"/>
-                  </a:schemeClr>
-                </a:solidFill>
-                <a:latin typeface="PT Sans"/>
-                <a:ea typeface="PT Sans"/>
-              </a:rPr>
-              <a:t>&lt;date/time&gt;</a:t>
-            </a:r>
-            <a:endParaRPr b="0" lang="en-US" sz="1200" spc="-1" strike="noStrike">
-              <a:solidFill>
-                <a:srgbClr val="000000"/>
-              </a:solidFill>
-              <a:latin typeface="Times New Roman"/>
-            </a:endParaRPr>
-          </a:p>
-        </p:txBody>
-      </p:sp>
-      <p:sp>
-        <p:nvSpPr>
-          <p:cNvPr id="26" name="PlaceHolder 3"/>
-          <p:cNvSpPr>
-            <a:spLocks noGrp="1"/>
-          </p:cNvSpPr>
-          <p:nvPr>
-            <p:ph type="sldNum" idx="14"/>
+            <p:ph type="sldNum" idx="13"/>
           </p:nvPr>
         </p:nvSpPr>
         <p:spPr>
           <a:xfrm>
             <a:off x="6458040" y="6356520"/>
-            <a:ext cx="2057040" cy="364680"/>
+            <a:ext cx="2056320" cy="363960"/>
           </a:xfrm>
           <a:prstGeom prst="rect">
             <a:avLst/>
@@ -5395,6 +4186,9 @@
                 <a:spcPct val="100000"/>
               </a:lnSpc>
               <a:buNone/>
+              <a:tabLst>
+                <a:tab algn="l" pos="0"/>
+              </a:tabLst>
               <a:defRPr b="0" lang="en-US" sz="1200" spc="-1" strike="noStrike">
                 <a:solidFill>
                   <a:schemeClr val="dk1">
@@ -5412,8 +4206,11 @@
                 <a:spcPct val="100000"/>
               </a:lnSpc>
               <a:buNone/>
-            </a:pPr>
-            <a:fld id="{5DE7CC87-D5D6-4D14-9F71-7834D0C50740}" type="slidenum">
+              <a:tabLst>
+                <a:tab algn="l" pos="0"/>
+              </a:tabLst>
+            </a:pPr>
+            <a:fld id="{4E9B2FCA-193A-42C2-88F9-19AD57BDB7F0}" type="slidenum">
               <a:rPr b="0" lang="en-US" sz="1200" spc="-1" strike="noStrike">
                 <a:solidFill>
                   <a:schemeClr val="dk1">
@@ -5436,18 +4233,18 @@
       </p:sp>
       <p:sp>
         <p:nvSpPr>
-          <p:cNvPr id="27" name="PlaceHolder 4"/>
+          <p:cNvPr id="15" name="PlaceHolder 2"/>
           <p:cNvSpPr>
             <a:spLocks noGrp="1"/>
           </p:cNvSpPr>
           <p:nvPr>
-            <p:ph type="title"/>
+            <p:ph type="dt" idx="14"/>
           </p:nvPr>
         </p:nvSpPr>
         <p:spPr>
           <a:xfrm>
-            <a:off x="628560" y="1883160"/>
-            <a:ext cx="7886520" cy="905040"/>
+            <a:off x="628560" y="6356520"/>
+            <a:ext cx="2056320" cy="363960"/>
           </a:xfrm>
           <a:prstGeom prst="rect">
             <a:avLst/>
@@ -5459,30 +4256,37 @@
         </p:spPr>
         <p:txBody>
           <a:bodyPr lIns="91440" rIns="91440" tIns="45720" bIns="45720" anchor="ctr">
-            <a:normAutofit/>
+            <a:noAutofit/>
           </a:bodyPr>
-          <a:p>
-            <a:pPr indent="0" defTabSz="914400">
-              <a:lnSpc>
-                <a:spcPct val="90000"/>
-              </a:lnSpc>
-              <a:buNone/>
-            </a:pPr>
-            <a:r>
-              <a:rPr b="1" lang="en-US" sz="3000" spc="-1" strike="noStrike">
-                <a:solidFill>
-                  <a:schemeClr val="dk1"/>
-                </a:solidFill>
-                <a:latin typeface="PT Sans"/>
-                <a:ea typeface="PT Sans"/>
-              </a:rPr>
-              <a:t>Introduceți Subcapitol</a:t>
-            </a:r>
-            <a:endParaRPr b="0" lang="en-US" sz="3000" spc="-1" strike="noStrike">
-              <a:solidFill>
-                <a:schemeClr val="dk1"/>
-              </a:solidFill>
-              <a:latin typeface="Calibri"/>
+          <a:lstStyle>
+            <a:lvl1pPr indent="0">
+              <a:buNone/>
+              <a:defRPr b="0" lang="en-US" sz="1400" spc="-1" strike="noStrike">
+                <a:solidFill>
+                  <a:srgbClr val="000000"/>
+                </a:solidFill>
+                <a:latin typeface="Times New Roman"/>
+              </a:defRPr>
+            </a:lvl1pPr>
+          </a:lstStyle>
+          <a:p>
+            <a:pPr indent="0">
+              <a:buNone/>
+            </a:pPr>
+            <a:r>
+              <a:rPr b="0" lang="en-US" sz="1400" spc="-1" strike="noStrike">
+                <a:solidFill>
+                  <a:srgbClr val="000000"/>
+                </a:solidFill>
+                <a:latin typeface="Times New Roman"/>
+              </a:rPr>
+              <a:t>&lt;date/time&gt;</a:t>
+            </a:r>
+            <a:endParaRPr b="0" lang="en-US" sz="1400" spc="-1" strike="noStrike">
+              <a:solidFill>
+                <a:srgbClr val="000000"/>
+              </a:solidFill>
+              <a:latin typeface="Times New Roman"/>
             </a:endParaRPr>
           </a:p>
         </p:txBody>
@@ -5522,149 +4326,18 @@
       </p:grpSpPr>
       <p:sp>
         <p:nvSpPr>
-          <p:cNvPr id="28" name="PlaceHolder 1"/>
+          <p:cNvPr id="16" name="PlaceHolder 1"/>
           <p:cNvSpPr>
             <a:spLocks noGrp="1"/>
           </p:cNvSpPr>
           <p:nvPr>
-            <p:ph type="body"/>
-          </p:nvPr>
-        </p:nvSpPr>
-        <p:spPr>
-          <a:xfrm>
-            <a:off x="623880" y="2783880"/>
-            <a:ext cx="7886520" cy="3084120"/>
-          </a:xfrm>
-          <a:prstGeom prst="rect">
-            <a:avLst/>
-          </a:prstGeom>
-          <a:noFill/>
-          <a:ln w="0">
-            <a:noFill/>
-          </a:ln>
-        </p:spPr>
-        <p:txBody>
-          <a:bodyPr lIns="91440" rIns="91440" tIns="45720" bIns="45720" anchor="t">
-            <a:normAutofit/>
-          </a:bodyPr>
-          <a:p>
-            <a:pPr indent="0" defTabSz="914400">
-              <a:lnSpc>
-                <a:spcPct val="90000"/>
-              </a:lnSpc>
-              <a:spcBef>
-                <a:spcPts val="1001"/>
-              </a:spcBef>
-              <a:buNone/>
-              <a:tabLst>
-                <a:tab algn="l" pos="0"/>
-              </a:tabLst>
-            </a:pPr>
-            <a:r>
-              <a:rPr b="0" lang="en-US" sz="2000" spc="-1" strike="noStrike">
-                <a:solidFill>
-                  <a:schemeClr val="dk1"/>
-                </a:solidFill>
-                <a:latin typeface="PT Sans"/>
-                <a:ea typeface="PT Sans"/>
-              </a:rPr>
-              <a:t>Introduceți text simplu</a:t>
-            </a:r>
-            <a:endParaRPr b="0" lang="en-US" sz="2000" spc="-1" strike="noStrike">
-              <a:solidFill>
-                <a:schemeClr val="dk1"/>
-              </a:solidFill>
-              <a:latin typeface="Calibri"/>
-            </a:endParaRPr>
-          </a:p>
-        </p:txBody>
-      </p:sp>
-      <p:sp>
-        <p:nvSpPr>
-          <p:cNvPr id="29" name="PlaceHolder 2"/>
-          <p:cNvSpPr>
-            <a:spLocks noGrp="1"/>
-          </p:cNvSpPr>
-          <p:nvPr>
-            <p:ph type="dt" idx="15"/>
-          </p:nvPr>
-        </p:nvSpPr>
-        <p:spPr>
-          <a:xfrm>
-            <a:off x="628560" y="6356520"/>
-            <a:ext cx="2057040" cy="364680"/>
-          </a:xfrm>
-          <a:prstGeom prst="rect">
-            <a:avLst/>
-          </a:prstGeom>
-          <a:noFill/>
-          <a:ln w="0">
-            <a:noFill/>
-          </a:ln>
-        </p:spPr>
-        <p:txBody>
-          <a:bodyPr lIns="91440" rIns="91440" tIns="45720" bIns="45720" anchor="ctr">
-            <a:noAutofit/>
-          </a:bodyPr>
-          <a:lstStyle>
-            <a:lvl1pPr indent="0" defTabSz="914400">
-              <a:lnSpc>
-                <a:spcPct val="100000"/>
-              </a:lnSpc>
-              <a:buNone/>
-              <a:defRPr b="0" lang="en-US" sz="1200" spc="-1" strike="noStrike">
-                <a:solidFill>
-                  <a:schemeClr val="dk1">
-                    <a:tint val="75000"/>
-                  </a:schemeClr>
-                </a:solidFill>
-                <a:latin typeface="PT Sans"/>
-                <a:ea typeface="PT Sans"/>
-              </a:defRPr>
-            </a:lvl1pPr>
-          </a:lstStyle>
-          <a:p>
-            <a:pPr indent="0" defTabSz="914400">
-              <a:lnSpc>
-                <a:spcPct val="100000"/>
-              </a:lnSpc>
-              <a:buNone/>
-            </a:pPr>
-            <a:r>
-              <a:rPr b="0" lang="en-US" sz="1200" spc="-1" strike="noStrike">
-                <a:solidFill>
-                  <a:schemeClr val="dk1">
-                    <a:tint val="75000"/>
-                  </a:schemeClr>
-                </a:solidFill>
-                <a:latin typeface="PT Sans"/>
-                <a:ea typeface="PT Sans"/>
-              </a:rPr>
-              <a:t>&lt;date/time&gt;</a:t>
-            </a:r>
-            <a:endParaRPr b="0" lang="en-US" sz="1200" spc="-1" strike="noStrike">
-              <a:solidFill>
-                <a:srgbClr val="000000"/>
-              </a:solidFill>
-              <a:latin typeface="Times New Roman"/>
-            </a:endParaRPr>
-          </a:p>
-        </p:txBody>
-      </p:sp>
-      <p:sp>
-        <p:nvSpPr>
-          <p:cNvPr id="30" name="PlaceHolder 3"/>
-          <p:cNvSpPr>
-            <a:spLocks noGrp="1"/>
-          </p:cNvSpPr>
-          <p:nvPr>
-            <p:ph type="sldNum" idx="16"/>
+            <p:ph type="sldNum" idx="15"/>
           </p:nvPr>
         </p:nvSpPr>
         <p:spPr>
           <a:xfrm>
             <a:off x="6458040" y="6356520"/>
-            <a:ext cx="2057040" cy="364680"/>
+            <a:ext cx="2056320" cy="363960"/>
           </a:xfrm>
           <a:prstGeom prst="rect">
             <a:avLst/>
@@ -5684,6 +4357,9 @@
                 <a:spcPct val="100000"/>
               </a:lnSpc>
               <a:buNone/>
+              <a:tabLst>
+                <a:tab algn="l" pos="0"/>
+              </a:tabLst>
               <a:defRPr b="0" lang="en-US" sz="1200" spc="-1" strike="noStrike">
                 <a:solidFill>
                   <a:schemeClr val="dk1">
@@ -5701,8 +4377,11 @@
                 <a:spcPct val="100000"/>
               </a:lnSpc>
               <a:buNone/>
-            </a:pPr>
-            <a:fld id="{0AB2BC91-9D7E-4358-8305-180C90AC64C2}" type="slidenum">
+              <a:tabLst>
+                <a:tab algn="l" pos="0"/>
+              </a:tabLst>
+            </a:pPr>
+            <a:fld id="{B99789E0-A6B9-421A-9A9F-3E3D2A8E700E}" type="slidenum">
               <a:rPr b="0" lang="en-US" sz="1200" spc="-1" strike="noStrike">
                 <a:solidFill>
                   <a:schemeClr val="dk1">
@@ -5725,18 +4404,18 @@
       </p:sp>
       <p:sp>
         <p:nvSpPr>
-          <p:cNvPr id="31" name="PlaceHolder 4"/>
+          <p:cNvPr id="17" name="PlaceHolder 2"/>
           <p:cNvSpPr>
             <a:spLocks noGrp="1"/>
           </p:cNvSpPr>
           <p:nvPr>
-            <p:ph type="title"/>
+            <p:ph type="dt" idx="16"/>
           </p:nvPr>
         </p:nvSpPr>
         <p:spPr>
           <a:xfrm>
-            <a:off x="628560" y="1883160"/>
-            <a:ext cx="7886520" cy="905040"/>
+            <a:off x="628560" y="6356520"/>
+            <a:ext cx="2056320" cy="363960"/>
           </a:xfrm>
           <a:prstGeom prst="rect">
             <a:avLst/>
@@ -5748,30 +4427,311 @@
         </p:spPr>
         <p:txBody>
           <a:bodyPr lIns="91440" rIns="91440" tIns="45720" bIns="45720" anchor="ctr">
+            <a:noAutofit/>
+          </a:bodyPr>
+          <a:lstStyle>
+            <a:lvl1pPr indent="0">
+              <a:buNone/>
+              <a:defRPr b="0" lang="en-US" sz="1400" spc="-1" strike="noStrike">
+                <a:solidFill>
+                  <a:srgbClr val="000000"/>
+                </a:solidFill>
+                <a:latin typeface="Times New Roman"/>
+              </a:defRPr>
+            </a:lvl1pPr>
+          </a:lstStyle>
+          <a:p>
+            <a:pPr indent="0">
+              <a:buNone/>
+            </a:pPr>
+            <a:r>
+              <a:rPr b="0" lang="en-US" sz="1400" spc="-1" strike="noStrike">
+                <a:solidFill>
+                  <a:srgbClr val="000000"/>
+                </a:solidFill>
+                <a:latin typeface="Times New Roman"/>
+              </a:rPr>
+              <a:t>&lt;date/time&gt;</a:t>
+            </a:r>
+            <a:endParaRPr b="0" lang="en-US" sz="1400" spc="-1" strike="noStrike">
+              <a:solidFill>
+                <a:srgbClr val="000000"/>
+              </a:solidFill>
+              <a:latin typeface="Times New Roman"/>
+            </a:endParaRPr>
+          </a:p>
+        </p:txBody>
+      </p:sp>
+      <p:sp>
+        <p:nvSpPr>
+          <p:cNvPr id="18" name="PlaceHolder 3"/>
+          <p:cNvSpPr>
+            <a:spLocks noGrp="1"/>
+          </p:cNvSpPr>
+          <p:nvPr>
+            <p:ph type="title"/>
+          </p:nvPr>
+        </p:nvSpPr>
+        <p:spPr>
+          <a:xfrm>
+            <a:off x="457200" y="273600"/>
+            <a:ext cx="8229240" cy="1144800"/>
+          </a:xfrm>
+          <a:prstGeom prst="rect">
+            <a:avLst/>
+          </a:prstGeom>
+          <a:noFill/>
+          <a:ln w="0">
+            <a:noFill/>
+          </a:ln>
+        </p:spPr>
+        <p:txBody>
+          <a:bodyPr lIns="0" rIns="0" tIns="0" bIns="0" anchor="ctr">
+            <a:noAutofit/>
+          </a:bodyPr>
+          <a:p>
+            <a:pPr indent="0" algn="ctr">
+              <a:buNone/>
+            </a:pPr>
+            <a:r>
+              <a:rPr b="0" lang="en-US" sz="4400" spc="-1" strike="noStrike">
+                <a:solidFill>
+                  <a:srgbClr val="000000"/>
+                </a:solidFill>
+                <a:latin typeface="Arial"/>
+              </a:rPr>
+              <a:t>Click to edit the title text format</a:t>
+            </a:r>
+            <a:endParaRPr b="0" lang="en-US" sz="4400" spc="-1" strike="noStrike">
+              <a:solidFill>
+                <a:srgbClr val="000000"/>
+              </a:solidFill>
+              <a:latin typeface="Arial"/>
+            </a:endParaRPr>
+          </a:p>
+        </p:txBody>
+      </p:sp>
+      <p:sp>
+        <p:nvSpPr>
+          <p:cNvPr id="19" name="PlaceHolder 4"/>
+          <p:cNvSpPr>
+            <a:spLocks noGrp="1"/>
+          </p:cNvSpPr>
+          <p:nvPr>
+            <p:ph type="body"/>
+          </p:nvPr>
+        </p:nvSpPr>
+        <p:spPr>
+          <a:xfrm>
+            <a:off x="457200" y="1604520"/>
+            <a:ext cx="8229240" cy="3977280"/>
+          </a:xfrm>
+          <a:prstGeom prst="rect">
+            <a:avLst/>
+          </a:prstGeom>
+          <a:noFill/>
+          <a:ln w="0">
+            <a:noFill/>
+          </a:ln>
+        </p:spPr>
+        <p:txBody>
+          <a:bodyPr lIns="0" rIns="0" tIns="0" bIns="0" anchor="t">
             <a:normAutofit/>
           </a:bodyPr>
           <a:p>
-            <a:pPr indent="0" defTabSz="914400">
-              <a:lnSpc>
-                <a:spcPct val="90000"/>
-              </a:lnSpc>
-              <a:buNone/>
-            </a:pPr>
-            <a:r>
-              <a:rPr b="1" lang="en-US" sz="3000" spc="-1" strike="noStrike">
-                <a:solidFill>
-                  <a:schemeClr val="dk1"/>
-                </a:solidFill>
-                <a:latin typeface="PT Sans"/>
-                <a:ea typeface="PT Sans"/>
-              </a:rPr>
-              <a:t>Introduceți Subcapitol</a:t>
-            </a:r>
-            <a:endParaRPr b="0" lang="en-US" sz="3000" spc="-1" strike="noStrike">
-              <a:solidFill>
-                <a:schemeClr val="dk1"/>
-              </a:solidFill>
-              <a:latin typeface="Calibri"/>
+            <a:pPr marL="432000" indent="-324000">
+              <a:spcBef>
+                <a:spcPts val="1417"/>
+              </a:spcBef>
+              <a:buClr>
+                <a:srgbClr val="000000"/>
+              </a:buClr>
+              <a:buSzPct val="45000"/>
+              <a:buFont typeface="Wingdings" charset="2"/>
+              <a:buChar char=""/>
+            </a:pPr>
+            <a:r>
+              <a:rPr b="0" lang="en-US" sz="3200" spc="-1" strike="noStrike">
+                <a:solidFill>
+                  <a:srgbClr val="000000"/>
+                </a:solidFill>
+                <a:latin typeface="Arial"/>
+              </a:rPr>
+              <a:t>Click to edit the outline text format</a:t>
+            </a:r>
+            <a:endParaRPr b="0" lang="en-US" sz="3200" spc="-1" strike="noStrike">
+              <a:solidFill>
+                <a:srgbClr val="000000"/>
+              </a:solidFill>
+              <a:latin typeface="Arial"/>
+            </a:endParaRPr>
+          </a:p>
+          <a:p>
+            <a:pPr lvl="1" marL="864000" indent="-324000">
+              <a:spcBef>
+                <a:spcPts val="1134"/>
+              </a:spcBef>
+              <a:buClr>
+                <a:srgbClr val="000000"/>
+              </a:buClr>
+              <a:buSzPct val="75000"/>
+              <a:buFont typeface="Symbol" charset="2"/>
+              <a:buChar char=""/>
+            </a:pPr>
+            <a:r>
+              <a:rPr b="0" lang="en-US" sz="2800" spc="-1" strike="noStrike">
+                <a:solidFill>
+                  <a:srgbClr val="000000"/>
+                </a:solidFill>
+                <a:latin typeface="Arial"/>
+              </a:rPr>
+              <a:t>Second Outline Level</a:t>
+            </a:r>
+            <a:endParaRPr b="0" lang="en-US" sz="2800" spc="-1" strike="noStrike">
+              <a:solidFill>
+                <a:srgbClr val="000000"/>
+              </a:solidFill>
+              <a:latin typeface="Arial"/>
+            </a:endParaRPr>
+          </a:p>
+          <a:p>
+            <a:pPr lvl="2" marL="1296000" indent="-288000">
+              <a:spcBef>
+                <a:spcPts val="850"/>
+              </a:spcBef>
+              <a:buClr>
+                <a:srgbClr val="000000"/>
+              </a:buClr>
+              <a:buSzPct val="45000"/>
+              <a:buFont typeface="Wingdings" charset="2"/>
+              <a:buChar char=""/>
+            </a:pPr>
+            <a:r>
+              <a:rPr b="0" lang="en-US" sz="2400" spc="-1" strike="noStrike">
+                <a:solidFill>
+                  <a:srgbClr val="000000"/>
+                </a:solidFill>
+                <a:latin typeface="Arial"/>
+              </a:rPr>
+              <a:t>Third Outline Level</a:t>
+            </a:r>
+            <a:endParaRPr b="0" lang="en-US" sz="2400" spc="-1" strike="noStrike">
+              <a:solidFill>
+                <a:srgbClr val="000000"/>
+              </a:solidFill>
+              <a:latin typeface="Arial"/>
+            </a:endParaRPr>
+          </a:p>
+          <a:p>
+            <a:pPr lvl="3" marL="1728000" indent="-216000">
+              <a:spcBef>
+                <a:spcPts val="567"/>
+              </a:spcBef>
+              <a:buClr>
+                <a:srgbClr val="000000"/>
+              </a:buClr>
+              <a:buSzPct val="75000"/>
+              <a:buFont typeface="Symbol" charset="2"/>
+              <a:buChar char=""/>
+            </a:pPr>
+            <a:r>
+              <a:rPr b="0" lang="en-US" sz="2000" spc="-1" strike="noStrike">
+                <a:solidFill>
+                  <a:srgbClr val="000000"/>
+                </a:solidFill>
+                <a:latin typeface="Arial"/>
+              </a:rPr>
+              <a:t>Fourth Outline Level</a:t>
+            </a:r>
+            <a:endParaRPr b="0" lang="en-US" sz="2000" spc="-1" strike="noStrike">
+              <a:solidFill>
+                <a:srgbClr val="000000"/>
+              </a:solidFill>
+              <a:latin typeface="Arial"/>
+            </a:endParaRPr>
+          </a:p>
+          <a:p>
+            <a:pPr lvl="4" marL="2160000" indent="-216000">
+              <a:spcBef>
+                <a:spcPts val="283"/>
+              </a:spcBef>
+              <a:buClr>
+                <a:srgbClr val="000000"/>
+              </a:buClr>
+              <a:buSzPct val="45000"/>
+              <a:buFont typeface="Wingdings" charset="2"/>
+              <a:buChar char=""/>
+            </a:pPr>
+            <a:r>
+              <a:rPr b="0" lang="en-US" sz="2000" spc="-1" strike="noStrike">
+                <a:solidFill>
+                  <a:srgbClr val="000000"/>
+                </a:solidFill>
+                <a:latin typeface="Arial"/>
+              </a:rPr>
+              <a:t>Fifth Outline Level</a:t>
+            </a:r>
+            <a:endParaRPr b="0" lang="en-US" sz="2000" spc="-1" strike="noStrike">
+              <a:solidFill>
+                <a:srgbClr val="000000"/>
+              </a:solidFill>
+              <a:latin typeface="Arial"/>
+            </a:endParaRPr>
+          </a:p>
+          <a:p>
+            <a:pPr lvl="5" marL="2592000" indent="-216000">
+              <a:spcBef>
+                <a:spcPts val="283"/>
+              </a:spcBef>
+              <a:buClr>
+                <a:srgbClr val="000000"/>
+              </a:buClr>
+              <a:buSzPct val="45000"/>
+              <a:buFont typeface="Wingdings" charset="2"/>
+              <a:buChar char=""/>
+            </a:pPr>
+            <a:r>
+              <a:rPr b="0" lang="en-US" sz="2000" spc="-1" strike="noStrike">
+                <a:solidFill>
+                  <a:srgbClr val="000000"/>
+                </a:solidFill>
+                <a:latin typeface="Arial"/>
+              </a:rPr>
+              <a:t>Sixth Outline Level</a:t>
+            </a:r>
+            <a:endParaRPr b="0" lang="en-US" sz="2000" spc="-1" strike="noStrike">
+              <a:solidFill>
+                <a:srgbClr val="000000"/>
+              </a:solidFill>
+              <a:latin typeface="Arial"/>
+            </a:endParaRPr>
+          </a:p>
+          <a:p>
+            <a:pPr lvl="6" marL="3024000" indent="-216000">
+              <a:spcBef>
+                <a:spcPts val="283"/>
+              </a:spcBef>
+              <a:buClr>
+                <a:srgbClr val="000000"/>
+              </a:buClr>
+              <a:buSzPct val="45000"/>
+              <a:buFont typeface="Wingdings" charset="2"/>
+              <a:buChar char=""/>
+            </a:pPr>
+            <a:r>
+              <a:rPr b="0" lang="en-US" sz="2000" spc="-1" strike="noStrike">
+                <a:solidFill>
+                  <a:srgbClr val="000000"/>
+                </a:solidFill>
+                <a:latin typeface="Arial"/>
+              </a:rPr>
+              <a:t>Seventh Outline Level</a:t>
+            </a:r>
+            <a:endParaRPr b="0" lang="en-US" sz="2000" spc="-1" strike="noStrike">
+              <a:solidFill>
+                <a:srgbClr val="000000"/>
+              </a:solidFill>
+              <a:latin typeface="Arial"/>
             </a:endParaRPr>
           </a:p>
         </p:txBody>
@@ -5811,149 +4771,18 @@
       </p:grpSpPr>
       <p:sp>
         <p:nvSpPr>
-          <p:cNvPr id="32" name="PlaceHolder 1"/>
+          <p:cNvPr id="20" name="PlaceHolder 1"/>
           <p:cNvSpPr>
             <a:spLocks noGrp="1"/>
           </p:cNvSpPr>
           <p:nvPr>
-            <p:ph type="body"/>
-          </p:nvPr>
-        </p:nvSpPr>
-        <p:spPr>
-          <a:xfrm>
-            <a:off x="623880" y="1900080"/>
-            <a:ext cx="7886520" cy="4326840"/>
-          </a:xfrm>
-          <a:prstGeom prst="rect">
-            <a:avLst/>
-          </a:prstGeom>
-          <a:noFill/>
-          <a:ln w="0">
-            <a:noFill/>
-          </a:ln>
-        </p:spPr>
-        <p:txBody>
-          <a:bodyPr lIns="91440" rIns="91440" tIns="45720" bIns="45720" anchor="t">
-            <a:normAutofit/>
-          </a:bodyPr>
-          <a:p>
-            <a:pPr indent="0" defTabSz="914400">
-              <a:lnSpc>
-                <a:spcPct val="90000"/>
-              </a:lnSpc>
-              <a:spcBef>
-                <a:spcPts val="1001"/>
-              </a:spcBef>
-              <a:buNone/>
-              <a:tabLst>
-                <a:tab algn="l" pos="0"/>
-              </a:tabLst>
-            </a:pPr>
-            <a:r>
-              <a:rPr b="0" lang="en-US" sz="2000" spc="-1" strike="noStrike">
-                <a:solidFill>
-                  <a:schemeClr val="dk1"/>
-                </a:solidFill>
-                <a:latin typeface="PT Sans"/>
-                <a:ea typeface="PT Sans"/>
-              </a:rPr>
-              <a:t>Introduceți text simplu</a:t>
-            </a:r>
-            <a:endParaRPr b="0" lang="en-US" sz="2000" spc="-1" strike="noStrike">
-              <a:solidFill>
-                <a:schemeClr val="dk1"/>
-              </a:solidFill>
-              <a:latin typeface="Calibri"/>
-            </a:endParaRPr>
-          </a:p>
-        </p:txBody>
-      </p:sp>
-      <p:sp>
-        <p:nvSpPr>
-          <p:cNvPr id="33" name="PlaceHolder 2"/>
-          <p:cNvSpPr>
-            <a:spLocks noGrp="1"/>
-          </p:cNvSpPr>
-          <p:nvPr>
-            <p:ph type="dt" idx="17"/>
-          </p:nvPr>
-        </p:nvSpPr>
-        <p:spPr>
-          <a:xfrm>
-            <a:off x="628560" y="6356520"/>
-            <a:ext cx="2057040" cy="364680"/>
-          </a:xfrm>
-          <a:prstGeom prst="rect">
-            <a:avLst/>
-          </a:prstGeom>
-          <a:noFill/>
-          <a:ln w="0">
-            <a:noFill/>
-          </a:ln>
-        </p:spPr>
-        <p:txBody>
-          <a:bodyPr lIns="91440" rIns="91440" tIns="45720" bIns="45720" anchor="ctr">
-            <a:noAutofit/>
-          </a:bodyPr>
-          <a:lstStyle>
-            <a:lvl1pPr indent="0" defTabSz="914400">
-              <a:lnSpc>
-                <a:spcPct val="100000"/>
-              </a:lnSpc>
-              <a:buNone/>
-              <a:defRPr b="0" lang="en-US" sz="1200" spc="-1" strike="noStrike">
-                <a:solidFill>
-                  <a:schemeClr val="dk1">
-                    <a:tint val="75000"/>
-                  </a:schemeClr>
-                </a:solidFill>
-                <a:latin typeface="PT Sans"/>
-                <a:ea typeface="PT Sans"/>
-              </a:defRPr>
-            </a:lvl1pPr>
-          </a:lstStyle>
-          <a:p>
-            <a:pPr indent="0" defTabSz="914400">
-              <a:lnSpc>
-                <a:spcPct val="100000"/>
-              </a:lnSpc>
-              <a:buNone/>
-            </a:pPr>
-            <a:r>
-              <a:rPr b="0" lang="en-US" sz="1200" spc="-1" strike="noStrike">
-                <a:solidFill>
-                  <a:schemeClr val="dk1">
-                    <a:tint val="75000"/>
-                  </a:schemeClr>
-                </a:solidFill>
-                <a:latin typeface="PT Sans"/>
-                <a:ea typeface="PT Sans"/>
-              </a:rPr>
-              <a:t>&lt;date/time&gt;</a:t>
-            </a:r>
-            <a:endParaRPr b="0" lang="en-US" sz="1200" spc="-1" strike="noStrike">
-              <a:solidFill>
-                <a:srgbClr val="000000"/>
-              </a:solidFill>
-              <a:latin typeface="Times New Roman"/>
-            </a:endParaRPr>
-          </a:p>
-        </p:txBody>
-      </p:sp>
-      <p:sp>
-        <p:nvSpPr>
-          <p:cNvPr id="34" name="PlaceHolder 3"/>
-          <p:cNvSpPr>
-            <a:spLocks noGrp="1"/>
-          </p:cNvSpPr>
-          <p:nvPr>
-            <p:ph type="sldNum" idx="18"/>
+            <p:ph type="sldNum" idx="17"/>
           </p:nvPr>
         </p:nvSpPr>
         <p:spPr>
           <a:xfrm>
             <a:off x="6458040" y="6356520"/>
-            <a:ext cx="2057040" cy="364680"/>
+            <a:ext cx="2056320" cy="363960"/>
           </a:xfrm>
           <a:prstGeom prst="rect">
             <a:avLst/>
@@ -5973,6 +4802,9 @@
                 <a:spcPct val="100000"/>
               </a:lnSpc>
               <a:buNone/>
+              <a:tabLst>
+                <a:tab algn="l" pos="0"/>
+              </a:tabLst>
               <a:defRPr b="0" lang="en-US" sz="1200" spc="-1" strike="noStrike">
                 <a:solidFill>
                   <a:schemeClr val="dk1">
@@ -5990,8 +4822,11 @@
                 <a:spcPct val="100000"/>
               </a:lnSpc>
               <a:buNone/>
-            </a:pPr>
-            <a:fld id="{D5C70716-9DB6-48E0-AD35-FF2D3635ED92}" type="slidenum">
+              <a:tabLst>
+                <a:tab algn="l" pos="0"/>
+              </a:tabLst>
+            </a:pPr>
+            <a:fld id="{D718504E-A431-430B-8FC4-5353A28353B0}" type="slidenum">
               <a:rPr b="0" lang="en-US" sz="1200" spc="-1" strike="noStrike">
                 <a:solidFill>
                   <a:schemeClr val="dk1">
@@ -6004,6 +4839,66 @@
               <a:t>&lt;number&gt;</a:t>
             </a:fld>
             <a:endParaRPr b="0" lang="en-US" sz="1200" spc="-1" strike="noStrike">
+              <a:solidFill>
+                <a:srgbClr val="000000"/>
+              </a:solidFill>
+              <a:latin typeface="Times New Roman"/>
+            </a:endParaRPr>
+          </a:p>
+        </p:txBody>
+      </p:sp>
+      <p:sp>
+        <p:nvSpPr>
+          <p:cNvPr id="21" name="PlaceHolder 2"/>
+          <p:cNvSpPr>
+            <a:spLocks noGrp="1"/>
+          </p:cNvSpPr>
+          <p:nvPr>
+            <p:ph type="dt" idx="18"/>
+          </p:nvPr>
+        </p:nvSpPr>
+        <p:spPr>
+          <a:xfrm>
+            <a:off x="628560" y="6356520"/>
+            <a:ext cx="2056320" cy="363960"/>
+          </a:xfrm>
+          <a:prstGeom prst="rect">
+            <a:avLst/>
+          </a:prstGeom>
+          <a:noFill/>
+          <a:ln w="0">
+            <a:noFill/>
+          </a:ln>
+        </p:spPr>
+        <p:txBody>
+          <a:bodyPr lIns="91440" rIns="91440" tIns="45720" bIns="45720" anchor="ctr">
+            <a:noAutofit/>
+          </a:bodyPr>
+          <a:lstStyle>
+            <a:lvl1pPr indent="0">
+              <a:buNone/>
+              <a:defRPr b="0" lang="en-US" sz="1400" spc="-1" strike="noStrike">
+                <a:solidFill>
+                  <a:srgbClr val="000000"/>
+                </a:solidFill>
+                <a:latin typeface="Times New Roman"/>
+              </a:defRPr>
+            </a:lvl1pPr>
+          </a:lstStyle>
+          <a:p>
+            <a:pPr indent="0">
+              <a:buNone/>
+            </a:pPr>
+            <a:r>
+              <a:rPr b="0" lang="en-US" sz="1400" spc="-1" strike="noStrike">
+                <a:solidFill>
+                  <a:srgbClr val="000000"/>
+                </a:solidFill>
+                <a:latin typeface="Times New Roman"/>
+              </a:rPr>
+              <a:t>&lt;date/time&gt;</a:t>
+            </a:r>
+            <a:endParaRPr b="0" lang="en-US" sz="1400" spc="-1" strike="noStrike">
               <a:solidFill>
                 <a:srgbClr val="000000"/>
               </a:solidFill>
@@ -6048,14 +4943,14 @@
       </p:grpSpPr>
       <p:sp>
         <p:nvSpPr>
-          <p:cNvPr id="54" name="Title 1"/>
+          <p:cNvPr id="34" name="Title 1"/>
           <p:cNvSpPr/>
           <p:nvPr/>
         </p:nvSpPr>
         <p:spPr>
           <a:xfrm>
             <a:off x="228600" y="1251360"/>
-            <a:ext cx="8421840" cy="1516320"/>
+            <a:ext cx="8421120" cy="1515600"/>
           </a:xfrm>
           <a:prstGeom prst="rect">
             <a:avLst/>
@@ -6072,11 +4967,15 @@
           <a:fontRef idx="minor"/>
         </p:style>
         <p:txBody>
-          <a:bodyPr anchor="ctr">
+          <a:bodyPr lIns="90000" rIns="90000" tIns="45000" bIns="45000" anchor="ctr">
             <a:noAutofit/>
           </a:bodyPr>
           <a:p>
-            <a:pPr algn="ctr"/>
+            <a:pPr algn="ctr">
+              <a:lnSpc>
+                <a:spcPct val="100000"/>
+              </a:lnSpc>
+            </a:pPr>
             <a:r>
               <a:rPr b="1" lang="ro-RO" sz="3000" spc="-1" strike="noStrike">
                 <a:solidFill>
@@ -6087,7 +4986,7 @@
               </a:rPr>
               <a:t>Aplicarea Sistemului de Management al Securității Informaționale în domeniul serviciilor Cloud.</a:t>
             </a:r>
-            <a:endParaRPr b="1" lang="ro-RO" sz="3000" spc="-1" strike="noStrike">
+            <a:endParaRPr b="0" lang="en-US" sz="3000" spc="-1" strike="noStrike">
               <a:solidFill>
                 <a:srgbClr val="000000"/>
               </a:solidFill>
@@ -6098,14 +4997,14 @@
       </p:sp>
       <p:sp>
         <p:nvSpPr>
-          <p:cNvPr id="55" name="TextBox 4"/>
+          <p:cNvPr id="35" name="TextBox 4"/>
           <p:cNvSpPr/>
           <p:nvPr/>
         </p:nvSpPr>
         <p:spPr>
           <a:xfrm>
             <a:off x="227160" y="4343400"/>
-            <a:ext cx="5706720" cy="1582560"/>
+            <a:ext cx="5706000" cy="1582560"/>
           </a:xfrm>
           <a:prstGeom prst="rect">
             <a:avLst/>
@@ -6375,14 +5274,14 @@
       </p:sp>
       <p:sp>
         <p:nvSpPr>
-          <p:cNvPr id="56" name="TextBox 5"/>
+          <p:cNvPr id="36" name="TextBox 5"/>
           <p:cNvSpPr/>
           <p:nvPr/>
         </p:nvSpPr>
         <p:spPr>
           <a:xfrm>
             <a:off x="100440" y="2767680"/>
-            <a:ext cx="8660160" cy="1500120"/>
+            <a:ext cx="8659440" cy="1500120"/>
           </a:xfrm>
           <a:prstGeom prst="rect">
             <a:avLst/>
@@ -6448,10 +5347,11 @@
               <a:t> </a:t>
             </a:r>
             <a:r>
-              <a:rPr b="0" lang="en-US" sz="1800" spc="-1" strike="noStrike">
+              <a:rPr b="0" lang="en-US" sz="1800" spc="-1" strike="noStrike" u="sng">
                 <a:solidFill>
                   <a:srgbClr val="0563c1"/>
                 </a:solidFill>
+                <a:uFillTx/>
                 <a:latin typeface="Times New Roman"/>
                 <a:ea typeface="Calibri"/>
                 <a:hlinkClick r:id="rId2"/>
@@ -6459,10 +5359,11 @@
               <a:t>Facultatea</a:t>
             </a:r>
             <a:r>
-              <a:rPr b="0" lang="en-US" sz="1800" spc="-1" strike="noStrike">
+              <a:rPr b="0" lang="en-US" sz="1800" spc="-1" strike="noStrike" u="sng">
                 <a:solidFill>
                   <a:srgbClr val="0563c1"/>
                 </a:solidFill>
+                <a:uFillTx/>
                 <a:latin typeface="Times New Roman"/>
                 <a:ea typeface="Calibri"/>
                 <a:hlinkClick r:id="rId3"/>
@@ -6470,10 +5371,11 @@
               <a:t> </a:t>
             </a:r>
             <a:r>
-              <a:rPr b="0" lang="en-US" sz="1800" spc="-1" strike="noStrike">
+              <a:rPr b="0" lang="en-US" sz="1800" spc="-1" strike="noStrike" u="sng">
                 <a:solidFill>
                   <a:srgbClr val="0563c1"/>
                 </a:solidFill>
+                <a:uFillTx/>
                 <a:latin typeface="Times New Roman"/>
                 <a:ea typeface="Calibri"/>
                 <a:hlinkClick r:id="rId4"/>
@@ -6481,10 +5383,11 @@
               <a:t>Calculatoare</a:t>
             </a:r>
             <a:r>
-              <a:rPr b="0" lang="en-US" sz="1800" spc="-1" strike="noStrike">
+              <a:rPr b="0" lang="en-US" sz="1800" spc="-1" strike="noStrike" u="sng">
                 <a:solidFill>
                   <a:srgbClr val="0563c1"/>
                 </a:solidFill>
+                <a:uFillTx/>
                 <a:latin typeface="Times New Roman"/>
                 <a:ea typeface="Calibri"/>
                 <a:hlinkClick r:id="rId5"/>
@@ -6492,10 +5395,11 @@
               <a:t>, </a:t>
             </a:r>
             <a:r>
-              <a:rPr b="0" lang="en-US" sz="1800" spc="-1" strike="noStrike">
+              <a:rPr b="0" lang="en-US" sz="1800" spc="-1" strike="noStrike" u="sng">
                 <a:solidFill>
                   <a:srgbClr val="0563c1"/>
                 </a:solidFill>
+                <a:uFillTx/>
                 <a:latin typeface="Times New Roman"/>
                 <a:ea typeface="Calibri"/>
                 <a:hlinkClick r:id="rId6"/>
@@ -6503,10 +5407,11 @@
               <a:t>Informatică</a:t>
             </a:r>
             <a:r>
-              <a:rPr b="0" lang="en-US" sz="1800" spc="-1" strike="noStrike">
+              <a:rPr b="0" lang="en-US" sz="1800" spc="-1" strike="noStrike" u="sng">
                 <a:solidFill>
                   <a:srgbClr val="0563c1"/>
                 </a:solidFill>
+                <a:uFillTx/>
                 <a:latin typeface="Times New Roman"/>
                 <a:ea typeface="Calibri"/>
                 <a:hlinkClick r:id="rId7"/>
@@ -6514,10 +5419,11 @@
               <a:t> </a:t>
             </a:r>
             <a:r>
-              <a:rPr b="0" lang="en-US" sz="1800" spc="-1" strike="noStrike">
+              <a:rPr b="0" lang="en-US" sz="1800" spc="-1" strike="noStrike" u="sng">
                 <a:solidFill>
                   <a:srgbClr val="0563c1"/>
                 </a:solidFill>
+                <a:uFillTx/>
                 <a:latin typeface="Times New Roman"/>
                 <a:ea typeface="Calibri"/>
                 <a:hlinkClick r:id="rId8"/>
@@ -6525,10 +5431,11 @@
               <a:t>și</a:t>
             </a:r>
             <a:r>
-              <a:rPr b="0" lang="en-US" sz="1800" spc="-1" strike="noStrike">
+              <a:rPr b="0" lang="en-US" sz="1800" spc="-1" strike="noStrike" u="sng">
                 <a:solidFill>
                   <a:srgbClr val="0563c1"/>
                 </a:solidFill>
+                <a:uFillTx/>
                 <a:latin typeface="Times New Roman"/>
                 <a:ea typeface="Calibri"/>
                 <a:hlinkClick r:id="rId9"/>
@@ -6536,10 +5443,11 @@
               <a:t> </a:t>
             </a:r>
             <a:r>
-              <a:rPr b="0" lang="en-US" sz="1800" spc="-1" strike="noStrike">
+              <a:rPr b="0" lang="en-US" sz="1800" spc="-1" strike="noStrike" u="sng">
                 <a:solidFill>
                   <a:srgbClr val="0563c1"/>
                 </a:solidFill>
+                <a:uFillTx/>
                 <a:latin typeface="Times New Roman"/>
                 <a:ea typeface="Calibri"/>
                 <a:hlinkClick r:id="rId10"/>
@@ -6611,7 +5519,7 @@
       </p:grpSpPr>
       <p:sp>
         <p:nvSpPr>
-          <p:cNvPr id="57" name="PlaceHolder 1"/>
+          <p:cNvPr id="37" name="PlaceHolder 1"/>
           <p:cNvSpPr>
             <a:spLocks noGrp="1"/>
           </p:cNvSpPr>
@@ -6621,8 +5529,8 @@
         </p:nvSpPr>
         <p:spPr>
           <a:xfrm>
-            <a:off x="628560" y="1486800"/>
-            <a:ext cx="7886520" cy="905040"/>
+            <a:off x="228600" y="1371600"/>
+            <a:ext cx="7885800" cy="904320"/>
           </a:xfrm>
           <a:prstGeom prst="rect">
             <a:avLst/>
@@ -6637,11 +5545,14 @@
             <a:noAutofit/>
           </a:bodyPr>
           <a:p>
-            <a:pPr indent="0" algn="ctr" defTabSz="914400">
+            <a:pPr indent="0" defTabSz="914400">
               <a:lnSpc>
                 <a:spcPct val="90000"/>
               </a:lnSpc>
               <a:buNone/>
+              <a:tabLst>
+                <a:tab algn="l" pos="0"/>
+              </a:tabLst>
             </a:pPr>
             <a:r>
               <a:rPr b="1" lang="ro-MD" sz="3000" spc="-1" strike="noStrike">
@@ -6651,20 +5562,20 @@
                 <a:latin typeface="PT Sans"/>
                 <a:ea typeface="PT Sans"/>
               </a:rPr>
-              <a:t>...</a:t>
+              <a:t>Cuprins:</a:t>
             </a:r>
             <a:endParaRPr b="0" lang="en-US" sz="3000" spc="-1" strike="noStrike">
               <a:solidFill>
-                <a:schemeClr val="dk1"/>
-              </a:solidFill>
-              <a:latin typeface="Calibri"/>
+                <a:srgbClr val="000000"/>
+              </a:solidFill>
+              <a:latin typeface="Arial"/>
             </a:endParaRPr>
           </a:p>
         </p:txBody>
       </p:sp>
       <p:sp>
         <p:nvSpPr>
-          <p:cNvPr id="58" name="PlaceHolder 2"/>
+          <p:cNvPr id="38" name="PlaceHolder 2"/>
           <p:cNvSpPr>
             <a:spLocks noGrp="1"/>
           </p:cNvSpPr>
@@ -6674,8 +5585,8 @@
         </p:nvSpPr>
         <p:spPr>
           <a:xfrm>
-            <a:off x="628560" y="2476800"/>
-            <a:ext cx="7886520" cy="1191240"/>
+            <a:off x="572040" y="2286000"/>
+            <a:ext cx="7885800" cy="1190520"/>
           </a:xfrm>
           <a:prstGeom prst="rect">
             <a:avLst/>
@@ -6686,9 +5597,1305 @@
           </a:ln>
         </p:spPr>
         <p:txBody>
-          <a:bodyPr lIns="91440" rIns="91440" tIns="45720" bIns="45720" anchor="t">
-            <a:normAutofit/>
+          <a:bodyPr lIns="0" rIns="0" tIns="0" bIns="0" anchor="t">
+            <a:normAutofit fontScale="2777" lnSpcReduction="20000"/>
           </a:bodyPr>
+          <a:p>
+            <a:pPr indent="0" algn="ctr" defTabSz="914400">
+              <a:lnSpc>
+                <a:spcPct val="90000"/>
+              </a:lnSpc>
+              <a:spcBef>
+                <a:spcPts val="1191"/>
+              </a:spcBef>
+              <a:spcAft>
+                <a:spcPts val="992"/>
+              </a:spcAft>
+              <a:buNone/>
+              <a:tabLst>
+                <a:tab algn="l" pos="0"/>
+              </a:tabLst>
+            </a:pPr>
+            <a:r>
+              <a:rPr b="0" lang="en-US" sz="1000" spc="-1" strike="noStrike">
+                <a:solidFill>
+                  <a:srgbClr val="000000"/>
+                </a:solidFill>
+                <a:highlight>
+                  <a:srgbClr val="000000"/>
+                </a:highlight>
+                <a:latin typeface="PT Sans"/>
+                <a:ea typeface="PT Sans"/>
+              </a:rPr>
+              <a:t>… </a:t>
+            </a:r>
+            <a:r>
+              <a:rPr b="0" lang="en-US" sz="1000" spc="-1" strike="noStrike">
+                <a:solidFill>
+                  <a:srgbClr val="000000"/>
+                </a:solidFill>
+                <a:highlight>
+                  <a:srgbClr val="000000"/>
+                </a:highlight>
+                <a:latin typeface="PT Sans"/>
+                <a:ea typeface="PT Sans"/>
+              </a:rPr>
+              <a:t>Slide 1: Titlu</a:t>
+            </a:r>
+            <a:endParaRPr b="0" lang="en-US" sz="1000" spc="-1" strike="noStrike">
+              <a:solidFill>
+                <a:srgbClr val="000000"/>
+              </a:solidFill>
+              <a:latin typeface="Arial"/>
+            </a:endParaRPr>
+          </a:p>
+          <a:p>
+            <a:pPr indent="0" algn="ctr" defTabSz="914400">
+              <a:lnSpc>
+                <a:spcPct val="90000"/>
+              </a:lnSpc>
+              <a:spcBef>
+                <a:spcPts val="1191"/>
+              </a:spcBef>
+              <a:spcAft>
+                <a:spcPts val="992"/>
+              </a:spcAft>
+              <a:buNone/>
+              <a:tabLst>
+                <a:tab algn="l" pos="0"/>
+              </a:tabLst>
+            </a:pPr>
+            <a:r>
+              <a:rPr b="0" lang="en-US" sz="1000" spc="-1" strike="noStrike">
+                <a:solidFill>
+                  <a:srgbClr val="000000"/>
+                </a:solidFill>
+                <a:highlight>
+                  <a:srgbClr val="000000"/>
+                </a:highlight>
+                <a:latin typeface="PT Sans"/>
+                <a:ea typeface="PT Sans"/>
+              </a:rPr>
+              <a:t>Titlul prezentării: Aplicarea Sistemului de Management al Securității Informaționale în domeniul ...</a:t>
+            </a:r>
+            <a:endParaRPr b="0" lang="en-US" sz="1000" spc="-1" strike="noStrike">
+              <a:solidFill>
+                <a:srgbClr val="000000"/>
+              </a:solidFill>
+              <a:latin typeface="Arial"/>
+            </a:endParaRPr>
+          </a:p>
+          <a:p>
+            <a:pPr indent="0" algn="ctr" defTabSz="914400">
+              <a:lnSpc>
+                <a:spcPct val="90000"/>
+              </a:lnSpc>
+              <a:spcBef>
+                <a:spcPts val="1191"/>
+              </a:spcBef>
+              <a:spcAft>
+                <a:spcPts val="992"/>
+              </a:spcAft>
+              <a:buNone/>
+              <a:tabLst>
+                <a:tab algn="l" pos="0"/>
+              </a:tabLst>
+            </a:pPr>
+            <a:r>
+              <a:rPr b="0" lang="en-US" sz="1000" spc="-1" strike="noStrike">
+                <a:solidFill>
+                  <a:srgbClr val="000000"/>
+                </a:solidFill>
+                <a:highlight>
+                  <a:srgbClr val="000000"/>
+                </a:highlight>
+                <a:latin typeface="PT Sans"/>
+                <a:ea typeface="PT Sans"/>
+              </a:rPr>
+              <a:t>Numele prezentatorului</a:t>
+            </a:r>
+            <a:endParaRPr b="0" lang="en-US" sz="1000" spc="-1" strike="noStrike">
+              <a:solidFill>
+                <a:srgbClr val="000000"/>
+              </a:solidFill>
+              <a:latin typeface="Arial"/>
+            </a:endParaRPr>
+          </a:p>
+          <a:p>
+            <a:pPr indent="0" algn="ctr" defTabSz="914400">
+              <a:lnSpc>
+                <a:spcPct val="90000"/>
+              </a:lnSpc>
+              <a:spcBef>
+                <a:spcPts val="1191"/>
+              </a:spcBef>
+              <a:spcAft>
+                <a:spcPts val="992"/>
+              </a:spcAft>
+              <a:buNone/>
+              <a:tabLst>
+                <a:tab algn="l" pos="0"/>
+              </a:tabLst>
+            </a:pPr>
+            <a:r>
+              <a:rPr b="0" lang="en-US" sz="1000" spc="-1" strike="noStrike">
+                <a:solidFill>
+                  <a:srgbClr val="000000"/>
+                </a:solidFill>
+                <a:highlight>
+                  <a:srgbClr val="000000"/>
+                </a:highlight>
+                <a:latin typeface="PT Sans"/>
+                <a:ea typeface="PT Sans"/>
+              </a:rPr>
+              <a:t>Data</a:t>
+            </a:r>
+            <a:endParaRPr b="0" lang="en-US" sz="1000" spc="-1" strike="noStrike">
+              <a:solidFill>
+                <a:srgbClr val="000000"/>
+              </a:solidFill>
+              <a:latin typeface="Arial"/>
+            </a:endParaRPr>
+          </a:p>
+          <a:p>
+            <a:pPr indent="0" algn="ctr" defTabSz="914400">
+              <a:lnSpc>
+                <a:spcPct val="90000"/>
+              </a:lnSpc>
+              <a:spcBef>
+                <a:spcPts val="1191"/>
+              </a:spcBef>
+              <a:spcAft>
+                <a:spcPts val="992"/>
+              </a:spcAft>
+              <a:buNone/>
+              <a:tabLst>
+                <a:tab algn="l" pos="0"/>
+              </a:tabLst>
+            </a:pPr>
+            <a:r>
+              <a:rPr b="0" lang="en-US" sz="1000" spc="-1" strike="noStrike">
+                <a:solidFill>
+                  <a:srgbClr val="000000"/>
+                </a:solidFill>
+                <a:highlight>
+                  <a:srgbClr val="000000"/>
+                </a:highlight>
+                <a:latin typeface="PT Sans"/>
+                <a:ea typeface="PT Sans"/>
+              </a:rPr>
+              <a:t>Slide 2: Introducere</a:t>
+            </a:r>
+            <a:endParaRPr b="0" lang="en-US" sz="1000" spc="-1" strike="noStrike">
+              <a:solidFill>
+                <a:srgbClr val="000000"/>
+              </a:solidFill>
+              <a:latin typeface="Arial"/>
+            </a:endParaRPr>
+          </a:p>
+          <a:p>
+            <a:pPr indent="0" algn="ctr" defTabSz="914400">
+              <a:lnSpc>
+                <a:spcPct val="90000"/>
+              </a:lnSpc>
+              <a:spcBef>
+                <a:spcPts val="1191"/>
+              </a:spcBef>
+              <a:spcAft>
+                <a:spcPts val="992"/>
+              </a:spcAft>
+              <a:buNone/>
+              <a:tabLst>
+                <a:tab algn="l" pos="0"/>
+              </a:tabLst>
+            </a:pPr>
+            <a:r>
+              <a:rPr b="0" lang="en-US" sz="1000" spc="-1" strike="noStrike">
+                <a:solidFill>
+                  <a:srgbClr val="000000"/>
+                </a:solidFill>
+                <a:highlight>
+                  <a:srgbClr val="000000"/>
+                </a:highlight>
+                <a:latin typeface="PT Sans"/>
+                <a:ea typeface="PT Sans"/>
+              </a:rPr>
+              <a:t>Scopul prezentării</a:t>
+            </a:r>
+            <a:endParaRPr b="0" lang="en-US" sz="1000" spc="-1" strike="noStrike">
+              <a:solidFill>
+                <a:srgbClr val="000000"/>
+              </a:solidFill>
+              <a:latin typeface="Arial"/>
+            </a:endParaRPr>
+          </a:p>
+          <a:p>
+            <a:pPr indent="0" algn="ctr" defTabSz="914400">
+              <a:lnSpc>
+                <a:spcPct val="90000"/>
+              </a:lnSpc>
+              <a:spcBef>
+                <a:spcPts val="1191"/>
+              </a:spcBef>
+              <a:spcAft>
+                <a:spcPts val="992"/>
+              </a:spcAft>
+              <a:buNone/>
+              <a:tabLst>
+                <a:tab algn="l" pos="0"/>
+              </a:tabLst>
+            </a:pPr>
+            <a:r>
+              <a:rPr b="0" lang="en-US" sz="1000" spc="-1" strike="noStrike">
+                <a:solidFill>
+                  <a:srgbClr val="000000"/>
+                </a:solidFill>
+                <a:highlight>
+                  <a:srgbClr val="000000"/>
+                </a:highlight>
+                <a:latin typeface="PT Sans"/>
+                <a:ea typeface="PT Sans"/>
+              </a:rPr>
+              <a:t>Importanța securității informaționale în domeniul ales</a:t>
+            </a:r>
+            <a:endParaRPr b="0" lang="en-US" sz="1000" spc="-1" strike="noStrike">
+              <a:solidFill>
+                <a:srgbClr val="000000"/>
+              </a:solidFill>
+              <a:latin typeface="Arial"/>
+            </a:endParaRPr>
+          </a:p>
+          <a:p>
+            <a:pPr indent="0" algn="ctr" defTabSz="914400">
+              <a:lnSpc>
+                <a:spcPct val="90000"/>
+              </a:lnSpc>
+              <a:spcBef>
+                <a:spcPts val="1191"/>
+              </a:spcBef>
+              <a:spcAft>
+                <a:spcPts val="992"/>
+              </a:spcAft>
+              <a:buNone/>
+              <a:tabLst>
+                <a:tab algn="l" pos="0"/>
+              </a:tabLst>
+            </a:pPr>
+            <a:r>
+              <a:rPr b="0" lang="en-US" sz="1000" spc="-1" strike="noStrike">
+                <a:solidFill>
+                  <a:srgbClr val="000000"/>
+                </a:solidFill>
+                <a:highlight>
+                  <a:srgbClr val="000000"/>
+                </a:highlight>
+                <a:latin typeface="PT Sans"/>
+                <a:ea typeface="PT Sans"/>
+              </a:rPr>
+              <a:t>Slide 3: Definirea contextului întreprinderii</a:t>
+            </a:r>
+            <a:endParaRPr b="0" lang="en-US" sz="1000" spc="-1" strike="noStrike">
+              <a:solidFill>
+                <a:srgbClr val="000000"/>
+              </a:solidFill>
+              <a:latin typeface="Arial"/>
+            </a:endParaRPr>
+          </a:p>
+          <a:p>
+            <a:pPr indent="0" algn="ctr" defTabSz="914400">
+              <a:lnSpc>
+                <a:spcPct val="90000"/>
+              </a:lnSpc>
+              <a:spcBef>
+                <a:spcPts val="1191"/>
+              </a:spcBef>
+              <a:spcAft>
+                <a:spcPts val="992"/>
+              </a:spcAft>
+              <a:buNone/>
+              <a:tabLst>
+                <a:tab algn="l" pos="0"/>
+              </a:tabLst>
+            </a:pPr>
+            <a:r>
+              <a:rPr b="0" lang="en-US" sz="1000" spc="-1" strike="noStrike">
+                <a:solidFill>
+                  <a:srgbClr val="000000"/>
+                </a:solidFill>
+                <a:highlight>
+                  <a:srgbClr val="000000"/>
+                </a:highlight>
+                <a:latin typeface="PT Sans"/>
+                <a:ea typeface="PT Sans"/>
+              </a:rPr>
+              <a:t>Descrierea domeniului de interes</a:t>
+            </a:r>
+            <a:endParaRPr b="0" lang="en-US" sz="1000" spc="-1" strike="noStrike">
+              <a:solidFill>
+                <a:srgbClr val="000000"/>
+              </a:solidFill>
+              <a:latin typeface="Arial"/>
+            </a:endParaRPr>
+          </a:p>
+          <a:p>
+            <a:pPr indent="0" algn="ctr" defTabSz="914400">
+              <a:lnSpc>
+                <a:spcPct val="90000"/>
+              </a:lnSpc>
+              <a:spcBef>
+                <a:spcPts val="1191"/>
+              </a:spcBef>
+              <a:spcAft>
+                <a:spcPts val="992"/>
+              </a:spcAft>
+              <a:buNone/>
+              <a:tabLst>
+                <a:tab algn="l" pos="0"/>
+              </a:tabLst>
+            </a:pPr>
+            <a:r>
+              <a:rPr b="0" lang="en-US" sz="1000" spc="-1" strike="noStrike">
+                <a:solidFill>
+                  <a:srgbClr val="000000"/>
+                </a:solidFill>
+                <a:highlight>
+                  <a:srgbClr val="000000"/>
+                </a:highlight>
+                <a:latin typeface="PT Sans"/>
+                <a:ea typeface="PT Sans"/>
+              </a:rPr>
+              <a:t>Tipurile de date gestionate</a:t>
+            </a:r>
+            <a:endParaRPr b="0" lang="en-US" sz="1000" spc="-1" strike="noStrike">
+              <a:solidFill>
+                <a:srgbClr val="000000"/>
+              </a:solidFill>
+              <a:latin typeface="Arial"/>
+            </a:endParaRPr>
+          </a:p>
+          <a:p>
+            <a:pPr indent="0" algn="ctr" defTabSz="914400">
+              <a:lnSpc>
+                <a:spcPct val="90000"/>
+              </a:lnSpc>
+              <a:spcBef>
+                <a:spcPts val="1191"/>
+              </a:spcBef>
+              <a:spcAft>
+                <a:spcPts val="992"/>
+              </a:spcAft>
+              <a:buNone/>
+              <a:tabLst>
+                <a:tab algn="l" pos="0"/>
+              </a:tabLst>
+            </a:pPr>
+            <a:r>
+              <a:rPr b="0" lang="en-US" sz="1000" spc="-1" strike="noStrike">
+                <a:solidFill>
+                  <a:srgbClr val="000000"/>
+                </a:solidFill>
+                <a:highlight>
+                  <a:srgbClr val="000000"/>
+                </a:highlight>
+                <a:latin typeface="PT Sans"/>
+                <a:ea typeface="PT Sans"/>
+              </a:rPr>
+              <a:t>Infrastructura TIC relevantă</a:t>
+            </a:r>
+            <a:endParaRPr b="0" lang="en-US" sz="1000" spc="-1" strike="noStrike">
+              <a:solidFill>
+                <a:srgbClr val="000000"/>
+              </a:solidFill>
+              <a:latin typeface="Arial"/>
+            </a:endParaRPr>
+          </a:p>
+          <a:p>
+            <a:pPr indent="0" algn="ctr" defTabSz="914400">
+              <a:lnSpc>
+                <a:spcPct val="90000"/>
+              </a:lnSpc>
+              <a:spcBef>
+                <a:spcPts val="1191"/>
+              </a:spcBef>
+              <a:spcAft>
+                <a:spcPts val="992"/>
+              </a:spcAft>
+              <a:buNone/>
+              <a:tabLst>
+                <a:tab algn="l" pos="0"/>
+              </a:tabLst>
+            </a:pPr>
+            <a:r>
+              <a:rPr b="0" lang="en-US" sz="1000" spc="-1" strike="noStrike">
+                <a:solidFill>
+                  <a:srgbClr val="000000"/>
+                </a:solidFill>
+                <a:highlight>
+                  <a:srgbClr val="000000"/>
+                </a:highlight>
+                <a:latin typeface="PT Sans"/>
+                <a:ea typeface="PT Sans"/>
+              </a:rPr>
+              <a:t>Slide 4: Cadrul legal aplicabil</a:t>
+            </a:r>
+            <a:endParaRPr b="0" lang="en-US" sz="1000" spc="-1" strike="noStrike">
+              <a:solidFill>
+                <a:srgbClr val="000000"/>
+              </a:solidFill>
+              <a:latin typeface="Arial"/>
+            </a:endParaRPr>
+          </a:p>
+          <a:p>
+            <a:pPr indent="0" algn="ctr" defTabSz="914400">
+              <a:lnSpc>
+                <a:spcPct val="90000"/>
+              </a:lnSpc>
+              <a:spcBef>
+                <a:spcPts val="1191"/>
+              </a:spcBef>
+              <a:spcAft>
+                <a:spcPts val="992"/>
+              </a:spcAft>
+              <a:buNone/>
+              <a:tabLst>
+                <a:tab algn="l" pos="0"/>
+              </a:tabLst>
+            </a:pPr>
+            <a:r>
+              <a:rPr b="0" lang="en-US" sz="1000" spc="-1" strike="noStrike">
+                <a:solidFill>
+                  <a:srgbClr val="000000"/>
+                </a:solidFill>
+                <a:highlight>
+                  <a:srgbClr val="000000"/>
+                </a:highlight>
+                <a:latin typeface="PT Sans"/>
+                <a:ea typeface="PT Sans"/>
+              </a:rPr>
+              <a:t>Normele și reglementările relevante (R. Moldova și UE)</a:t>
+            </a:r>
+            <a:endParaRPr b="0" lang="en-US" sz="1000" spc="-1" strike="noStrike">
+              <a:solidFill>
+                <a:srgbClr val="000000"/>
+              </a:solidFill>
+              <a:latin typeface="Arial"/>
+            </a:endParaRPr>
+          </a:p>
+          <a:p>
+            <a:pPr indent="0" algn="ctr" defTabSz="914400">
+              <a:lnSpc>
+                <a:spcPct val="90000"/>
+              </a:lnSpc>
+              <a:spcBef>
+                <a:spcPts val="1191"/>
+              </a:spcBef>
+              <a:spcAft>
+                <a:spcPts val="992"/>
+              </a:spcAft>
+              <a:buNone/>
+              <a:tabLst>
+                <a:tab algn="l" pos="0"/>
+              </a:tabLst>
+            </a:pPr>
+            <a:r>
+              <a:rPr b="0" lang="en-US" sz="1000" spc="-1" strike="noStrike">
+                <a:solidFill>
+                  <a:srgbClr val="000000"/>
+                </a:solidFill>
+                <a:highlight>
+                  <a:srgbClr val="000000"/>
+                </a:highlight>
+                <a:latin typeface="PT Sans"/>
+                <a:ea typeface="PT Sans"/>
+              </a:rPr>
+              <a:t>Standardele de securitate aplicabile (ISO 27001, NIST, CIS Controls)</a:t>
+            </a:r>
+            <a:endParaRPr b="0" lang="en-US" sz="1000" spc="-1" strike="noStrike">
+              <a:solidFill>
+                <a:srgbClr val="000000"/>
+              </a:solidFill>
+              <a:latin typeface="Arial"/>
+            </a:endParaRPr>
+          </a:p>
+          <a:p>
+            <a:pPr indent="0" algn="ctr" defTabSz="914400">
+              <a:lnSpc>
+                <a:spcPct val="90000"/>
+              </a:lnSpc>
+              <a:spcBef>
+                <a:spcPts val="1191"/>
+              </a:spcBef>
+              <a:spcAft>
+                <a:spcPts val="992"/>
+              </a:spcAft>
+              <a:buNone/>
+              <a:tabLst>
+                <a:tab algn="l" pos="0"/>
+              </a:tabLst>
+            </a:pPr>
+            <a:r>
+              <a:rPr b="0" lang="en-US" sz="1000" spc="-1" strike="noStrike">
+                <a:solidFill>
+                  <a:srgbClr val="000000"/>
+                </a:solidFill>
+                <a:highlight>
+                  <a:srgbClr val="000000"/>
+                </a:highlight>
+                <a:latin typeface="PT Sans"/>
+                <a:ea typeface="PT Sans"/>
+              </a:rPr>
+              <a:t>Slide 5: Proiectarea politicilor de securitate</a:t>
+            </a:r>
+            <a:endParaRPr b="0" lang="en-US" sz="1000" spc="-1" strike="noStrike">
+              <a:solidFill>
+                <a:srgbClr val="000000"/>
+              </a:solidFill>
+              <a:latin typeface="Arial"/>
+            </a:endParaRPr>
+          </a:p>
+          <a:p>
+            <a:pPr indent="0" algn="ctr" defTabSz="914400">
+              <a:lnSpc>
+                <a:spcPct val="90000"/>
+              </a:lnSpc>
+              <a:spcBef>
+                <a:spcPts val="1191"/>
+              </a:spcBef>
+              <a:spcAft>
+                <a:spcPts val="992"/>
+              </a:spcAft>
+              <a:buNone/>
+              <a:tabLst>
+                <a:tab algn="l" pos="0"/>
+              </a:tabLst>
+            </a:pPr>
+            <a:r>
+              <a:rPr b="0" lang="en-US" sz="1000" spc="-1" strike="noStrike">
+                <a:solidFill>
+                  <a:srgbClr val="000000"/>
+                </a:solidFill>
+                <a:highlight>
+                  <a:srgbClr val="000000"/>
+                </a:highlight>
+                <a:latin typeface="PT Sans"/>
+                <a:ea typeface="PT Sans"/>
+              </a:rPr>
+              <a:t>Structura documentației de securitate (Politici, Proceduri, Norme, Regulamente, Instrucțiuni)</a:t>
+            </a:r>
+            <a:endParaRPr b="0" lang="en-US" sz="1000" spc="-1" strike="noStrike">
+              <a:solidFill>
+                <a:srgbClr val="000000"/>
+              </a:solidFill>
+              <a:latin typeface="Arial"/>
+            </a:endParaRPr>
+          </a:p>
+          <a:p>
+            <a:pPr indent="0" algn="ctr" defTabSz="914400">
+              <a:lnSpc>
+                <a:spcPct val="90000"/>
+              </a:lnSpc>
+              <a:spcBef>
+                <a:spcPts val="1191"/>
+              </a:spcBef>
+              <a:spcAft>
+                <a:spcPts val="992"/>
+              </a:spcAft>
+              <a:buNone/>
+              <a:tabLst>
+                <a:tab algn="l" pos="0"/>
+              </a:tabLst>
+            </a:pPr>
+            <a:r>
+              <a:rPr b="0" lang="en-US" sz="1000" spc="-1" strike="noStrike">
+                <a:solidFill>
+                  <a:srgbClr val="000000"/>
+                </a:solidFill>
+                <a:highlight>
+                  <a:srgbClr val="000000"/>
+                </a:highlight>
+                <a:latin typeface="PT Sans"/>
+                <a:ea typeface="PT Sans"/>
+              </a:rPr>
+              <a:t>Prezentarea echipei SMSI și a fiselor de post</a:t>
+            </a:r>
+            <a:endParaRPr b="0" lang="en-US" sz="1000" spc="-1" strike="noStrike">
+              <a:solidFill>
+                <a:srgbClr val="000000"/>
+              </a:solidFill>
+              <a:latin typeface="Arial"/>
+            </a:endParaRPr>
+          </a:p>
+          <a:p>
+            <a:pPr indent="0" algn="ctr" defTabSz="914400">
+              <a:lnSpc>
+                <a:spcPct val="90000"/>
+              </a:lnSpc>
+              <a:spcBef>
+                <a:spcPts val="1191"/>
+              </a:spcBef>
+              <a:spcAft>
+                <a:spcPts val="992"/>
+              </a:spcAft>
+              <a:buNone/>
+              <a:tabLst>
+                <a:tab algn="l" pos="0"/>
+              </a:tabLst>
+            </a:pPr>
+            <a:r>
+              <a:rPr b="0" lang="en-US" sz="1000" spc="-1" strike="noStrike">
+                <a:solidFill>
+                  <a:srgbClr val="000000"/>
+                </a:solidFill>
+                <a:highlight>
+                  <a:srgbClr val="000000"/>
+                </a:highlight>
+                <a:latin typeface="PT Sans"/>
+                <a:ea typeface="PT Sans"/>
+              </a:rPr>
+              <a:t>Slide 6: Metodologia de gestionare a riscurilor de securitate</a:t>
+            </a:r>
+            <a:endParaRPr b="0" lang="en-US" sz="1000" spc="-1" strike="noStrike">
+              <a:solidFill>
+                <a:srgbClr val="000000"/>
+              </a:solidFill>
+              <a:latin typeface="Arial"/>
+            </a:endParaRPr>
+          </a:p>
+          <a:p>
+            <a:pPr indent="0" algn="ctr" defTabSz="914400">
+              <a:lnSpc>
+                <a:spcPct val="90000"/>
+              </a:lnSpc>
+              <a:spcBef>
+                <a:spcPts val="1191"/>
+              </a:spcBef>
+              <a:spcAft>
+                <a:spcPts val="992"/>
+              </a:spcAft>
+              <a:buNone/>
+              <a:tabLst>
+                <a:tab algn="l" pos="0"/>
+              </a:tabLst>
+            </a:pPr>
+            <a:r>
+              <a:rPr b="0" lang="en-US" sz="1000" spc="-1" strike="noStrike">
+                <a:solidFill>
+                  <a:srgbClr val="000000"/>
+                </a:solidFill>
+                <a:highlight>
+                  <a:srgbClr val="000000"/>
+                </a:highlight>
+                <a:latin typeface="PT Sans"/>
+                <a:ea typeface="PT Sans"/>
+              </a:rPr>
+              <a:t>Metodologii de analiză și evaluare a riscurilor (Microsoft, ISO 27005, NUSP SP 800-30)</a:t>
+            </a:r>
+            <a:endParaRPr b="0" lang="en-US" sz="1000" spc="-1" strike="noStrike">
+              <a:solidFill>
+                <a:srgbClr val="000000"/>
+              </a:solidFill>
+              <a:latin typeface="Arial"/>
+            </a:endParaRPr>
+          </a:p>
+          <a:p>
+            <a:pPr indent="0" algn="ctr" defTabSz="914400">
+              <a:lnSpc>
+                <a:spcPct val="90000"/>
+              </a:lnSpc>
+              <a:spcBef>
+                <a:spcPts val="1191"/>
+              </a:spcBef>
+              <a:spcAft>
+                <a:spcPts val="992"/>
+              </a:spcAft>
+              <a:buNone/>
+              <a:tabLst>
+                <a:tab algn="l" pos="0"/>
+              </a:tabLst>
+            </a:pPr>
+            <a:r>
+              <a:rPr b="0" lang="en-US" sz="1000" spc="-1" strike="noStrike">
+                <a:solidFill>
+                  <a:srgbClr val="000000"/>
+                </a:solidFill>
+                <a:highlight>
+                  <a:srgbClr val="000000"/>
+                </a:highlight>
+                <a:latin typeface="PT Sans"/>
+                <a:ea typeface="PT Sans"/>
+              </a:rPr>
+              <a:t>Lista activelor, vulnerabilităților și amenințărilor</a:t>
+            </a:r>
+            <a:endParaRPr b="0" lang="en-US" sz="1000" spc="-1" strike="noStrike">
+              <a:solidFill>
+                <a:srgbClr val="000000"/>
+              </a:solidFill>
+              <a:latin typeface="Arial"/>
+            </a:endParaRPr>
+          </a:p>
+          <a:p>
+            <a:pPr indent="0" algn="ctr" defTabSz="914400">
+              <a:lnSpc>
+                <a:spcPct val="90000"/>
+              </a:lnSpc>
+              <a:spcBef>
+                <a:spcPts val="1191"/>
+              </a:spcBef>
+              <a:spcAft>
+                <a:spcPts val="992"/>
+              </a:spcAft>
+              <a:buNone/>
+              <a:tabLst>
+                <a:tab algn="l" pos="0"/>
+              </a:tabLst>
+            </a:pPr>
+            <a:r>
+              <a:rPr b="0" lang="en-US" sz="1000" spc="-1" strike="noStrike">
+                <a:solidFill>
+                  <a:srgbClr val="000000"/>
+                </a:solidFill>
+                <a:highlight>
+                  <a:srgbClr val="000000"/>
+                </a:highlight>
+                <a:latin typeface="PT Sans"/>
+                <a:ea typeface="PT Sans"/>
+              </a:rPr>
+              <a:t>Raportul de evaluare și tratare a riscurilor</a:t>
+            </a:r>
+            <a:endParaRPr b="0" lang="en-US" sz="1000" spc="-1" strike="noStrike">
+              <a:solidFill>
+                <a:srgbClr val="000000"/>
+              </a:solidFill>
+              <a:latin typeface="Arial"/>
+            </a:endParaRPr>
+          </a:p>
+          <a:p>
+            <a:pPr indent="0" algn="ctr" defTabSz="914400">
+              <a:lnSpc>
+                <a:spcPct val="90000"/>
+              </a:lnSpc>
+              <a:spcBef>
+                <a:spcPts val="1191"/>
+              </a:spcBef>
+              <a:spcAft>
+                <a:spcPts val="992"/>
+              </a:spcAft>
+              <a:buNone/>
+              <a:tabLst>
+                <a:tab algn="l" pos="0"/>
+              </a:tabLst>
+            </a:pPr>
+            <a:r>
+              <a:rPr b="0" lang="en-US" sz="1000" spc="-1" strike="noStrike">
+                <a:solidFill>
+                  <a:srgbClr val="000000"/>
+                </a:solidFill>
+                <a:highlight>
+                  <a:srgbClr val="000000"/>
+                </a:highlight>
+                <a:latin typeface="PT Sans"/>
+                <a:ea typeface="PT Sans"/>
+              </a:rPr>
+              <a:t>Slide 7: Declarația de aplicabilitate</a:t>
+            </a:r>
+            <a:endParaRPr b="0" lang="en-US" sz="1000" spc="-1" strike="noStrike">
+              <a:solidFill>
+                <a:srgbClr val="000000"/>
+              </a:solidFill>
+              <a:latin typeface="Arial"/>
+            </a:endParaRPr>
+          </a:p>
+          <a:p>
+            <a:pPr indent="0" algn="ctr" defTabSz="914400">
+              <a:lnSpc>
+                <a:spcPct val="90000"/>
+              </a:lnSpc>
+              <a:spcBef>
+                <a:spcPts val="1191"/>
+              </a:spcBef>
+              <a:spcAft>
+                <a:spcPts val="992"/>
+              </a:spcAft>
+              <a:buNone/>
+              <a:tabLst>
+                <a:tab algn="l" pos="0"/>
+              </a:tabLst>
+            </a:pPr>
+            <a:r>
+              <a:rPr b="0" lang="en-US" sz="1000" spc="-1" strike="noStrike">
+                <a:solidFill>
+                  <a:srgbClr val="000000"/>
+                </a:solidFill>
+                <a:highlight>
+                  <a:srgbClr val="000000"/>
+                </a:highlight>
+                <a:latin typeface="PT Sans"/>
+                <a:ea typeface="PT Sans"/>
+              </a:rPr>
+              <a:t>Controalele aplicabile pentru domeniul ales (ISO 27002, NIST SP 800-53, CIS Controls)</a:t>
+            </a:r>
+            <a:endParaRPr b="0" lang="en-US" sz="1000" spc="-1" strike="noStrike">
+              <a:solidFill>
+                <a:srgbClr val="000000"/>
+              </a:solidFill>
+              <a:latin typeface="Arial"/>
+            </a:endParaRPr>
+          </a:p>
+          <a:p>
+            <a:pPr indent="0" algn="ctr" defTabSz="914400">
+              <a:lnSpc>
+                <a:spcPct val="90000"/>
+              </a:lnSpc>
+              <a:spcBef>
+                <a:spcPts val="1191"/>
+              </a:spcBef>
+              <a:spcAft>
+                <a:spcPts val="992"/>
+              </a:spcAft>
+              <a:buNone/>
+              <a:tabLst>
+                <a:tab algn="l" pos="0"/>
+              </a:tabLst>
+            </a:pPr>
+            <a:r>
+              <a:rPr b="0" lang="en-US" sz="1000" spc="-1" strike="noStrike">
+                <a:solidFill>
+                  <a:srgbClr val="000000"/>
+                </a:solidFill>
+                <a:highlight>
+                  <a:srgbClr val="000000"/>
+                </a:highlight>
+                <a:latin typeface="PT Sans"/>
+                <a:ea typeface="PT Sans"/>
+              </a:rPr>
+              <a:t>Nivelul de maturitate după Cobit v.5</a:t>
+            </a:r>
+            <a:endParaRPr b="0" lang="en-US" sz="1000" spc="-1" strike="noStrike">
+              <a:solidFill>
+                <a:srgbClr val="000000"/>
+              </a:solidFill>
+              <a:latin typeface="Arial"/>
+            </a:endParaRPr>
+          </a:p>
+          <a:p>
+            <a:pPr indent="0" algn="ctr" defTabSz="914400">
+              <a:lnSpc>
+                <a:spcPct val="90000"/>
+              </a:lnSpc>
+              <a:spcBef>
+                <a:spcPts val="1191"/>
+              </a:spcBef>
+              <a:spcAft>
+                <a:spcPts val="992"/>
+              </a:spcAft>
+              <a:buNone/>
+              <a:tabLst>
+                <a:tab algn="l" pos="0"/>
+              </a:tabLst>
+            </a:pPr>
+            <a:r>
+              <a:rPr b="0" lang="en-US" sz="1000" spc="-1" strike="noStrike">
+                <a:solidFill>
+                  <a:srgbClr val="000000"/>
+                </a:solidFill>
+                <a:highlight>
+                  <a:srgbClr val="000000"/>
+                </a:highlight>
+                <a:latin typeface="PT Sans"/>
+                <a:ea typeface="PT Sans"/>
+              </a:rPr>
+              <a:t>Slide 8: Controalele de securitate</a:t>
+            </a:r>
+            <a:endParaRPr b="0" lang="en-US" sz="1000" spc="-1" strike="noStrike">
+              <a:solidFill>
+                <a:srgbClr val="000000"/>
+              </a:solidFill>
+              <a:latin typeface="Arial"/>
+            </a:endParaRPr>
+          </a:p>
+          <a:p>
+            <a:pPr indent="0" algn="ctr" defTabSz="914400">
+              <a:lnSpc>
+                <a:spcPct val="90000"/>
+              </a:lnSpc>
+              <a:spcBef>
+                <a:spcPts val="1191"/>
+              </a:spcBef>
+              <a:spcAft>
+                <a:spcPts val="992"/>
+              </a:spcAft>
+              <a:buNone/>
+              <a:tabLst>
+                <a:tab algn="l" pos="0"/>
+              </a:tabLst>
+            </a:pPr>
+            <a:r>
+              <a:rPr b="0" lang="en-US" sz="1000" spc="-1" strike="noStrike">
+                <a:solidFill>
+                  <a:srgbClr val="000000"/>
+                </a:solidFill>
+                <a:highlight>
+                  <a:srgbClr val="000000"/>
+                </a:highlight>
+                <a:latin typeface="PT Sans"/>
+                <a:ea typeface="PT Sans"/>
+              </a:rPr>
+              <a:t>Politicile specifice controalelor de securitate</a:t>
+            </a:r>
+            <a:endParaRPr b="0" lang="en-US" sz="1000" spc="-1" strike="noStrike">
+              <a:solidFill>
+                <a:srgbClr val="000000"/>
+              </a:solidFill>
+              <a:latin typeface="Arial"/>
+            </a:endParaRPr>
+          </a:p>
+          <a:p>
+            <a:pPr indent="0" algn="ctr" defTabSz="914400">
+              <a:lnSpc>
+                <a:spcPct val="90000"/>
+              </a:lnSpc>
+              <a:spcBef>
+                <a:spcPts val="1191"/>
+              </a:spcBef>
+              <a:spcAft>
+                <a:spcPts val="992"/>
+              </a:spcAft>
+              <a:buNone/>
+              <a:tabLst>
+                <a:tab algn="l" pos="0"/>
+              </a:tabLst>
+            </a:pPr>
+            <a:r>
+              <a:rPr b="0" lang="en-US" sz="1000" spc="-1" strike="noStrike">
+                <a:solidFill>
+                  <a:srgbClr val="000000"/>
+                </a:solidFill>
+                <a:highlight>
+                  <a:srgbClr val="000000"/>
+                </a:highlight>
+                <a:latin typeface="PT Sans"/>
+                <a:ea typeface="PT Sans"/>
+              </a:rPr>
+              <a:t>Programe de training și conștientizare</a:t>
+            </a:r>
+            <a:endParaRPr b="0" lang="en-US" sz="1000" spc="-1" strike="noStrike">
+              <a:solidFill>
+                <a:srgbClr val="000000"/>
+              </a:solidFill>
+              <a:latin typeface="Arial"/>
+            </a:endParaRPr>
+          </a:p>
+          <a:p>
+            <a:pPr indent="0" algn="ctr" defTabSz="914400">
+              <a:lnSpc>
+                <a:spcPct val="90000"/>
+              </a:lnSpc>
+              <a:spcBef>
+                <a:spcPts val="1191"/>
+              </a:spcBef>
+              <a:spcAft>
+                <a:spcPts val="992"/>
+              </a:spcAft>
+              <a:buNone/>
+              <a:tabLst>
+                <a:tab algn="l" pos="0"/>
+              </a:tabLst>
+            </a:pPr>
+            <a:r>
+              <a:rPr b="0" lang="en-US" sz="1000" spc="-1" strike="noStrike">
+                <a:solidFill>
+                  <a:srgbClr val="000000"/>
+                </a:solidFill>
+                <a:highlight>
+                  <a:srgbClr val="000000"/>
+                </a:highlight>
+                <a:latin typeface="PT Sans"/>
+                <a:ea typeface="PT Sans"/>
+              </a:rPr>
+              <a:t>Slide 9: Revizuirea și optimizarea SMSI</a:t>
+            </a:r>
+            <a:endParaRPr b="0" lang="en-US" sz="1000" spc="-1" strike="noStrike">
+              <a:solidFill>
+                <a:srgbClr val="000000"/>
+              </a:solidFill>
+              <a:latin typeface="Arial"/>
+            </a:endParaRPr>
+          </a:p>
+          <a:p>
+            <a:pPr indent="0" algn="ctr" defTabSz="914400">
+              <a:lnSpc>
+                <a:spcPct val="90000"/>
+              </a:lnSpc>
+              <a:spcBef>
+                <a:spcPts val="1191"/>
+              </a:spcBef>
+              <a:spcAft>
+                <a:spcPts val="992"/>
+              </a:spcAft>
+              <a:buNone/>
+              <a:tabLst>
+                <a:tab algn="l" pos="0"/>
+              </a:tabLst>
+            </a:pPr>
+            <a:r>
+              <a:rPr b="0" lang="en-US" sz="1000" spc="-1" strike="noStrike">
+                <a:solidFill>
+                  <a:srgbClr val="000000"/>
+                </a:solidFill>
+                <a:highlight>
+                  <a:srgbClr val="000000"/>
+                </a:highlight>
+                <a:latin typeface="PT Sans"/>
+                <a:ea typeface="PT Sans"/>
+              </a:rPr>
+              <a:t>Procedurile de audit intern</a:t>
+            </a:r>
+            <a:endParaRPr b="0" lang="en-US" sz="1000" spc="-1" strike="noStrike">
+              <a:solidFill>
+                <a:srgbClr val="000000"/>
+              </a:solidFill>
+              <a:latin typeface="Arial"/>
+            </a:endParaRPr>
+          </a:p>
+          <a:p>
+            <a:pPr indent="0" algn="ctr" defTabSz="914400">
+              <a:lnSpc>
+                <a:spcPct val="90000"/>
+              </a:lnSpc>
+              <a:spcBef>
+                <a:spcPts val="1191"/>
+              </a:spcBef>
+              <a:spcAft>
+                <a:spcPts val="992"/>
+              </a:spcAft>
+              <a:buNone/>
+              <a:tabLst>
+                <a:tab algn="l" pos="0"/>
+              </a:tabLst>
+            </a:pPr>
+            <a:r>
+              <a:rPr b="0" lang="en-US" sz="1000" spc="-1" strike="noStrike">
+                <a:solidFill>
+                  <a:srgbClr val="000000"/>
+                </a:solidFill>
+                <a:highlight>
+                  <a:srgbClr val="000000"/>
+                </a:highlight>
+                <a:latin typeface="PT Sans"/>
+                <a:ea typeface="PT Sans"/>
+              </a:rPr>
+              <a:t>Instrumentele pentru optimizarea etapelor SMSI</a:t>
+            </a:r>
+            <a:endParaRPr b="0" lang="en-US" sz="1000" spc="-1" strike="noStrike">
+              <a:solidFill>
+                <a:srgbClr val="000000"/>
+              </a:solidFill>
+              <a:latin typeface="Arial"/>
+            </a:endParaRPr>
+          </a:p>
+          <a:p>
+            <a:pPr indent="0" algn="ctr" defTabSz="914400">
+              <a:lnSpc>
+                <a:spcPct val="90000"/>
+              </a:lnSpc>
+              <a:spcBef>
+                <a:spcPts val="1191"/>
+              </a:spcBef>
+              <a:spcAft>
+                <a:spcPts val="992"/>
+              </a:spcAft>
+              <a:buNone/>
+              <a:tabLst>
+                <a:tab algn="l" pos="0"/>
+              </a:tabLst>
+            </a:pPr>
+            <a:r>
+              <a:rPr b="0" lang="en-US" sz="1000" spc="-1" strike="noStrike">
+                <a:solidFill>
+                  <a:srgbClr val="000000"/>
+                </a:solidFill>
+                <a:highlight>
+                  <a:srgbClr val="000000"/>
+                </a:highlight>
+                <a:latin typeface="PT Sans"/>
+                <a:ea typeface="PT Sans"/>
+              </a:rPr>
+              <a:t>Slide 10: Concluzii</a:t>
+            </a:r>
+            <a:endParaRPr b="0" lang="en-US" sz="1000" spc="-1" strike="noStrike">
+              <a:solidFill>
+                <a:srgbClr val="000000"/>
+              </a:solidFill>
+              <a:latin typeface="Arial"/>
+            </a:endParaRPr>
+          </a:p>
+          <a:p>
+            <a:pPr indent="0" algn="ctr" defTabSz="914400">
+              <a:lnSpc>
+                <a:spcPct val="90000"/>
+              </a:lnSpc>
+              <a:spcBef>
+                <a:spcPts val="1191"/>
+              </a:spcBef>
+              <a:spcAft>
+                <a:spcPts val="992"/>
+              </a:spcAft>
+              <a:buNone/>
+              <a:tabLst>
+                <a:tab algn="l" pos="0"/>
+              </a:tabLst>
+            </a:pPr>
+            <a:r>
+              <a:rPr b="0" lang="en-US" sz="1000" spc="-1" strike="noStrike">
+                <a:solidFill>
+                  <a:srgbClr val="000000"/>
+                </a:solidFill>
+                <a:highlight>
+                  <a:srgbClr val="000000"/>
+                </a:highlight>
+                <a:latin typeface="PT Sans"/>
+                <a:ea typeface="PT Sans"/>
+              </a:rPr>
+              <a:t>Rezumatul principalelor puncte</a:t>
+            </a:r>
+            <a:endParaRPr b="0" lang="en-US" sz="1000" spc="-1" strike="noStrike">
+              <a:solidFill>
+                <a:srgbClr val="000000"/>
+              </a:solidFill>
+              <a:latin typeface="Arial"/>
+            </a:endParaRPr>
+          </a:p>
+          <a:p>
+            <a:pPr indent="0" algn="ctr" defTabSz="914400">
+              <a:lnSpc>
+                <a:spcPct val="90000"/>
+              </a:lnSpc>
+              <a:spcBef>
+                <a:spcPts val="1191"/>
+              </a:spcBef>
+              <a:spcAft>
+                <a:spcPts val="992"/>
+              </a:spcAft>
+              <a:buNone/>
+              <a:tabLst>
+                <a:tab algn="l" pos="0"/>
+              </a:tabLst>
+            </a:pPr>
+            <a:r>
+              <a:rPr b="0" lang="en-US" sz="1000" spc="-1" strike="noStrike">
+                <a:solidFill>
+                  <a:srgbClr val="000000"/>
+                </a:solidFill>
+                <a:highlight>
+                  <a:srgbClr val="000000"/>
+                </a:highlight>
+                <a:latin typeface="PT Sans"/>
+                <a:ea typeface="PT Sans"/>
+              </a:rPr>
+              <a:t>Importanța implementării unui SMSI robust</a:t>
+            </a:r>
+            <a:endParaRPr b="0" lang="en-US" sz="1000" spc="-1" strike="noStrike">
+              <a:solidFill>
+                <a:srgbClr val="000000"/>
+              </a:solidFill>
+              <a:latin typeface="Arial"/>
+            </a:endParaRPr>
+          </a:p>
+          <a:p>
+            <a:pPr indent="0" algn="ctr" defTabSz="914400">
+              <a:lnSpc>
+                <a:spcPct val="90000"/>
+              </a:lnSpc>
+              <a:spcBef>
+                <a:spcPts val="1191"/>
+              </a:spcBef>
+              <a:spcAft>
+                <a:spcPts val="992"/>
+              </a:spcAft>
+              <a:buNone/>
+              <a:tabLst>
+                <a:tab algn="l" pos="0"/>
+              </a:tabLst>
+            </a:pPr>
+            <a:r>
+              <a:rPr b="0" lang="en-US" sz="1000" spc="-1" strike="noStrike">
+                <a:solidFill>
+                  <a:srgbClr val="000000"/>
+                </a:solidFill>
+                <a:highlight>
+                  <a:srgbClr val="000000"/>
+                </a:highlight>
+                <a:latin typeface="PT Sans"/>
+                <a:ea typeface="PT Sans"/>
+              </a:rPr>
+              <a:t>Slide 11: Întrebări și Răspunsuri</a:t>
+            </a:r>
+            <a:endParaRPr b="0" lang="en-US" sz="1000" spc="-1" strike="noStrike">
+              <a:solidFill>
+                <a:srgbClr val="000000"/>
+              </a:solidFill>
+              <a:latin typeface="Arial"/>
+            </a:endParaRPr>
+          </a:p>
+          <a:p>
+            <a:pPr indent="0" algn="ctr" defTabSz="914400">
+              <a:lnSpc>
+                <a:spcPct val="90000"/>
+              </a:lnSpc>
+              <a:spcBef>
+                <a:spcPts val="1191"/>
+              </a:spcBef>
+              <a:spcAft>
+                <a:spcPts val="992"/>
+              </a:spcAft>
+              <a:buNone/>
+              <a:tabLst>
+                <a:tab algn="l" pos="0"/>
+              </a:tabLst>
+            </a:pPr>
+            <a:r>
+              <a:rPr b="0" lang="en-US" sz="1000" spc="-1" strike="noStrike">
+                <a:solidFill>
+                  <a:srgbClr val="000000"/>
+                </a:solidFill>
+                <a:highlight>
+                  <a:srgbClr val="000000"/>
+                </a:highlight>
+                <a:latin typeface="PT Sans"/>
+                <a:ea typeface="PT Sans"/>
+              </a:rPr>
+              <a:t>Invitație pentru întrebări din partea audienței</a:t>
+            </a:r>
+            <a:endParaRPr b="0" lang="en-US" sz="1000" spc="-1" strike="noStrike">
+              <a:solidFill>
+                <a:srgbClr val="000000"/>
+              </a:solidFill>
+              <a:latin typeface="Arial"/>
+            </a:endParaRPr>
+          </a:p>
+          <a:p>
+            <a:pPr indent="0" algn="ctr" defTabSz="914400">
+              <a:lnSpc>
+                <a:spcPct val="90000"/>
+              </a:lnSpc>
+              <a:spcBef>
+                <a:spcPts val="1191"/>
+              </a:spcBef>
+              <a:spcAft>
+                <a:spcPts val="992"/>
+              </a:spcAft>
+              <a:buNone/>
+              <a:tabLst>
+                <a:tab algn="l" pos="0"/>
+              </a:tabLst>
+            </a:pPr>
+            <a:endParaRPr b="0" lang="en-US" sz="1000" spc="-1" strike="noStrike">
+              <a:solidFill>
+                <a:srgbClr val="000000"/>
+              </a:solidFill>
+              <a:latin typeface="Arial"/>
+            </a:endParaRPr>
+          </a:p>
           <a:p>
             <a:pPr indent="0" algn="ctr" defTabSz="914400">
               <a:lnSpc>
@@ -6702,55 +6909,25 @@
                 <a:tab algn="l" pos="0"/>
               </a:tabLst>
             </a:pPr>
-            <a:r>
-              <a:rPr b="0" lang="en-US" sz="1800" spc="-1" strike="noStrike">
-                <a:solidFill>
-                  <a:schemeClr val="dk1"/>
-                </a:solidFill>
-                <a:latin typeface="PT Sans"/>
-                <a:ea typeface="PT Sans"/>
-              </a:rPr>
-              <a:t>…</a:t>
-            </a:r>
-            <a:endParaRPr b="0" lang="en-US" sz="1800" spc="-1" strike="noStrike">
-              <a:solidFill>
-                <a:schemeClr val="dk1"/>
-              </a:solidFill>
-              <a:latin typeface="Calibri"/>
-            </a:endParaRPr>
-          </a:p>
-          <a:p>
-            <a:pPr indent="0" algn="ctr" defTabSz="914400">
-              <a:lnSpc>
-                <a:spcPct val="90000"/>
-              </a:lnSpc>
-              <a:spcBef>
-                <a:spcPts val="1001"/>
-              </a:spcBef>
-              <a:buNone/>
-              <a:tabLst>
-                <a:tab algn="l" pos="0"/>
-              </a:tabLst>
-            </a:pPr>
-            <a:endParaRPr b="0" lang="en-US" sz="1800" spc="-1" strike="noStrike">
-              <a:solidFill>
-                <a:schemeClr val="dk1"/>
-              </a:solidFill>
-              <a:latin typeface="Calibri"/>
+            <a:endParaRPr b="0" lang="en-US" sz="1000" spc="-1" strike="noStrike">
+              <a:solidFill>
+                <a:srgbClr val="000000"/>
+              </a:solidFill>
+              <a:latin typeface="Arial"/>
             </a:endParaRPr>
           </a:p>
         </p:txBody>
       </p:sp>
       <p:sp>
         <p:nvSpPr>
-          <p:cNvPr id="59" name="TextBox 4"/>
+          <p:cNvPr id="39" name="TextBox 4"/>
           <p:cNvSpPr/>
           <p:nvPr/>
         </p:nvSpPr>
         <p:spPr>
           <a:xfrm>
-            <a:off x="670680" y="3524760"/>
-            <a:ext cx="7802640" cy="639000"/>
+            <a:off x="276120" y="1938240"/>
+            <a:ext cx="8915040" cy="5576040"/>
           </a:xfrm>
           <a:prstGeom prst="rect">
             <a:avLst/>
@@ -6771,20 +6948,530 @@
             <a:spAutoFit/>
           </a:bodyPr>
           <a:p>
-            <a:pPr algn="ctr" defTabSz="914400">
+            <a:pPr defTabSz="914400">
               <a:lnSpc>
                 <a:spcPct val="100000"/>
               </a:lnSpc>
             </a:pPr>
             <a:r>
+              <a:rPr b="1" lang="en-US" sz="1800" spc="-1" strike="noStrike">
+                <a:solidFill>
+                  <a:schemeClr val="dk1"/>
+                </a:solidFill>
+                <a:latin typeface="PT Sans"/>
+              </a:rPr>
+              <a:t>Introducere:</a:t>
+            </a:r>
+            <a:endParaRPr b="0" lang="en-US" sz="1800" spc="-1" strike="noStrike">
+              <a:solidFill>
+                <a:srgbClr val="000000"/>
+              </a:solidFill>
+              <a:latin typeface="Arial"/>
+            </a:endParaRPr>
+          </a:p>
+          <a:p>
+            <a:pPr marL="216000" indent="-216000" defTabSz="914400">
+              <a:lnSpc>
+                <a:spcPct val="100000"/>
+              </a:lnSpc>
+              <a:buClr>
+                <a:srgbClr val="000000"/>
+              </a:buClr>
+              <a:buFont typeface="Wingdings" charset="2"/>
+              <a:buChar char=""/>
+            </a:pPr>
+            <a:r>
               <a:rPr b="0" lang="en-US" sz="1800" spc="-1" strike="noStrike">
                 <a:solidFill>
                   <a:schemeClr val="dk1"/>
                 </a:solidFill>
                 <a:latin typeface="PT Sans"/>
               </a:rPr>
-              <a:t>…</a:t>
-            </a:r>
+              <a:t>    </a:t>
+            </a:r>
+            <a:r>
+              <a:rPr b="0" lang="en-US" sz="1800" spc="-1" strike="noStrike">
+                <a:solidFill>
+                  <a:schemeClr val="dk1"/>
+                </a:solidFill>
+                <a:latin typeface="PT Sans"/>
+              </a:rPr>
+              <a:t>Scopul prezentării</a:t>
+            </a:r>
+            <a:endParaRPr b="0" lang="en-US" sz="1800" spc="-1" strike="noStrike">
+              <a:solidFill>
+                <a:srgbClr val="000000"/>
+              </a:solidFill>
+              <a:latin typeface="Arial"/>
+            </a:endParaRPr>
+          </a:p>
+          <a:p>
+            <a:pPr marL="216000" indent="-216000" defTabSz="914400">
+              <a:lnSpc>
+                <a:spcPct val="100000"/>
+              </a:lnSpc>
+              <a:buClr>
+                <a:srgbClr val="000000"/>
+              </a:buClr>
+              <a:buFont typeface="Wingdings" charset="2"/>
+              <a:buChar char=""/>
+            </a:pPr>
+            <a:r>
+              <a:rPr b="0" lang="en-US" sz="1800" spc="-1" strike="noStrike">
+                <a:solidFill>
+                  <a:schemeClr val="dk1"/>
+                </a:solidFill>
+                <a:latin typeface="PT Sans"/>
+              </a:rPr>
+              <a:t>    </a:t>
+            </a:r>
+            <a:r>
+              <a:rPr b="0" lang="en-US" sz="1800" spc="-1" strike="noStrike">
+                <a:solidFill>
+                  <a:schemeClr val="dk1"/>
+                </a:solidFill>
+                <a:latin typeface="PT Sans"/>
+              </a:rPr>
+              <a:t>Importanța securității informaționale în domeniul ales</a:t>
+            </a:r>
+            <a:endParaRPr b="0" lang="en-US" sz="1800" spc="-1" strike="noStrike">
+              <a:solidFill>
+                <a:srgbClr val="000000"/>
+              </a:solidFill>
+              <a:latin typeface="Arial"/>
+            </a:endParaRPr>
+          </a:p>
+          <a:p>
+            <a:pPr defTabSz="914400">
+              <a:lnSpc>
+                <a:spcPct val="100000"/>
+              </a:lnSpc>
+            </a:pPr>
+            <a:r>
+              <a:rPr b="1" lang="en-US" sz="1800" spc="-1" strike="noStrike">
+                <a:solidFill>
+                  <a:schemeClr val="dk1"/>
+                </a:solidFill>
+                <a:latin typeface="PT Sans"/>
+              </a:rPr>
+              <a:t>Definirea contextului întreprinderii:</a:t>
+            </a:r>
+            <a:endParaRPr b="0" lang="en-US" sz="1800" spc="-1" strike="noStrike">
+              <a:solidFill>
+                <a:srgbClr val="000000"/>
+              </a:solidFill>
+              <a:latin typeface="Arial"/>
+            </a:endParaRPr>
+          </a:p>
+          <a:p>
+            <a:pPr marL="216000" indent="-216000" defTabSz="914400">
+              <a:lnSpc>
+                <a:spcPct val="100000"/>
+              </a:lnSpc>
+              <a:buClr>
+                <a:srgbClr val="000000"/>
+              </a:buClr>
+              <a:buFont typeface="Wingdings" charset="2"/>
+              <a:buChar char=""/>
+            </a:pPr>
+            <a:r>
+              <a:rPr b="0" lang="en-US" sz="1800" spc="-1" strike="noStrike">
+                <a:solidFill>
+                  <a:schemeClr val="dk1"/>
+                </a:solidFill>
+                <a:latin typeface="PT Sans"/>
+              </a:rPr>
+              <a:t>    </a:t>
+            </a:r>
+            <a:r>
+              <a:rPr b="0" lang="en-US" sz="1800" spc="-1" strike="noStrike">
+                <a:solidFill>
+                  <a:schemeClr val="dk1"/>
+                </a:solidFill>
+                <a:latin typeface="PT Sans"/>
+              </a:rPr>
+              <a:t>Descrierea domeniului de interes</a:t>
+            </a:r>
+            <a:endParaRPr b="0" lang="en-US" sz="1800" spc="-1" strike="noStrike">
+              <a:solidFill>
+                <a:srgbClr val="000000"/>
+              </a:solidFill>
+              <a:latin typeface="Arial"/>
+            </a:endParaRPr>
+          </a:p>
+          <a:p>
+            <a:pPr marL="216000" indent="-216000" defTabSz="914400">
+              <a:lnSpc>
+                <a:spcPct val="100000"/>
+              </a:lnSpc>
+              <a:buClr>
+                <a:srgbClr val="000000"/>
+              </a:buClr>
+              <a:buFont typeface="Wingdings" charset="2"/>
+              <a:buChar char=""/>
+            </a:pPr>
+            <a:r>
+              <a:rPr b="0" lang="en-US" sz="1800" spc="-1" strike="noStrike">
+                <a:solidFill>
+                  <a:schemeClr val="dk1"/>
+                </a:solidFill>
+                <a:latin typeface="PT Sans"/>
+              </a:rPr>
+              <a:t>    </a:t>
+            </a:r>
+            <a:r>
+              <a:rPr b="0" lang="en-US" sz="1800" spc="-1" strike="noStrike">
+                <a:solidFill>
+                  <a:schemeClr val="dk1"/>
+                </a:solidFill>
+                <a:latin typeface="PT Sans"/>
+              </a:rPr>
+              <a:t>Tipurile de date gestionate</a:t>
+            </a:r>
+            <a:endParaRPr b="0" lang="en-US" sz="1800" spc="-1" strike="noStrike">
+              <a:solidFill>
+                <a:srgbClr val="000000"/>
+              </a:solidFill>
+              <a:latin typeface="Arial"/>
+            </a:endParaRPr>
+          </a:p>
+          <a:p>
+            <a:pPr marL="216000" indent="-216000" defTabSz="914400">
+              <a:lnSpc>
+                <a:spcPct val="100000"/>
+              </a:lnSpc>
+              <a:buClr>
+                <a:srgbClr val="000000"/>
+              </a:buClr>
+              <a:buFont typeface="Wingdings" charset="2"/>
+              <a:buChar char=""/>
+            </a:pPr>
+            <a:r>
+              <a:rPr b="0" lang="en-US" sz="1800" spc="-1" strike="noStrike">
+                <a:solidFill>
+                  <a:schemeClr val="dk1"/>
+                </a:solidFill>
+                <a:latin typeface="PT Sans"/>
+              </a:rPr>
+              <a:t>    </a:t>
+            </a:r>
+            <a:r>
+              <a:rPr b="0" lang="en-US" sz="1800" spc="-1" strike="noStrike">
+                <a:solidFill>
+                  <a:schemeClr val="dk1"/>
+                </a:solidFill>
+                <a:latin typeface="PT Sans"/>
+              </a:rPr>
+              <a:t>Infrastructura TIC relevantă</a:t>
+            </a:r>
+            <a:endParaRPr b="0" lang="en-US" sz="1800" spc="-1" strike="noStrike">
+              <a:solidFill>
+                <a:srgbClr val="000000"/>
+              </a:solidFill>
+              <a:latin typeface="Arial"/>
+            </a:endParaRPr>
+          </a:p>
+          <a:p>
+            <a:pPr defTabSz="914400">
+              <a:lnSpc>
+                <a:spcPct val="100000"/>
+              </a:lnSpc>
+            </a:pPr>
+            <a:r>
+              <a:rPr b="1" lang="en-US" sz="1800" spc="-1" strike="noStrike">
+                <a:solidFill>
+                  <a:schemeClr val="dk1"/>
+                </a:solidFill>
+                <a:latin typeface="PT Sans"/>
+              </a:rPr>
+              <a:t>Cadrul legal aplicabil:</a:t>
+            </a:r>
+            <a:endParaRPr b="0" lang="en-US" sz="1800" spc="-1" strike="noStrike">
+              <a:solidFill>
+                <a:srgbClr val="000000"/>
+              </a:solidFill>
+              <a:latin typeface="Arial"/>
+            </a:endParaRPr>
+          </a:p>
+          <a:p>
+            <a:pPr marL="216000" indent="-216000" defTabSz="914400">
+              <a:lnSpc>
+                <a:spcPct val="100000"/>
+              </a:lnSpc>
+              <a:buClr>
+                <a:srgbClr val="000000"/>
+              </a:buClr>
+              <a:buFont typeface="Wingdings" charset="2"/>
+              <a:buChar char=""/>
+            </a:pPr>
+            <a:r>
+              <a:rPr b="0" lang="en-US" sz="1800" spc="-1" strike="noStrike">
+                <a:solidFill>
+                  <a:schemeClr val="dk1"/>
+                </a:solidFill>
+                <a:latin typeface="PT Sans"/>
+              </a:rPr>
+              <a:t>    </a:t>
+            </a:r>
+            <a:r>
+              <a:rPr b="0" lang="en-US" sz="1800" spc="-1" strike="noStrike">
+                <a:solidFill>
+                  <a:schemeClr val="dk1"/>
+                </a:solidFill>
+                <a:latin typeface="PT Sans"/>
+              </a:rPr>
+              <a:t>Normele și reglementările relevante (R. Moldova și UE)</a:t>
+            </a:r>
+            <a:endParaRPr b="0" lang="en-US" sz="1800" spc="-1" strike="noStrike">
+              <a:solidFill>
+                <a:srgbClr val="000000"/>
+              </a:solidFill>
+              <a:latin typeface="Arial"/>
+            </a:endParaRPr>
+          </a:p>
+          <a:p>
+            <a:pPr marL="216000" indent="-216000" defTabSz="914400">
+              <a:lnSpc>
+                <a:spcPct val="100000"/>
+              </a:lnSpc>
+              <a:buClr>
+                <a:srgbClr val="000000"/>
+              </a:buClr>
+              <a:buFont typeface="Wingdings" charset="2"/>
+              <a:buChar char=""/>
+            </a:pPr>
+            <a:r>
+              <a:rPr b="0" lang="en-US" sz="1800" spc="-1" strike="noStrike">
+                <a:solidFill>
+                  <a:schemeClr val="dk1"/>
+                </a:solidFill>
+                <a:latin typeface="PT Sans"/>
+              </a:rPr>
+              <a:t>    </a:t>
+            </a:r>
+            <a:r>
+              <a:rPr b="0" lang="en-US" sz="1800" spc="-1" strike="noStrike">
+                <a:solidFill>
+                  <a:schemeClr val="dk1"/>
+                </a:solidFill>
+                <a:latin typeface="PT Sans"/>
+              </a:rPr>
+              <a:t>Standardele de securitate aplicabile (ISO 27001, NIST, CIS Controls)</a:t>
+            </a:r>
+            <a:endParaRPr b="0" lang="en-US" sz="1800" spc="-1" strike="noStrike">
+              <a:solidFill>
+                <a:srgbClr val="000000"/>
+              </a:solidFill>
+              <a:latin typeface="Arial"/>
+            </a:endParaRPr>
+          </a:p>
+          <a:p>
+            <a:pPr defTabSz="914400">
+              <a:lnSpc>
+                <a:spcPct val="100000"/>
+              </a:lnSpc>
+            </a:pPr>
+            <a:r>
+              <a:rPr b="1" lang="en-US" sz="1800" spc="-1" strike="noStrike">
+                <a:solidFill>
+                  <a:schemeClr val="dk1"/>
+                </a:solidFill>
+                <a:latin typeface="PT Sans"/>
+              </a:rPr>
+              <a:t>Proiectarea politicilor de securitate:</a:t>
+            </a:r>
+            <a:endParaRPr b="0" lang="en-US" sz="1800" spc="-1" strike="noStrike">
+              <a:solidFill>
+                <a:srgbClr val="000000"/>
+              </a:solidFill>
+              <a:latin typeface="Arial"/>
+            </a:endParaRPr>
+          </a:p>
+          <a:p>
+            <a:pPr marL="216000" indent="-216000" defTabSz="914400">
+              <a:lnSpc>
+                <a:spcPct val="100000"/>
+              </a:lnSpc>
+              <a:buClr>
+                <a:srgbClr val="000000"/>
+              </a:buClr>
+              <a:buFont typeface="Wingdings" charset="2"/>
+              <a:buChar char=""/>
+            </a:pPr>
+            <a:r>
+              <a:rPr b="0" lang="en-US" sz="1800" spc="-1" strike="noStrike">
+                <a:solidFill>
+                  <a:schemeClr val="dk1"/>
+                </a:solidFill>
+                <a:latin typeface="PT Sans"/>
+              </a:rPr>
+              <a:t>    </a:t>
+            </a:r>
+            <a:r>
+              <a:rPr b="0" lang="en-US" sz="1800" spc="-1" strike="noStrike">
+                <a:solidFill>
+                  <a:schemeClr val="dk1"/>
+                </a:solidFill>
+                <a:latin typeface="PT Sans"/>
+              </a:rPr>
+              <a:t>Structura documentației de securitate (Politici, Proceduri, Norme,  Regulamente,  Instrucțiuni)</a:t>
+            </a:r>
+            <a:endParaRPr b="0" lang="en-US" sz="1800" spc="-1" strike="noStrike">
+              <a:solidFill>
+                <a:srgbClr val="000000"/>
+              </a:solidFill>
+              <a:latin typeface="Arial"/>
+            </a:endParaRPr>
+          </a:p>
+          <a:p>
+            <a:pPr marL="216000" indent="-216000" defTabSz="914400">
+              <a:lnSpc>
+                <a:spcPct val="100000"/>
+              </a:lnSpc>
+              <a:buClr>
+                <a:srgbClr val="000000"/>
+              </a:buClr>
+              <a:buFont typeface="Wingdings" charset="2"/>
+              <a:buChar char=""/>
+            </a:pPr>
+            <a:r>
+              <a:rPr b="0" lang="en-US" sz="1800" spc="-1" strike="noStrike">
+                <a:solidFill>
+                  <a:schemeClr val="dk1"/>
+                </a:solidFill>
+                <a:latin typeface="PT Sans"/>
+              </a:rPr>
+              <a:t>    </a:t>
+            </a:r>
+            <a:r>
+              <a:rPr b="0" lang="en-US" sz="1800" spc="-1" strike="noStrike">
+                <a:solidFill>
+                  <a:schemeClr val="dk1"/>
+                </a:solidFill>
+                <a:latin typeface="PT Sans"/>
+              </a:rPr>
+              <a:t>Prezentarea echipei SMSI și a fiselor de post</a:t>
+            </a:r>
+            <a:endParaRPr b="0" lang="en-US" sz="1800" spc="-1" strike="noStrike">
+              <a:solidFill>
+                <a:srgbClr val="000000"/>
+              </a:solidFill>
+              <a:latin typeface="Arial"/>
+            </a:endParaRPr>
+          </a:p>
+          <a:p>
+            <a:pPr defTabSz="914400">
+              <a:lnSpc>
+                <a:spcPct val="100000"/>
+              </a:lnSpc>
+            </a:pPr>
+            <a:r>
+              <a:rPr b="1" lang="en-US" sz="1800" spc="-1" strike="noStrike">
+                <a:solidFill>
+                  <a:schemeClr val="dk1"/>
+                </a:solidFill>
+                <a:latin typeface="PT Sans"/>
+              </a:rPr>
+              <a:t>Metodologia de gestionare a riscurilor de securitate:</a:t>
+            </a:r>
+            <a:endParaRPr b="0" lang="en-US" sz="1800" spc="-1" strike="noStrike">
+              <a:solidFill>
+                <a:srgbClr val="000000"/>
+              </a:solidFill>
+              <a:latin typeface="Arial"/>
+            </a:endParaRPr>
+          </a:p>
+          <a:p>
+            <a:pPr marL="216000" indent="-216000" defTabSz="914400">
+              <a:lnSpc>
+                <a:spcPct val="100000"/>
+              </a:lnSpc>
+              <a:buClr>
+                <a:srgbClr val="000000"/>
+              </a:buClr>
+              <a:buFont typeface="Wingdings" charset="2"/>
+              <a:buChar char=""/>
+            </a:pPr>
+            <a:r>
+              <a:rPr b="0" lang="en-US" sz="1800" spc="-1" strike="noStrike">
+                <a:solidFill>
+                  <a:schemeClr val="dk1"/>
+                </a:solidFill>
+                <a:latin typeface="PT Sans"/>
+              </a:rPr>
+              <a:t>    </a:t>
+            </a:r>
+            <a:r>
+              <a:rPr b="0" lang="en-US" sz="1800" spc="-1" strike="noStrike">
+                <a:solidFill>
+                  <a:schemeClr val="dk1"/>
+                </a:solidFill>
+                <a:latin typeface="PT Sans"/>
+              </a:rPr>
+              <a:t>Lista activelor, vulnerabilităților și amenințărilor</a:t>
+            </a:r>
+            <a:endParaRPr b="0" lang="en-US" sz="1800" spc="-1" strike="noStrike">
+              <a:solidFill>
+                <a:srgbClr val="000000"/>
+              </a:solidFill>
+              <a:latin typeface="Arial"/>
+            </a:endParaRPr>
+          </a:p>
+          <a:p>
+            <a:pPr marL="216000" indent="-216000" defTabSz="914400">
+              <a:lnSpc>
+                <a:spcPct val="100000"/>
+              </a:lnSpc>
+              <a:buClr>
+                <a:srgbClr val="000000"/>
+              </a:buClr>
+              <a:buFont typeface="Wingdings" charset="2"/>
+              <a:buChar char=""/>
+            </a:pPr>
+            <a:r>
+              <a:rPr b="0" lang="en-US" sz="1800" spc="-1" strike="noStrike">
+                <a:solidFill>
+                  <a:schemeClr val="dk1"/>
+                </a:solidFill>
+                <a:latin typeface="PT Sans"/>
+              </a:rPr>
+              <a:t>    </a:t>
+            </a:r>
+            <a:r>
+              <a:rPr b="0" lang="en-US" sz="1800" spc="-1" strike="noStrike">
+                <a:solidFill>
+                  <a:schemeClr val="dk1"/>
+                </a:solidFill>
+                <a:latin typeface="PT Sans"/>
+              </a:rPr>
+              <a:t>Raportul de evaluare și tratare a riscurilor</a:t>
+            </a:r>
+            <a:endParaRPr b="0" lang="en-US" sz="1800" spc="-1" strike="noStrike">
+              <a:solidFill>
+                <a:srgbClr val="000000"/>
+              </a:solidFill>
+              <a:latin typeface="Arial"/>
+            </a:endParaRPr>
+          </a:p>
+          <a:p>
+            <a:pPr defTabSz="914400">
+              <a:lnSpc>
+                <a:spcPct val="100000"/>
+              </a:lnSpc>
+            </a:pPr>
+            <a:endParaRPr b="0" lang="en-US" sz="1800" spc="-1" strike="noStrike">
+              <a:solidFill>
+                <a:srgbClr val="000000"/>
+              </a:solidFill>
+              <a:latin typeface="Arial"/>
+            </a:endParaRPr>
+          </a:p>
+          <a:p>
+            <a:pPr defTabSz="914400">
+              <a:lnSpc>
+                <a:spcPct val="100000"/>
+              </a:lnSpc>
+            </a:pPr>
             <a:endParaRPr b="0" lang="en-US" sz="1800" spc="-1" strike="noStrike">
               <a:solidFill>
                 <a:srgbClr val="000000"/>
@@ -6847,7 +7534,7 @@
       </p:grpSpPr>
       <p:sp>
         <p:nvSpPr>
-          <p:cNvPr id="60" name="PlaceHolder 1"/>
+          <p:cNvPr id="40" name="PlaceHolder 1"/>
           <p:cNvSpPr>
             <a:spLocks noGrp="1"/>
           </p:cNvSpPr>
@@ -6857,8 +7544,8 @@
         </p:nvSpPr>
         <p:spPr>
           <a:xfrm>
-            <a:off x="685800" y="2971800"/>
-            <a:ext cx="7886520" cy="905040"/>
+            <a:off x="628560" y="1486800"/>
+            <a:ext cx="7885800" cy="904320"/>
           </a:xfrm>
           <a:prstGeom prst="rect">
             <a:avLst/>
@@ -6873,11 +7560,1000 @@
             <a:noAutofit/>
           </a:bodyPr>
           <a:p>
+            <a:pPr indent="0" defTabSz="914400">
+              <a:lnSpc>
+                <a:spcPct val="90000"/>
+              </a:lnSpc>
+              <a:buNone/>
+              <a:tabLst>
+                <a:tab algn="l" pos="0"/>
+              </a:tabLst>
+            </a:pPr>
+            <a:r>
+              <a:rPr b="1" lang="en-US" sz="2900" spc="-1" strike="noStrike">
+                <a:solidFill>
+                  <a:schemeClr val="dk1"/>
+                </a:solidFill>
+                <a:latin typeface="PT Sans"/>
+                <a:ea typeface="PT Sans"/>
+              </a:rPr>
+              <a:t>Introducere:</a:t>
+            </a:r>
+            <a:endParaRPr b="0" lang="en-US" sz="2900" spc="-1" strike="noStrike">
+              <a:solidFill>
+                <a:srgbClr val="000000"/>
+              </a:solidFill>
+              <a:latin typeface="Arial"/>
+            </a:endParaRPr>
+          </a:p>
+        </p:txBody>
+      </p:sp>
+      <p:sp>
+        <p:nvSpPr>
+          <p:cNvPr id="41" name="PlaceHolder 2"/>
+          <p:cNvSpPr>
+            <a:spLocks noGrp="1"/>
+          </p:cNvSpPr>
+          <p:nvPr>
+            <p:ph/>
+          </p:nvPr>
+        </p:nvSpPr>
+        <p:spPr>
+          <a:xfrm>
+            <a:off x="457200" y="2391480"/>
+            <a:ext cx="4343040" cy="4619520"/>
+          </a:xfrm>
+          <a:prstGeom prst="rect">
+            <a:avLst/>
+          </a:prstGeom>
+          <a:noFill/>
+          <a:ln w="0">
+            <a:noFill/>
+          </a:ln>
+        </p:spPr>
+        <p:txBody>
+          <a:bodyPr lIns="91440" rIns="91440" tIns="45720" bIns="45720" anchor="t">
+            <a:normAutofit/>
+          </a:bodyPr>
+          <a:p>
             <a:pPr indent="0" algn="ctr" defTabSz="914400">
               <a:lnSpc>
                 <a:spcPct val="90000"/>
               </a:lnSpc>
-              <a:buNone/>
+              <a:spcBef>
+                <a:spcPts val="1757"/>
+              </a:spcBef>
+              <a:spcAft>
+                <a:spcPts val="1559"/>
+              </a:spcAft>
+              <a:buNone/>
+              <a:tabLst>
+                <a:tab algn="l" pos="0"/>
+              </a:tabLst>
+            </a:pPr>
+            <a:r>
+              <a:rPr b="0" lang="en-US" sz="1800" spc="-1" strike="noStrike">
+                <a:solidFill>
+                  <a:schemeClr val="dk1"/>
+                </a:solidFill>
+                <a:latin typeface="PT Sans"/>
+                <a:ea typeface="PT Sans"/>
+              </a:rPr>
+              <a:t>Scopul Prezentării</a:t>
+            </a:r>
+            <a:endParaRPr b="0" lang="en-US" sz="1800" spc="-1" strike="noStrike">
+              <a:solidFill>
+                <a:srgbClr val="000000"/>
+              </a:solidFill>
+              <a:latin typeface="Arial"/>
+            </a:endParaRPr>
+          </a:p>
+          <a:p>
+            <a:pPr indent="0" defTabSz="914400">
+              <a:lnSpc>
+                <a:spcPct val="90000"/>
+              </a:lnSpc>
+              <a:spcBef>
+                <a:spcPts val="1757"/>
+              </a:spcBef>
+              <a:spcAft>
+                <a:spcPts val="1559"/>
+              </a:spcAft>
+              <a:buNone/>
+              <a:tabLst>
+                <a:tab algn="l" pos="0"/>
+              </a:tabLst>
+            </a:pPr>
+            <a:r>
+              <a:rPr b="0" lang="en-US" sz="1600" spc="-1" strike="noStrike">
+                <a:solidFill>
+                  <a:schemeClr val="dk1"/>
+                </a:solidFill>
+                <a:latin typeface="PT Sans"/>
+                <a:ea typeface="PT Sans"/>
+              </a:rPr>
+              <a:t>Prezentarea scopului: Această prezentare are ca scop să ofere o imagine de ansamblu asupra aplicării Sistemului de Management al Securității Informaționale (SMSI) în cadrul serviciilor de cloud oferite de CloudSentinel.</a:t>
+            </a:r>
+            <a:endParaRPr b="0" lang="en-US" sz="1600" spc="-1" strike="noStrike">
+              <a:solidFill>
+                <a:srgbClr val="000000"/>
+              </a:solidFill>
+              <a:latin typeface="Arial"/>
+            </a:endParaRPr>
+          </a:p>
+          <a:p>
+            <a:pPr indent="0" defTabSz="914400">
+              <a:lnSpc>
+                <a:spcPct val="90000"/>
+              </a:lnSpc>
+              <a:spcBef>
+                <a:spcPts val="1757"/>
+              </a:spcBef>
+              <a:spcAft>
+                <a:spcPts val="1559"/>
+              </a:spcAft>
+              <a:buNone/>
+              <a:tabLst>
+                <a:tab algn="l" pos="0"/>
+              </a:tabLst>
+            </a:pPr>
+            <a:r>
+              <a:rPr b="0" lang="en-US" sz="1600" spc="-1" strike="noStrike">
+                <a:solidFill>
+                  <a:schemeClr val="dk1"/>
+                </a:solidFill>
+                <a:latin typeface="PT Sans"/>
+                <a:ea typeface="PT Sans"/>
+              </a:rPr>
+              <a:t>Obiectivele prezentării: Vom explora aspecte cheie ale securității informaționale, inclusiv politicile, procedurile și controalele necesare pentru protejarea datelor și infrastructurii CloudSentinel.</a:t>
+            </a:r>
+            <a:endParaRPr b="0" lang="en-US" sz="1600" spc="-1" strike="noStrike">
+              <a:solidFill>
+                <a:srgbClr val="000000"/>
+              </a:solidFill>
+              <a:latin typeface="Arial"/>
+            </a:endParaRPr>
+          </a:p>
+          <a:p>
+            <a:pPr indent="0" defTabSz="914400">
+              <a:lnSpc>
+                <a:spcPct val="90000"/>
+              </a:lnSpc>
+              <a:spcBef>
+                <a:spcPts val="1757"/>
+              </a:spcBef>
+              <a:spcAft>
+                <a:spcPts val="1559"/>
+              </a:spcAft>
+              <a:buNone/>
+              <a:tabLst>
+                <a:tab algn="l" pos="0"/>
+              </a:tabLst>
+            </a:pPr>
+            <a:endParaRPr b="0" lang="en-US" sz="1800" spc="-1" strike="noStrike">
+              <a:solidFill>
+                <a:srgbClr val="000000"/>
+              </a:solidFill>
+              <a:latin typeface="Arial"/>
+            </a:endParaRPr>
+          </a:p>
+          <a:p>
+            <a:pPr indent="0" algn="ctr" defTabSz="914400">
+              <a:lnSpc>
+                <a:spcPct val="90000"/>
+              </a:lnSpc>
+              <a:spcBef>
+                <a:spcPts val="1568"/>
+              </a:spcBef>
+              <a:spcAft>
+                <a:spcPts val="850"/>
+              </a:spcAft>
+              <a:buNone/>
+              <a:tabLst>
+                <a:tab algn="l" pos="0"/>
+              </a:tabLst>
+            </a:pPr>
+            <a:endParaRPr b="0" lang="en-US" sz="1800" spc="-1" strike="noStrike">
+              <a:solidFill>
+                <a:srgbClr val="000000"/>
+              </a:solidFill>
+              <a:latin typeface="Arial"/>
+            </a:endParaRPr>
+          </a:p>
+        </p:txBody>
+      </p:sp>
+      <p:sp>
+        <p:nvSpPr>
+          <p:cNvPr id="42" name="PlaceHolder 14"/>
+          <p:cNvSpPr/>
+          <p:nvPr/>
+        </p:nvSpPr>
+        <p:spPr>
+          <a:xfrm>
+            <a:off x="4800960" y="2391480"/>
+            <a:ext cx="4343040" cy="4619520"/>
+          </a:xfrm>
+          <a:prstGeom prst="rect">
+            <a:avLst/>
+          </a:prstGeom>
+          <a:noFill/>
+          <a:ln w="0">
+            <a:noFill/>
+          </a:ln>
+        </p:spPr>
+        <p:style>
+          <a:lnRef idx="0"/>
+          <a:fillRef idx="0"/>
+          <a:effectRef idx="0"/>
+          <a:fontRef idx="minor"/>
+        </p:style>
+        <p:txBody>
+          <a:bodyPr lIns="90000" rIns="90000" tIns="45000" bIns="45000" anchor="t">
+            <a:normAutofit fontScale="98333" lnSpcReduction="10000"/>
+          </a:bodyPr>
+          <a:p>
+            <a:pPr algn="ctr" defTabSz="914400">
+              <a:lnSpc>
+                <a:spcPct val="90000"/>
+              </a:lnSpc>
+              <a:spcBef>
+                <a:spcPts val="1191"/>
+              </a:spcBef>
+              <a:spcAft>
+                <a:spcPts val="992"/>
+              </a:spcAft>
+              <a:tabLst>
+                <a:tab algn="l" pos="0"/>
+              </a:tabLst>
+            </a:pPr>
+            <a:r>
+              <a:rPr b="0" lang="en-US" sz="1800" spc="-1" strike="noStrike">
+                <a:solidFill>
+                  <a:schemeClr val="dk1"/>
+                </a:solidFill>
+                <a:latin typeface="PT Sans"/>
+                <a:ea typeface="PT Sans"/>
+              </a:rPr>
+              <a:t>Importanța Securității Informaționale în Domeniul Cloud</a:t>
+            </a:r>
+            <a:endParaRPr b="0" lang="en-US" sz="1800" spc="-1" strike="noStrike">
+              <a:solidFill>
+                <a:srgbClr val="000000"/>
+              </a:solidFill>
+              <a:latin typeface="Arial"/>
+            </a:endParaRPr>
+          </a:p>
+          <a:p>
+            <a:pPr defTabSz="914400">
+              <a:lnSpc>
+                <a:spcPct val="90000"/>
+              </a:lnSpc>
+              <a:spcBef>
+                <a:spcPts val="1191"/>
+              </a:spcBef>
+              <a:spcAft>
+                <a:spcPts val="992"/>
+              </a:spcAft>
+              <a:tabLst>
+                <a:tab algn="l" pos="0"/>
+              </a:tabLst>
+            </a:pPr>
+            <a:r>
+              <a:rPr b="0" lang="en-US" sz="1600" spc="-1" strike="noStrike">
+                <a:solidFill>
+                  <a:schemeClr val="dk1"/>
+                </a:solidFill>
+                <a:latin typeface="PT Sans"/>
+                <a:ea typeface="PT Sans"/>
+              </a:rPr>
+              <a:t>Conformitate cu reglementările: CloudSentinel trebuie să respecte reglementările și standardele internaționale (ex: ISO 27001) pentru a garanta securitatea și legalitatea operațiunilor sale.</a:t>
+            </a:r>
+            <a:endParaRPr b="0" lang="en-US" sz="1600" spc="-1" strike="noStrike">
+              <a:solidFill>
+                <a:srgbClr val="000000"/>
+              </a:solidFill>
+              <a:latin typeface="Arial"/>
+            </a:endParaRPr>
+          </a:p>
+          <a:p>
+            <a:pPr defTabSz="914400">
+              <a:lnSpc>
+                <a:spcPct val="90000"/>
+              </a:lnSpc>
+              <a:spcBef>
+                <a:spcPts val="1191"/>
+              </a:spcBef>
+              <a:spcAft>
+                <a:spcPts val="992"/>
+              </a:spcAft>
+              <a:tabLst>
+                <a:tab algn="l" pos="0"/>
+              </a:tabLst>
+            </a:pPr>
+            <a:r>
+              <a:rPr b="0" lang="en-US" sz="1600" spc="-1" strike="noStrike">
+                <a:solidFill>
+                  <a:schemeClr val="dk1"/>
+                </a:solidFill>
+                <a:latin typeface="PT Sans"/>
+                <a:ea typeface="PT Sans"/>
+              </a:rPr>
+              <a:t>Protecția împotriva amenințărilor: Mediul cloud este supus unui spectru larg de amenințări cibernetice. Implementarea unui SMSI robust ajută la identificarea, evaluarea și gestionarea riscurilor în mod eficient.</a:t>
+            </a:r>
+            <a:endParaRPr b="0" lang="en-US" sz="1600" spc="-1" strike="noStrike">
+              <a:solidFill>
+                <a:srgbClr val="000000"/>
+              </a:solidFill>
+              <a:latin typeface="Arial"/>
+            </a:endParaRPr>
+          </a:p>
+          <a:p>
+            <a:pPr defTabSz="914400">
+              <a:lnSpc>
+                <a:spcPct val="90000"/>
+              </a:lnSpc>
+              <a:spcBef>
+                <a:spcPts val="1191"/>
+              </a:spcBef>
+              <a:spcAft>
+                <a:spcPts val="992"/>
+              </a:spcAft>
+              <a:tabLst>
+                <a:tab algn="l" pos="0"/>
+              </a:tabLst>
+            </a:pPr>
+            <a:r>
+              <a:rPr b="0" lang="en-US" sz="1600" spc="-1" strike="noStrike">
+                <a:solidFill>
+                  <a:schemeClr val="dk1"/>
+                </a:solidFill>
+                <a:latin typeface="PT Sans"/>
+                <a:ea typeface="PT Sans"/>
+              </a:rPr>
+              <a:t>Continuitatea afacerii: Securitatea informațională adecvată asigură continuitatea afacerii prin prevenirea și gestionarea incidentelor de securitate.</a:t>
+            </a:r>
+            <a:endParaRPr b="0" lang="en-US" sz="1600" spc="-1" strike="noStrike">
+              <a:solidFill>
+                <a:srgbClr val="000000"/>
+              </a:solidFill>
+              <a:latin typeface="Arial"/>
+            </a:endParaRPr>
+          </a:p>
+          <a:p>
+            <a:pPr algn="ctr" defTabSz="914400">
+              <a:lnSpc>
+                <a:spcPct val="90000"/>
+              </a:lnSpc>
+              <a:spcBef>
+                <a:spcPts val="1001"/>
+              </a:spcBef>
+              <a:tabLst>
+                <a:tab algn="l" pos="0"/>
+              </a:tabLst>
+            </a:pPr>
+            <a:endParaRPr b="0" lang="en-US" sz="1800" spc="-1" strike="noStrike">
+              <a:solidFill>
+                <a:srgbClr val="000000"/>
+              </a:solidFill>
+              <a:latin typeface="Arial"/>
+            </a:endParaRPr>
+          </a:p>
+        </p:txBody>
+      </p:sp>
+    </p:spTree>
+  </p:cSld>
+  <mc:AlternateContent>
+    <mc:Choice Requires="p14">
+      <p:transition spd="slow" p14:dur="2000"/>
+    </mc:Choice>
+    <mc:Fallback>
+      <p:transition spd="slow"/>
+    </mc:Fallback>
+  </mc:AlternateContent>
+</p:sld>
+</file>
+
+<file path=ppt/slides/slide4.xml><?xml version="1.0" encoding="utf-8"?>
+<p:sld xmlns:a="http://schemas.openxmlformats.org/drawingml/2006/main" xmlns:p="http://schemas.openxmlformats.org/presentationml/2006/main" xmlns:r="http://schemas.openxmlformats.org/officeDocument/2006/relationships" xmlns:p14="http://schemas.microsoft.com/office/powerpoint/2010/main" xmlns:p15="http://schemas.microsoft.com/office/powerpoint/2012/main" xmlns:mc="http://schemas.openxmlformats.org/markup-compatibility/2006">
+  <p:cSld>
+    <p:bg>
+      <p:bgPr>
+        <a:blipFill rotWithShape="0">
+          <a:blip r:embed="rId1"/>
+          <a:stretch/>
+        </a:blipFill>
+      </p:bgPr>
+    </p:bg>
+    <p:spTree>
+      <p:nvGrpSpPr>
+        <p:cNvPr id="1" name=""/>
+        <p:cNvGrpSpPr/>
+        <p:nvPr/>
+      </p:nvGrpSpPr>
+      <p:grpSpPr>
+        <a:xfrm>
+          <a:off x="0" y="0"/>
+          <a:ext cx="0" cy="0"/>
+          <a:chOff x="0" y="0"/>
+          <a:chExt cx="0" cy="0"/>
+        </a:xfrm>
+      </p:grpSpPr>
+      <p:sp>
+        <p:nvSpPr>
+          <p:cNvPr id="43" name="PlaceHolder 1"/>
+          <p:cNvSpPr>
+            <a:spLocks noGrp="1"/>
+          </p:cNvSpPr>
+          <p:nvPr>
+            <p:ph type="title"/>
+          </p:nvPr>
+        </p:nvSpPr>
+        <p:spPr>
+          <a:xfrm>
+            <a:off x="628560" y="1486800"/>
+            <a:ext cx="7885800" cy="904320"/>
+          </a:xfrm>
+          <a:prstGeom prst="rect">
+            <a:avLst/>
+          </a:prstGeom>
+          <a:noFill/>
+          <a:ln w="0">
+            <a:noFill/>
+          </a:ln>
+        </p:spPr>
+        <p:txBody>
+          <a:bodyPr lIns="91440" rIns="91440" tIns="45720" bIns="45720" anchor="ctr">
+            <a:noAutofit/>
+          </a:bodyPr>
+          <a:p>
+            <a:pPr indent="0" defTabSz="914400">
+              <a:lnSpc>
+                <a:spcPct val="100000"/>
+              </a:lnSpc>
+              <a:buNone/>
+              <a:tabLst>
+                <a:tab algn="l" pos="0"/>
+              </a:tabLst>
+            </a:pPr>
+            <a:r>
+              <a:rPr b="1" lang="en-US" sz="2200" spc="-1" strike="noStrike">
+                <a:solidFill>
+                  <a:schemeClr val="dk1"/>
+                </a:solidFill>
+                <a:latin typeface="PT Sans"/>
+                <a:ea typeface="PT Sans"/>
+              </a:rPr>
+              <a:t>Definirea contextului întreprinderii:</a:t>
+            </a:r>
+            <a:endParaRPr b="0" lang="en-US" sz="2200" spc="-1" strike="noStrike">
+              <a:solidFill>
+                <a:srgbClr val="000000"/>
+              </a:solidFill>
+              <a:latin typeface="Arial"/>
+            </a:endParaRPr>
+          </a:p>
+        </p:txBody>
+      </p:sp>
+      <p:sp>
+        <p:nvSpPr>
+          <p:cNvPr id="44" name="PlaceHolder 2"/>
+          <p:cNvSpPr>
+            <a:spLocks noGrp="1"/>
+          </p:cNvSpPr>
+          <p:nvPr>
+            <p:ph/>
+          </p:nvPr>
+        </p:nvSpPr>
+        <p:spPr>
+          <a:xfrm>
+            <a:off x="628560" y="2238480"/>
+            <a:ext cx="3943440" cy="1190520"/>
+          </a:xfrm>
+          <a:prstGeom prst="rect">
+            <a:avLst/>
+          </a:prstGeom>
+          <a:noFill/>
+          <a:ln w="0">
+            <a:noFill/>
+          </a:ln>
+        </p:spPr>
+        <p:txBody>
+          <a:bodyPr lIns="91440" rIns="91440" tIns="45720" bIns="45720" anchor="t">
+            <a:normAutofit fontScale="43472" lnSpcReduction="20000"/>
+          </a:bodyPr>
+          <a:p>
+            <a:pPr marL="432000" indent="0">
+              <a:spcBef>
+                <a:spcPts val="1191"/>
+              </a:spcBef>
+              <a:spcAft>
+                <a:spcPts val="992"/>
+              </a:spcAft>
+              <a:buNone/>
+            </a:pPr>
+            <a:r>
+              <a:rPr b="0" lang="en-US" sz="3200" spc="-1" strike="noStrike">
+                <a:solidFill>
+                  <a:srgbClr val="000000"/>
+                </a:solidFill>
+                <a:latin typeface="Arial"/>
+              </a:rPr>
+              <a:t>Domeniul de interes pentru un serviciu </a:t>
+            </a:r>
+            <a:r>
+              <a:rPr b="0" lang="en-US" sz="3200" spc="-1" strike="noStrike">
+                <a:solidFill>
+                  <a:srgbClr val="000000"/>
+                </a:solidFill>
+                <a:latin typeface="Arial"/>
+              </a:rPr>
+              <a:t>cloud:</a:t>
+            </a:r>
+            <a:endParaRPr b="0" lang="en-US" sz="3200" spc="-1" strike="noStrike">
+              <a:solidFill>
+                <a:srgbClr val="000000"/>
+              </a:solidFill>
+              <a:latin typeface="Arial"/>
+            </a:endParaRPr>
+          </a:p>
+          <a:p>
+            <a:pPr indent="0">
+              <a:spcBef>
+                <a:spcPts val="1191"/>
+              </a:spcBef>
+              <a:spcAft>
+                <a:spcPts val="992"/>
+              </a:spcAft>
+              <a:buNone/>
+            </a:pPr>
+            <a:r>
+              <a:rPr b="0" lang="en-US" sz="2000" spc="-1" strike="noStrike">
+                <a:solidFill>
+                  <a:srgbClr val="000000"/>
+                </a:solidFill>
+                <a:latin typeface="Arial"/>
+              </a:rPr>
+              <a:t>Un serviciu cloud se referă la furnizarea de resurse IT, cum ar fi </a:t>
+            </a:r>
+            <a:r>
+              <a:rPr b="0" lang="en-US" sz="2000" spc="-1" strike="noStrike">
+                <a:solidFill>
+                  <a:srgbClr val="000000"/>
+                </a:solidFill>
+                <a:latin typeface="Arial"/>
+              </a:rPr>
+              <a:t>servere, stocare, baze de date, rețele, software, analize și </a:t>
+            </a:r>
+            <a:r>
+              <a:rPr b="0" lang="en-US" sz="2000" spc="-1" strike="noStrike">
+                <a:solidFill>
+                  <a:srgbClr val="000000"/>
+                </a:solidFill>
+                <a:latin typeface="Arial"/>
+              </a:rPr>
+              <a:t>inteligență, toate acestea fiind disponibile pe Internet ("cloud"). </a:t>
+            </a:r>
+            <a:r>
+              <a:rPr b="0" lang="en-US" sz="2000" spc="-1" strike="noStrike">
+                <a:solidFill>
+                  <a:srgbClr val="000000"/>
+                </a:solidFill>
+                <a:latin typeface="Arial"/>
+              </a:rPr>
+              <a:t>Aceste servicii sunt proiectate să ofere o scalabilitate și flexibilitate </a:t>
+            </a:r>
+            <a:r>
+              <a:rPr b="0" lang="en-US" sz="2000" spc="-1" strike="noStrike">
+                <a:solidFill>
+                  <a:srgbClr val="000000"/>
+                </a:solidFill>
+                <a:latin typeface="Arial"/>
+              </a:rPr>
+              <a:t>ridicată, reducând astfel costurile și complexitatea legate de </a:t>
+            </a:r>
+            <a:r>
+              <a:rPr b="0" lang="en-US" sz="2000" spc="-1" strike="noStrike">
+                <a:solidFill>
+                  <a:srgbClr val="000000"/>
+                </a:solidFill>
+                <a:latin typeface="Arial"/>
+              </a:rPr>
+              <a:t>gestionarea infrastructurii IT proprii.</a:t>
+            </a:r>
+            <a:endParaRPr b="0" lang="en-US" sz="2000" spc="-1" strike="noStrike">
+              <a:solidFill>
+                <a:srgbClr val="000000"/>
+              </a:solidFill>
+              <a:latin typeface="Arial"/>
+            </a:endParaRPr>
+          </a:p>
+        </p:txBody>
+      </p:sp>
+      <p:sp>
+        <p:nvSpPr>
+          <p:cNvPr id="45" name="TextBox 2"/>
+          <p:cNvSpPr/>
+          <p:nvPr/>
+        </p:nvSpPr>
+        <p:spPr>
+          <a:xfrm>
+            <a:off x="670680" y="3524760"/>
+            <a:ext cx="7801920" cy="638280"/>
+          </a:xfrm>
+          <a:prstGeom prst="rect">
+            <a:avLst/>
+          </a:prstGeom>
+          <a:noFill/>
+          <a:ln w="0">
+            <a:noFill/>
+          </a:ln>
+        </p:spPr>
+        <p:style>
+          <a:lnRef idx="0"/>
+          <a:fillRef idx="0"/>
+          <a:effectRef idx="0"/>
+          <a:fontRef idx="minor"/>
+        </p:style>
+        <p:txBody>
+          <a:bodyPr lIns="90000" rIns="90000" tIns="45000" bIns="45000" anchor="t">
+            <a:spAutoFit/>
+          </a:bodyPr>
+          <a:p>
+            <a:pPr algn="ctr" defTabSz="914400">
+              <a:lnSpc>
+                <a:spcPct val="100000"/>
+              </a:lnSpc>
+            </a:pPr>
+            <a:r>
+              <a:rPr b="0" lang="en-US" sz="1800" spc="-1" strike="noStrike">
+                <a:solidFill>
+                  <a:schemeClr val="dk1"/>
+                </a:solidFill>
+                <a:latin typeface="PT Sans"/>
+              </a:rPr>
+              <a:t>…</a:t>
+            </a:r>
+            <a:endParaRPr b="0" lang="en-US" sz="1800" spc="-1" strike="noStrike">
+              <a:solidFill>
+                <a:srgbClr val="000000"/>
+              </a:solidFill>
+              <a:latin typeface="Arial"/>
+            </a:endParaRPr>
+          </a:p>
+          <a:p>
+            <a:pPr algn="ctr" defTabSz="914400">
+              <a:lnSpc>
+                <a:spcPct val="100000"/>
+              </a:lnSpc>
+            </a:pPr>
+            <a:endParaRPr b="0" lang="en-US" sz="1800" spc="-1" strike="noStrike">
+              <a:solidFill>
+                <a:srgbClr val="000000"/>
+              </a:solidFill>
+              <a:latin typeface="Arial"/>
+            </a:endParaRPr>
+          </a:p>
+        </p:txBody>
+      </p:sp>
+    </p:spTree>
+  </p:cSld>
+  <mc:AlternateContent>
+    <mc:Choice Requires="p14">
+      <p:transition spd="slow" p14:dur="2000"/>
+    </mc:Choice>
+    <mc:Fallback>
+      <p:transition spd="slow"/>
+    </mc:Fallback>
+  </mc:AlternateContent>
+</p:sld>
+</file>
+
+<file path=ppt/slides/slide5.xml><?xml version="1.0" encoding="utf-8"?>
+<p:sld xmlns:a="http://schemas.openxmlformats.org/drawingml/2006/main" xmlns:p="http://schemas.openxmlformats.org/presentationml/2006/main" xmlns:r="http://schemas.openxmlformats.org/officeDocument/2006/relationships" xmlns:p14="http://schemas.microsoft.com/office/powerpoint/2010/main" xmlns:p15="http://schemas.microsoft.com/office/powerpoint/2012/main" xmlns:mc="http://schemas.openxmlformats.org/markup-compatibility/2006">
+  <p:cSld>
+    <p:bg>
+      <p:bgPr>
+        <a:blipFill rotWithShape="0">
+          <a:blip r:embed="rId1"/>
+          <a:stretch/>
+        </a:blipFill>
+      </p:bgPr>
+    </p:bg>
+    <p:spTree>
+      <p:nvGrpSpPr>
+        <p:cNvPr id="1" name=""/>
+        <p:cNvGrpSpPr/>
+        <p:nvPr/>
+      </p:nvGrpSpPr>
+      <p:grpSpPr>
+        <a:xfrm>
+          <a:off x="0" y="0"/>
+          <a:ext cx="0" cy="0"/>
+          <a:chOff x="0" y="0"/>
+          <a:chExt cx="0" cy="0"/>
+        </a:xfrm>
+      </p:grpSpPr>
+      <p:sp>
+        <p:nvSpPr>
+          <p:cNvPr id="46" name="PlaceHolder 1"/>
+          <p:cNvSpPr>
+            <a:spLocks noGrp="1"/>
+          </p:cNvSpPr>
+          <p:nvPr>
+            <p:ph type="title"/>
+          </p:nvPr>
+        </p:nvSpPr>
+        <p:spPr>
+          <a:xfrm>
+            <a:off x="628560" y="1486800"/>
+            <a:ext cx="7885800" cy="904320"/>
+          </a:xfrm>
+          <a:prstGeom prst="rect">
+            <a:avLst/>
+          </a:prstGeom>
+          <a:noFill/>
+          <a:ln w="0">
+            <a:noFill/>
+          </a:ln>
+        </p:spPr>
+        <p:txBody>
+          <a:bodyPr lIns="91440" rIns="91440" tIns="45720" bIns="45720" anchor="ctr">
+            <a:noAutofit/>
+          </a:bodyPr>
+          <a:p>
+            <a:pPr indent="0" defTabSz="914400">
+              <a:lnSpc>
+                <a:spcPct val="90000"/>
+              </a:lnSpc>
+              <a:spcBef>
+                <a:spcPts val="1191"/>
+              </a:spcBef>
+              <a:spcAft>
+                <a:spcPts val="992"/>
+              </a:spcAft>
+              <a:buNone/>
+              <a:tabLst>
+                <a:tab algn="l" pos="0"/>
+              </a:tabLst>
+            </a:pPr>
+            <a:r>
+              <a:rPr b="1" lang="ro-MD" sz="3000" spc="-1" strike="noStrike">
+                <a:solidFill>
+                  <a:schemeClr val="dk1"/>
+                </a:solidFill>
+                <a:latin typeface="PT Sans"/>
+                <a:ea typeface="PT Sans"/>
+              </a:rPr>
+              <a:t>Infrastructura TIC relevantă:</a:t>
+            </a:r>
+            <a:endParaRPr b="0" lang="en-US" sz="3000" spc="-1" strike="noStrike">
+              <a:solidFill>
+                <a:srgbClr val="000000"/>
+              </a:solidFill>
+              <a:latin typeface="Arial"/>
+            </a:endParaRPr>
+          </a:p>
+        </p:txBody>
+      </p:sp>
+      <p:sp>
+        <p:nvSpPr>
+          <p:cNvPr id="47" name="PlaceHolder 2"/>
+          <p:cNvSpPr>
+            <a:spLocks noGrp="1"/>
+          </p:cNvSpPr>
+          <p:nvPr>
+            <p:ph/>
+          </p:nvPr>
+        </p:nvSpPr>
+        <p:spPr>
+          <a:xfrm>
+            <a:off x="115200" y="2467080"/>
+            <a:ext cx="7885800" cy="1190520"/>
+          </a:xfrm>
+          <a:prstGeom prst="rect">
+            <a:avLst/>
+          </a:prstGeom>
+          <a:noFill/>
+          <a:ln w="0">
+            <a:noFill/>
+          </a:ln>
+        </p:spPr>
+        <p:txBody>
+          <a:bodyPr lIns="91440" rIns="91440" tIns="45720" bIns="45720" anchor="t">
+            <a:normAutofit/>
+          </a:bodyPr>
+          <a:p>
+            <a:pPr indent="0" algn="ctr" defTabSz="914400">
+              <a:lnSpc>
+                <a:spcPct val="90000"/>
+              </a:lnSpc>
+              <a:spcBef>
+                <a:spcPts val="1001"/>
+              </a:spcBef>
+              <a:buNone/>
+              <a:tabLst>
+                <a:tab algn="l" pos="0"/>
+              </a:tabLst>
+            </a:pPr>
+            <a:r>
+              <a:rPr b="0" lang="en-US" sz="1800" spc="-1" strike="noStrike">
+                <a:solidFill>
+                  <a:schemeClr val="dk1"/>
+                </a:solidFill>
+                <a:latin typeface="PT Sans"/>
+                <a:ea typeface="PT Sans"/>
+              </a:rPr>
+              <a:t>…</a:t>
+            </a:r>
+            <a:endParaRPr b="0" lang="en-US" sz="1800" spc="-1" strike="noStrike">
+              <a:solidFill>
+                <a:srgbClr val="000000"/>
+              </a:solidFill>
+              <a:latin typeface="Arial"/>
+            </a:endParaRPr>
+          </a:p>
+          <a:p>
+            <a:pPr indent="0" algn="ctr" defTabSz="914400">
+              <a:lnSpc>
+                <a:spcPct val="90000"/>
+              </a:lnSpc>
+              <a:spcBef>
+                <a:spcPts val="1001"/>
+              </a:spcBef>
+              <a:buNone/>
+              <a:tabLst>
+                <a:tab algn="l" pos="0"/>
+              </a:tabLst>
+            </a:pPr>
+            <a:endParaRPr b="0" lang="en-US" sz="1800" spc="-1" strike="noStrike">
+              <a:solidFill>
+                <a:srgbClr val="000000"/>
+              </a:solidFill>
+              <a:latin typeface="Arial"/>
+            </a:endParaRPr>
+          </a:p>
+        </p:txBody>
+      </p:sp>
+      <p:sp>
+        <p:nvSpPr>
+          <p:cNvPr id="48" name="TextBox 3"/>
+          <p:cNvSpPr/>
+          <p:nvPr/>
+        </p:nvSpPr>
+        <p:spPr>
+          <a:xfrm>
+            <a:off x="670680" y="3524760"/>
+            <a:ext cx="7801920" cy="638280"/>
+          </a:xfrm>
+          <a:prstGeom prst="rect">
+            <a:avLst/>
+          </a:prstGeom>
+          <a:noFill/>
+          <a:ln w="0">
+            <a:noFill/>
+          </a:ln>
+        </p:spPr>
+        <p:style>
+          <a:lnRef idx="0"/>
+          <a:fillRef idx="0"/>
+          <a:effectRef idx="0"/>
+          <a:fontRef idx="minor"/>
+        </p:style>
+        <p:txBody>
+          <a:bodyPr lIns="90000" rIns="90000" tIns="45000" bIns="45000" anchor="t">
+            <a:spAutoFit/>
+          </a:bodyPr>
+          <a:p>
+            <a:pPr algn="ctr" defTabSz="914400">
+              <a:lnSpc>
+                <a:spcPct val="100000"/>
+              </a:lnSpc>
+            </a:pPr>
+            <a:r>
+              <a:rPr b="0" lang="en-US" sz="1800" spc="-1" strike="noStrike">
+                <a:solidFill>
+                  <a:schemeClr val="dk1"/>
+                </a:solidFill>
+                <a:latin typeface="PT Sans"/>
+              </a:rPr>
+              <a:t>…</a:t>
+            </a:r>
+            <a:endParaRPr b="0" lang="en-US" sz="1800" spc="-1" strike="noStrike">
+              <a:solidFill>
+                <a:srgbClr val="000000"/>
+              </a:solidFill>
+              <a:latin typeface="Arial"/>
+            </a:endParaRPr>
+          </a:p>
+          <a:p>
+            <a:pPr algn="ctr" defTabSz="914400">
+              <a:lnSpc>
+                <a:spcPct val="100000"/>
+              </a:lnSpc>
+            </a:pPr>
+            <a:endParaRPr b="0" lang="en-US" sz="1800" spc="-1" strike="noStrike">
+              <a:solidFill>
+                <a:srgbClr val="000000"/>
+              </a:solidFill>
+              <a:latin typeface="Arial"/>
+            </a:endParaRPr>
+          </a:p>
+        </p:txBody>
+      </p:sp>
+    </p:spTree>
+  </p:cSld>
+  <mc:AlternateContent>
+    <mc:Choice Requires="p14">
+      <p:transition spd="slow" p14:dur="2000"/>
+    </mc:Choice>
+    <mc:Fallback>
+      <p:transition spd="slow"/>
+    </mc:Fallback>
+  </mc:AlternateContent>
+</p:sld>
+</file>
+
+<file path=ppt/slides/slide6.xml><?xml version="1.0" encoding="utf-8"?>
+<p:sld xmlns:a="http://schemas.openxmlformats.org/drawingml/2006/main" xmlns:p="http://schemas.openxmlformats.org/presentationml/2006/main" xmlns:r="http://schemas.openxmlformats.org/officeDocument/2006/relationships" xmlns:p14="http://schemas.microsoft.com/office/powerpoint/2010/main" xmlns:p15="http://schemas.microsoft.com/office/powerpoint/2012/main" xmlns:mc="http://schemas.openxmlformats.org/markup-compatibility/2006">
+  <p:cSld>
+    <p:bg>
+      <p:bgPr>
+        <a:blipFill rotWithShape="0">
+          <a:blip r:embed="rId1"/>
+          <a:stretch/>
+        </a:blipFill>
+      </p:bgPr>
+    </p:bg>
+    <p:spTree>
+      <p:nvGrpSpPr>
+        <p:cNvPr id="1" name=""/>
+        <p:cNvGrpSpPr/>
+        <p:nvPr/>
+      </p:nvGrpSpPr>
+      <p:grpSpPr>
+        <a:xfrm>
+          <a:off x="0" y="0"/>
+          <a:ext cx="0" cy="0"/>
+          <a:chOff x="0" y="0"/>
+          <a:chExt cx="0" cy="0"/>
+        </a:xfrm>
+      </p:grpSpPr>
+      <p:sp>
+        <p:nvSpPr>
+          <p:cNvPr id="49" name="PlaceHolder 1"/>
+          <p:cNvSpPr>
+            <a:spLocks noGrp="1"/>
+          </p:cNvSpPr>
+          <p:nvPr>
+            <p:ph type="title"/>
+          </p:nvPr>
+        </p:nvSpPr>
+        <p:spPr>
+          <a:xfrm>
+            <a:off x="685800" y="2971800"/>
+            <a:ext cx="7885800" cy="904320"/>
+          </a:xfrm>
+          <a:prstGeom prst="rect">
+            <a:avLst/>
+          </a:prstGeom>
+          <a:noFill/>
+          <a:ln w="0">
+            <a:noFill/>
+          </a:ln>
+        </p:spPr>
+        <p:txBody>
+          <a:bodyPr lIns="91440" rIns="91440" tIns="45720" bIns="45720" anchor="ctr">
+            <a:noAutofit/>
+          </a:bodyPr>
+          <a:p>
+            <a:pPr indent="0" algn="ctr" defTabSz="914400">
+              <a:lnSpc>
+                <a:spcPct val="90000"/>
+              </a:lnSpc>
+              <a:buNone/>
+              <a:tabLst>
+                <a:tab algn="l" pos="0"/>
+              </a:tabLst>
             </a:pPr>
             <a:r>
               <a:rPr b="1" lang="ro-MD" sz="6000" spc="-1" strike="noStrike">
@@ -6891,9 +8567,9 @@
             </a:r>
             <a:endParaRPr b="0" lang="en-US" sz="6000" spc="-1" strike="noStrike">
               <a:solidFill>
-                <a:schemeClr val="dk1"/>
-              </a:solidFill>
-              <a:latin typeface="Calibri"/>
+                <a:srgbClr val="000000"/>
+              </a:solidFill>
+              <a:latin typeface="Arial"/>
             </a:endParaRPr>
           </a:p>
         </p:txBody>
